--- a/Results_Fiocruz.pptx
+++ b/Results_Fiocruz.pptx
@@ -6,6 +6,8 @@
   </p:sldMasterIdLst>
   <p:sldIdLst>
     <p:sldId id="256" r:id="rId3"/>
+    <p:sldId id="257" r:id="rId4"/>
+    <p:sldId id="258" r:id="rId5"/>
   </p:sldIdLst>
   <p:sldSz cx="18288000" cy="18288000"/>
   <p:notesSz cx="7772400" cy="10058400"/>
@@ -63,7 +65,7 @@
         <p:txBody>
           <a:bodyPr/>
           <a:p>
-            <a:fld id="{58AD3DE2-C842-4A3A-B2BC-6DEBF0F92F0A}" type="slidenum">
+            <a:fld id="{73FE0D59-BD71-4967-B634-BBC88A08BDD3}" type="slidenum">
               <a:t>&lt;#&gt;</a:t>
             </a:fld>
           </a:p>
@@ -124,8 +126,8 @@
         </p:nvSpPr>
         <p:spPr>
           <a:xfrm>
-            <a:off x="914400" y="729000"/>
-            <a:ext cx="16458120" cy="3052440"/>
+            <a:off x="914400" y="729360"/>
+            <a:ext cx="16458840" cy="3053520"/>
           </a:xfrm>
           <a:prstGeom prst="rect">
             <a:avLst/>
@@ -251,7 +253,7 @@
         <p:txBody>
           <a:bodyPr/>
           <a:p>
-            <a:fld id="{A64C55A9-3FE2-48CC-8D84-BB41D4273DF7}" type="slidenum">
+            <a:fld id="{40BAEB6B-19C2-4AC6-AD38-15BEDB67D11B}" type="slidenum">
               <a:t>&lt;#&gt;</a:t>
             </a:fld>
           </a:p>
@@ -312,8 +314,8 @@
         </p:nvSpPr>
         <p:spPr>
           <a:xfrm>
-            <a:off x="914400" y="729000"/>
-            <a:ext cx="16458120" cy="3052440"/>
+            <a:off x="914400" y="729360"/>
+            <a:ext cx="16458840" cy="3053520"/>
           </a:xfrm>
           <a:prstGeom prst="rect">
             <a:avLst/>
@@ -507,7 +509,7 @@
         <p:txBody>
           <a:bodyPr/>
           <a:p>
-            <a:fld id="{93974958-26DE-4B58-ADEA-7235B3D4C30B}" type="slidenum">
+            <a:fld id="{89A0777F-2CC2-4795-8FC5-DCFE95A28452}" type="slidenum">
               <a:t>&lt;#&gt;</a:t>
             </a:fld>
           </a:p>
@@ -568,8 +570,8 @@
         </p:nvSpPr>
         <p:spPr>
           <a:xfrm>
-            <a:off x="914400" y="729000"/>
-            <a:ext cx="16458120" cy="3052440"/>
+            <a:off x="914400" y="729360"/>
+            <a:ext cx="16458840" cy="3053520"/>
           </a:xfrm>
           <a:prstGeom prst="rect">
             <a:avLst/>
@@ -831,7 +833,7 @@
         <p:txBody>
           <a:bodyPr/>
           <a:p>
-            <a:fld id="{31A76A1A-7608-4BA6-AD49-F9043CC67A65}" type="slidenum">
+            <a:fld id="{94CD7841-D8B1-4ABC-8121-57A689FF0721}" type="slidenum">
               <a:t>&lt;#&gt;</a:t>
             </a:fld>
           </a:p>
@@ -892,8 +894,8 @@
         </p:nvSpPr>
         <p:spPr>
           <a:xfrm>
-            <a:off x="914400" y="729000"/>
-            <a:ext cx="16458120" cy="3052440"/>
+            <a:off x="914400" y="729360"/>
+            <a:ext cx="16458840" cy="3053520"/>
           </a:xfrm>
           <a:prstGeom prst="rect">
             <a:avLst/>
@@ -988,7 +990,7 @@
         <p:txBody>
           <a:bodyPr/>
           <a:p>
-            <a:fld id="{59F30FAC-4BE0-4849-9198-AB6A3130537F}" type="slidenum">
+            <a:fld id="{E5AD441B-732D-4235-AEC7-DBEC647D3F8C}" type="slidenum">
               <a:t>&lt;#&gt;</a:t>
             </a:fld>
           </a:p>
@@ -1049,8 +1051,8 @@
         </p:nvSpPr>
         <p:spPr>
           <a:xfrm>
-            <a:off x="914400" y="729000"/>
-            <a:ext cx="16458120" cy="3052440"/>
+            <a:off x="914400" y="729360"/>
+            <a:ext cx="16458840" cy="3053520"/>
           </a:xfrm>
           <a:prstGeom prst="rect">
             <a:avLst/>
@@ -1142,7 +1144,7 @@
         <p:txBody>
           <a:bodyPr/>
           <a:p>
-            <a:fld id="{CA482131-60A3-42F7-A736-288DC5DE9A60}" type="slidenum">
+            <a:fld id="{693F8117-274E-49CB-8FD7-DB308EF3814B}" type="slidenum">
               <a:t>&lt;#&gt;</a:t>
             </a:fld>
           </a:p>
@@ -1203,8 +1205,8 @@
         </p:nvSpPr>
         <p:spPr>
           <a:xfrm>
-            <a:off x="914400" y="729000"/>
-            <a:ext cx="16458120" cy="3052440"/>
+            <a:off x="914400" y="729360"/>
+            <a:ext cx="16458840" cy="3053520"/>
           </a:xfrm>
           <a:prstGeom prst="rect">
             <a:avLst/>
@@ -1330,7 +1332,7 @@
         <p:txBody>
           <a:bodyPr/>
           <a:p>
-            <a:fld id="{71110D1F-8653-4226-BAE3-7B303A34C8D8}" type="slidenum">
+            <a:fld id="{48D4F4AC-A8B4-4654-ACD3-12AEDB6278AB}" type="slidenum">
               <a:t>&lt;#&gt;</a:t>
             </a:fld>
           </a:p>
@@ -1391,8 +1393,8 @@
         </p:nvSpPr>
         <p:spPr>
           <a:xfrm>
-            <a:off x="914400" y="729000"/>
-            <a:ext cx="16458120" cy="3052440"/>
+            <a:off x="914400" y="729360"/>
+            <a:ext cx="16458840" cy="3053520"/>
           </a:xfrm>
           <a:prstGeom prst="rect">
             <a:avLst/>
@@ -1450,7 +1452,7 @@
         <p:txBody>
           <a:bodyPr/>
           <a:p>
-            <a:fld id="{0774122F-687F-47C9-9242-BB5011433370}" type="slidenum">
+            <a:fld id="{FF11231D-7975-422F-B03C-2A722CF746A7}" type="slidenum">
               <a:t>&lt;#&gt;</a:t>
             </a:fld>
           </a:p>
@@ -1511,8 +1513,8 @@
         </p:nvSpPr>
         <p:spPr>
           <a:xfrm>
-            <a:off x="914400" y="729000"/>
-            <a:ext cx="16458120" cy="14150520"/>
+            <a:off x="914400" y="729360"/>
+            <a:ext cx="16458840" cy="14155560"/>
           </a:xfrm>
           <a:prstGeom prst="rect">
             <a:avLst/>
@@ -1570,7 +1572,7 @@
         <p:txBody>
           <a:bodyPr/>
           <a:p>
-            <a:fld id="{9E398029-2062-4828-A292-E8C3C87CAA07}" type="slidenum">
+            <a:fld id="{251B49AA-6186-4561-B109-3624620F7BD1}" type="slidenum">
               <a:t>&lt;#&gt;</a:t>
             </a:fld>
           </a:p>
@@ -1631,8 +1633,8 @@
         </p:nvSpPr>
         <p:spPr>
           <a:xfrm>
-            <a:off x="914400" y="729000"/>
-            <a:ext cx="16458120" cy="3052440"/>
+            <a:off x="914400" y="729360"/>
+            <a:ext cx="16458840" cy="3053520"/>
           </a:xfrm>
           <a:prstGeom prst="rect">
             <a:avLst/>
@@ -1792,7 +1794,7 @@
         <p:txBody>
           <a:bodyPr/>
           <a:p>
-            <a:fld id="{B31CF6B7-1D50-4202-B8B8-F88FB6348987}" type="slidenum">
+            <a:fld id="{479532ED-CC80-48F7-BCF0-EDA45C1733D6}" type="slidenum">
               <a:t>&lt;#&gt;</a:t>
             </a:fld>
           </a:p>
@@ -1853,8 +1855,8 @@
         </p:nvSpPr>
         <p:spPr>
           <a:xfrm>
-            <a:off x="914400" y="729000"/>
-            <a:ext cx="16458120" cy="3052440"/>
+            <a:off x="914400" y="729360"/>
+            <a:ext cx="16458840" cy="3053520"/>
           </a:xfrm>
           <a:prstGeom prst="rect">
             <a:avLst/>
@@ -2014,7 +2016,7 @@
         <p:txBody>
           <a:bodyPr/>
           <a:p>
-            <a:fld id="{CBD09187-AB3B-4494-BF92-4F04ED7E0E70}" type="slidenum">
+            <a:fld id="{91B860CC-4905-468D-940D-AF09B955F5ED}" type="slidenum">
               <a:t>&lt;#&gt;</a:t>
             </a:fld>
           </a:p>
@@ -2075,8 +2077,8 @@
         </p:nvSpPr>
         <p:spPr>
           <a:xfrm>
-            <a:off x="914400" y="729000"/>
-            <a:ext cx="16458120" cy="3052440"/>
+            <a:off x="914400" y="729360"/>
+            <a:ext cx="16458840" cy="3053520"/>
           </a:xfrm>
           <a:prstGeom prst="rect">
             <a:avLst/>
@@ -2236,7 +2238,7 @@
         <p:txBody>
           <a:bodyPr/>
           <a:p>
-            <a:fld id="{B932BC97-393C-4DBF-B28F-BFF9AF9598AE}" type="slidenum">
+            <a:fld id="{F8927645-0F86-4175-82F0-EED2132F58A5}" type="slidenum">
               <a:t>&lt;#&gt;</a:t>
             </a:fld>
           </a:p>
@@ -2292,257 +2294,13 @@
             <a:spLocks noGrp="1"/>
           </p:cNvSpPr>
           <p:nvPr>
-            <p:ph type="title"/>
-          </p:nvPr>
-        </p:nvSpPr>
-        <p:spPr>
-          <a:xfrm>
-            <a:off x="914400" y="729000"/>
-            <a:ext cx="16458120" cy="3052440"/>
-          </a:xfrm>
-          <a:prstGeom prst="rect">
-            <a:avLst/>
-          </a:prstGeom>
-          <a:noFill/>
-          <a:ln w="0">
-            <a:noFill/>
-          </a:ln>
-        </p:spPr>
-        <p:txBody>
-          <a:bodyPr lIns="0" rIns="0" tIns="0" bIns="0" anchor="ctr">
-            <a:noAutofit/>
-          </a:bodyPr>
-          <a:p>
-            <a:r>
-              <a:rPr b="0" lang="en-US" sz="1800" spc="-1" strike="noStrike">
-                <a:latin typeface="Arial"/>
-              </a:rPr>
-              <a:t>C</a:t>
-            </a:r>
-            <a:r>
-              <a:rPr b="0" lang="en-US" sz="1800" spc="-1" strike="noStrike">
-                <a:latin typeface="Arial"/>
-              </a:rPr>
-              <a:t>l</a:t>
-            </a:r>
-            <a:r>
-              <a:rPr b="0" lang="en-US" sz="1800" spc="-1" strike="noStrike">
-                <a:latin typeface="Arial"/>
-              </a:rPr>
-              <a:t>i</a:t>
-            </a:r>
-            <a:r>
-              <a:rPr b="0" lang="en-US" sz="1800" spc="-1" strike="noStrike">
-                <a:latin typeface="Arial"/>
-              </a:rPr>
-              <a:t>c</a:t>
-            </a:r>
-            <a:r>
-              <a:rPr b="0" lang="en-US" sz="1800" spc="-1" strike="noStrike">
-                <a:latin typeface="Arial"/>
-              </a:rPr>
-              <a:t>k</a:t>
-            </a:r>
-            <a:r>
-              <a:rPr b="0" lang="en-US" sz="1800" spc="-1" strike="noStrike">
-                <a:latin typeface="Arial"/>
-              </a:rPr>
-              <a:t> </a:t>
-            </a:r>
-            <a:r>
-              <a:rPr b="0" lang="en-US" sz="1800" spc="-1" strike="noStrike">
-                <a:latin typeface="Arial"/>
-              </a:rPr>
-              <a:t>t</a:t>
-            </a:r>
-            <a:r>
-              <a:rPr b="0" lang="en-US" sz="1800" spc="-1" strike="noStrike">
-                <a:latin typeface="Arial"/>
-              </a:rPr>
-              <a:t>o</a:t>
-            </a:r>
-            <a:r>
-              <a:rPr b="0" lang="en-US" sz="1800" spc="-1" strike="noStrike">
-                <a:latin typeface="Arial"/>
-              </a:rPr>
-              <a:t> </a:t>
-            </a:r>
-            <a:r>
-              <a:rPr b="0" lang="en-US" sz="1800" spc="-1" strike="noStrike">
-                <a:latin typeface="Arial"/>
-              </a:rPr>
-              <a:t>e</a:t>
-            </a:r>
-            <a:r>
-              <a:rPr b="0" lang="en-US" sz="1800" spc="-1" strike="noStrike">
-                <a:latin typeface="Arial"/>
-              </a:rPr>
-              <a:t>d</a:t>
-            </a:r>
-            <a:r>
-              <a:rPr b="0" lang="en-US" sz="1800" spc="-1" strike="noStrike">
-                <a:latin typeface="Arial"/>
-              </a:rPr>
-              <a:t>i</a:t>
-            </a:r>
-            <a:r>
-              <a:rPr b="0" lang="en-US" sz="1800" spc="-1" strike="noStrike">
-                <a:latin typeface="Arial"/>
-              </a:rPr>
-              <a:t>t</a:t>
-            </a:r>
-            <a:r>
-              <a:rPr b="0" lang="en-US" sz="1800" spc="-1" strike="noStrike">
-                <a:latin typeface="Arial"/>
-              </a:rPr>
-              <a:t> </a:t>
-            </a:r>
-            <a:r>
-              <a:rPr b="0" lang="en-US" sz="1800" spc="-1" strike="noStrike">
-                <a:latin typeface="Arial"/>
-              </a:rPr>
-              <a:t>t</a:t>
-            </a:r>
-            <a:r>
-              <a:rPr b="0" lang="en-US" sz="1800" spc="-1" strike="noStrike">
-                <a:latin typeface="Arial"/>
-              </a:rPr>
-              <a:t>h</a:t>
-            </a:r>
-            <a:r>
-              <a:rPr b="0" lang="en-US" sz="1800" spc="-1" strike="noStrike">
-                <a:latin typeface="Arial"/>
-              </a:rPr>
-              <a:t>e</a:t>
-            </a:r>
-            <a:r>
-              <a:rPr b="0" lang="en-US" sz="1800" spc="-1" strike="noStrike">
-                <a:latin typeface="Arial"/>
-              </a:rPr>
-              <a:t> </a:t>
-            </a:r>
-            <a:r>
-              <a:rPr b="0" lang="en-US" sz="1800" spc="-1" strike="noStrike">
-                <a:latin typeface="Arial"/>
-              </a:rPr>
-              <a:t>t</a:t>
-            </a:r>
-            <a:r>
-              <a:rPr b="0" lang="en-US" sz="1800" spc="-1" strike="noStrike">
-                <a:latin typeface="Arial"/>
-              </a:rPr>
-              <a:t>i</a:t>
-            </a:r>
-            <a:r>
-              <a:rPr b="0" lang="en-US" sz="1800" spc="-1" strike="noStrike">
-                <a:latin typeface="Arial"/>
-              </a:rPr>
-              <a:t>t</a:t>
-            </a:r>
-            <a:r>
-              <a:rPr b="0" lang="en-US" sz="1800" spc="-1" strike="noStrike">
-                <a:latin typeface="Arial"/>
-              </a:rPr>
-              <a:t>l</a:t>
-            </a:r>
-            <a:r>
-              <a:rPr b="0" lang="en-US" sz="1800" spc="-1" strike="noStrike">
-                <a:latin typeface="Arial"/>
-              </a:rPr>
-              <a:t>e</a:t>
-            </a:r>
-            <a:r>
-              <a:rPr b="0" lang="en-US" sz="1800" spc="-1" strike="noStrike">
-                <a:latin typeface="Arial"/>
-              </a:rPr>
-              <a:t> </a:t>
-            </a:r>
-            <a:r>
-              <a:rPr b="0" lang="en-US" sz="1800" spc="-1" strike="noStrike">
-                <a:latin typeface="Arial"/>
-              </a:rPr>
-              <a:t>t</a:t>
-            </a:r>
-            <a:r>
-              <a:rPr b="0" lang="en-US" sz="1800" spc="-1" strike="noStrike">
-                <a:latin typeface="Arial"/>
-              </a:rPr>
-              <a:t>e</a:t>
-            </a:r>
-            <a:r>
-              <a:rPr b="0" lang="en-US" sz="1800" spc="-1" strike="noStrike">
-                <a:latin typeface="Arial"/>
-              </a:rPr>
-              <a:t>x</a:t>
-            </a:r>
-            <a:r>
-              <a:rPr b="0" lang="en-US" sz="1800" spc="-1" strike="noStrike">
-                <a:latin typeface="Arial"/>
-              </a:rPr>
-              <a:t>t</a:t>
-            </a:r>
-            <a:r>
-              <a:rPr b="0" lang="en-US" sz="1800" spc="-1" strike="noStrike">
-                <a:latin typeface="Arial"/>
-              </a:rPr>
-              <a:t> </a:t>
-            </a:r>
-            <a:r>
-              <a:rPr b="0" lang="en-US" sz="1800" spc="-1" strike="noStrike">
-                <a:latin typeface="Arial"/>
-              </a:rPr>
-              <a:t>f</a:t>
-            </a:r>
-            <a:r>
-              <a:rPr b="0" lang="en-US" sz="1800" spc="-1" strike="noStrike">
-                <a:latin typeface="Arial"/>
-              </a:rPr>
-              <a:t>o</a:t>
-            </a:r>
-            <a:r>
-              <a:rPr b="0" lang="en-US" sz="1800" spc="-1" strike="noStrike">
-                <a:latin typeface="Arial"/>
-              </a:rPr>
-              <a:t>r</a:t>
-            </a:r>
-            <a:r>
-              <a:rPr b="0" lang="en-US" sz="1800" spc="-1" strike="noStrike">
-                <a:latin typeface="Arial"/>
-              </a:rPr>
-              <a:t>m</a:t>
-            </a:r>
-            <a:r>
-              <a:rPr b="0" lang="en-US" sz="1800" spc="-1" strike="noStrike">
-                <a:latin typeface="Arial"/>
-              </a:rPr>
-              <a:t>a</a:t>
-            </a:r>
-            <a:r>
-              <a:rPr b="0" lang="en-US" sz="1800" spc="-1" strike="noStrike">
-                <a:latin typeface="Arial"/>
-              </a:rPr>
-              <a:t>t</a:t>
-            </a:r>
-            <a:endParaRPr b="0" lang="en-US" sz="1800" spc="-1" strike="noStrike">
-              <a:latin typeface="Arial"/>
-            </a:endParaRPr>
-          </a:p>
-        </p:txBody>
-      </p:sp>
-      <p:sp>
-        <p:nvSpPr>
-          <p:cNvPr id="1" name="PlaceHolder 2"/>
-          <p:cNvSpPr>
-            <a:spLocks noGrp="1"/>
-          </p:cNvSpPr>
-          <p:nvPr>
             <p:ph type="ftr" idx="1"/>
           </p:nvPr>
         </p:nvSpPr>
         <p:spPr>
           <a:xfrm>
             <a:off x="6254280" y="16659720"/>
-            <a:ext cx="5796360" cy="1259640"/>
+            <a:ext cx="5795280" cy="1258560"/>
           </a:xfrm>
           <a:prstGeom prst="rect">
             <a:avLst/>
@@ -2588,7 +2346,7 @@
       </p:sp>
       <p:sp>
         <p:nvSpPr>
-          <p:cNvPr id="2" name="PlaceHolder 3"/>
+          <p:cNvPr id="1" name="PlaceHolder 2"/>
           <p:cNvSpPr>
             <a:spLocks noGrp="1"/>
           </p:cNvSpPr>
@@ -2599,7 +2357,7 @@
         <p:spPr>
           <a:xfrm>
             <a:off x="13112280" y="16659720"/>
-            <a:ext cx="4260240" cy="1259640"/>
+            <a:ext cx="4259160" cy="1258560"/>
           </a:xfrm>
           <a:prstGeom prst="rect">
             <a:avLst/>
@@ -2631,7 +2389,7 @@
               </a:lnSpc>
               <a:buNone/>
             </a:pPr>
-            <a:fld id="{AC2E0E91-2604-4638-A217-ED26FDBE2F25}" type="slidenum">
+            <a:fld id="{5D7A6917-165D-4D06-86A2-0BFACF7A29A5}" type="slidenum">
               <a:rPr b="0" lang="en-US" sz="1400" spc="-1" strike="noStrike">
                 <a:latin typeface="Times New Roman"/>
               </a:rPr>
@@ -2645,7 +2403,7 @@
       </p:sp>
       <p:sp>
         <p:nvSpPr>
-          <p:cNvPr id="3" name="PlaceHolder 4"/>
+          <p:cNvPr id="2" name="PlaceHolder 3"/>
           <p:cNvSpPr>
             <a:spLocks noGrp="1"/>
           </p:cNvSpPr>
@@ -2656,7 +2414,7 @@
         <p:spPr>
           <a:xfrm>
             <a:off x="914400" y="16659720"/>
-            <a:ext cx="4260240" cy="1259640"/>
+            <a:ext cx="4259160" cy="1258560"/>
           </a:xfrm>
           <a:prstGeom prst="rect">
             <a:avLst/>
@@ -2686,6 +2444,49 @@
             </a:r>
             <a:endParaRPr b="0" lang="en-US" sz="1400" spc="-1" strike="noStrike">
               <a:latin typeface="Times New Roman"/>
+            </a:endParaRPr>
+          </a:p>
+        </p:txBody>
+      </p:sp>
+      <p:sp>
+        <p:nvSpPr>
+          <p:cNvPr id="3" name="PlaceHolder 4"/>
+          <p:cNvSpPr>
+            <a:spLocks noGrp="1"/>
+          </p:cNvSpPr>
+          <p:nvPr>
+            <p:ph type="title"/>
+          </p:nvPr>
+        </p:nvSpPr>
+        <p:spPr>
+          <a:xfrm>
+            <a:off x="914400" y="729360"/>
+            <a:ext cx="16458840" cy="3053520"/>
+          </a:xfrm>
+          <a:prstGeom prst="rect">
+            <a:avLst/>
+          </a:prstGeom>
+          <a:noFill/>
+          <a:ln w="0">
+            <a:noFill/>
+          </a:ln>
+        </p:spPr>
+        <p:txBody>
+          <a:bodyPr lIns="0" rIns="0" tIns="0" bIns="0" anchor="ctr">
+            <a:noAutofit/>
+          </a:bodyPr>
+          <a:p>
+            <a:pPr algn="ctr">
+              <a:buNone/>
+            </a:pPr>
+            <a:r>
+              <a:rPr b="0" lang="en-US" sz="4400" spc="-1" strike="noStrike">
+                <a:latin typeface="Arial"/>
+              </a:rPr>
+              <a:t>Click to edit the title text format</a:t>
+            </a:r>
+            <a:endParaRPr b="0" lang="en-US" sz="4400" spc="-1" strike="noStrike">
+              <a:latin typeface="Arial"/>
             </a:endParaRPr>
           </a:p>
         </p:txBody>
@@ -2910,9 +2711,146 @@
           <a:chExt cx="0" cy="0"/>
         </a:xfrm>
       </p:grpSpPr>
+      <p:sp>
+        <p:nvSpPr>
+          <p:cNvPr id="41" name=""/>
+          <p:cNvSpPr/>
+          <p:nvPr/>
+        </p:nvSpPr>
+        <p:spPr>
+          <a:xfrm>
+            <a:off x="7034400" y="13379400"/>
+            <a:ext cx="4237560" cy="1624680"/>
+          </a:xfrm>
+          <a:prstGeom prst="rect">
+            <a:avLst/>
+          </a:prstGeom>
+          <a:noFill/>
+          <a:ln w="0">
+            <a:noFill/>
+          </a:ln>
+        </p:spPr>
+        <p:style>
+          <a:lnRef idx="0"/>
+          <a:fillRef idx="0"/>
+          <a:effectRef idx="0"/>
+          <a:fontRef idx="minor"/>
+        </p:style>
+        <p:txBody>
+          <a:bodyPr lIns="90000" rIns="90000" tIns="45000" bIns="45000" anchor="t">
+            <a:noAutofit/>
+          </a:bodyPr>
+          <a:p>
+            <a:pPr>
+              <a:lnSpc>
+                <a:spcPct val="100000"/>
+              </a:lnSpc>
+              <a:buNone/>
+            </a:pPr>
+            <a:r>
+              <a:rPr b="1" lang="en-US" sz="1800" spc="-1" strike="noStrike">
+                <a:solidFill>
+                  <a:srgbClr val="000000"/>
+                </a:solidFill>
+                <a:latin typeface="Arial"/>
+                <a:ea typeface="DejaVu Sans"/>
+              </a:rPr>
+              <a:t>- entropy per stage</a:t>
+            </a:r>
+            <a:endParaRPr b="0" lang="en-US" sz="1800" spc="-1" strike="noStrike">
+              <a:latin typeface="Arial"/>
+            </a:endParaRPr>
+          </a:p>
+          <a:p>
+            <a:pPr>
+              <a:lnSpc>
+                <a:spcPct val="100000"/>
+              </a:lnSpc>
+              <a:buNone/>
+            </a:pPr>
+            <a:r>
+              <a:rPr b="1" lang="en-US" sz="1800" spc="-1" strike="noStrike">
+                <a:solidFill>
+                  <a:srgbClr val="000000"/>
+                </a:solidFill>
+                <a:latin typeface="Arial"/>
+                <a:ea typeface="DejaVu Sans"/>
+              </a:rPr>
+              <a:t>- gene expression per stage</a:t>
+            </a:r>
+            <a:endParaRPr b="0" lang="en-US" sz="1800" spc="-1" strike="noStrike">
+              <a:latin typeface="Arial"/>
+            </a:endParaRPr>
+          </a:p>
+          <a:p>
+            <a:pPr>
+              <a:lnSpc>
+                <a:spcPct val="100000"/>
+              </a:lnSpc>
+              <a:buNone/>
+            </a:pPr>
+            <a:r>
+              <a:rPr b="1" lang="en-US" sz="1800" spc="-1" strike="noStrike">
+                <a:solidFill>
+                  <a:srgbClr val="000000"/>
+                </a:solidFill>
+                <a:latin typeface="Arial"/>
+                <a:ea typeface="DejaVu Sans"/>
+              </a:rPr>
+              <a:t>- order of magnitude per stage</a:t>
+            </a:r>
+            <a:endParaRPr b="0" lang="en-US" sz="1800" spc="-1" strike="noStrike">
+              <a:latin typeface="Arial"/>
+            </a:endParaRPr>
+          </a:p>
+          <a:p>
+            <a:pPr>
+              <a:lnSpc>
+                <a:spcPct val="100000"/>
+              </a:lnSpc>
+              <a:buNone/>
+            </a:pPr>
+            <a:r>
+              <a:rPr b="1" lang="en-US" sz="1800" spc="-1" strike="noStrike">
+                <a:solidFill>
+                  <a:srgbClr val="000000"/>
+                </a:solidFill>
+                <a:latin typeface="Arial"/>
+                <a:ea typeface="DejaVu Sans"/>
+              </a:rPr>
+              <a:t>- PPI connectivity per stage</a:t>
+            </a:r>
+            <a:endParaRPr b="0" lang="en-US" sz="1800" spc="-1" strike="noStrike">
+              <a:latin typeface="Arial"/>
+            </a:endParaRPr>
+          </a:p>
+          <a:p>
+            <a:pPr>
+              <a:lnSpc>
+                <a:spcPct val="100000"/>
+              </a:lnSpc>
+              <a:buNone/>
+            </a:pPr>
+            <a:endParaRPr b="0" lang="en-US" sz="1800" spc="-1" strike="noStrike">
+              <a:latin typeface="Arial"/>
+            </a:endParaRPr>
+          </a:p>
+          <a:p>
+            <a:pPr>
+              <a:lnSpc>
+                <a:spcPct val="100000"/>
+              </a:lnSpc>
+              <a:buNone/>
+            </a:pPr>
+            <a:endParaRPr b="0" lang="en-US" sz="1800" spc="-1" strike="noStrike">
+              <a:latin typeface="Arial"/>
+            </a:endParaRPr>
+          </a:p>
+        </p:txBody>
+      </p:sp>
       <p:pic>
         <p:nvPicPr>
-          <p:cNvPr id="41" name="" descr=""/>
+          <p:cNvPr id="42" name="" descr=""/>
           <p:cNvPicPr/>
           <p:nvPr/>
         </p:nvPicPr>
@@ -2922,8 +2860,8 @@
         </p:blipFill>
         <p:spPr>
           <a:xfrm>
-            <a:off x="8073000" y="3560400"/>
-            <a:ext cx="923400" cy="923400"/>
+            <a:off x="8073000" y="3606480"/>
+            <a:ext cx="922320" cy="922320"/>
           </a:xfrm>
           <a:prstGeom prst="rect">
             <a:avLst/>
@@ -2935,14 +2873,14 @@
       </p:pic>
       <p:sp>
         <p:nvSpPr>
-          <p:cNvPr id="42" name=""/>
+          <p:cNvPr id="43" name=""/>
           <p:cNvSpPr/>
           <p:nvPr/>
         </p:nvSpPr>
         <p:spPr>
           <a:xfrm>
-            <a:off x="8069400" y="1325520"/>
-            <a:ext cx="2445840" cy="1113840"/>
+            <a:off x="8069400" y="1371600"/>
+            <a:ext cx="2444760" cy="1112760"/>
           </a:xfrm>
           <a:prstGeom prst="rect">
             <a:avLst/>
@@ -2977,107 +2915,7 @@
                 <a:latin typeface="Arial"/>
                 <a:ea typeface="DejaVu Sans"/>
               </a:rPr>
-              <a:t>L</a:t>
-            </a:r>
-            <a:r>
-              <a:rPr b="1" lang="en-US" sz="1800" spc="-1" strike="noStrike">
-                <a:solidFill>
-                  <a:srgbClr val="000000"/>
-                </a:solidFill>
-                <a:latin typeface="Arial"/>
-                <a:ea typeface="DejaVu Sans"/>
-              </a:rPr>
-              <a:t>u</a:t>
-            </a:r>
-            <a:r>
-              <a:rPr b="1" lang="en-US" sz="1800" spc="-1" strike="noStrike">
-                <a:solidFill>
-                  <a:srgbClr val="000000"/>
-                </a:solidFill>
-                <a:latin typeface="Arial"/>
-                <a:ea typeface="DejaVu Sans"/>
-              </a:rPr>
-              <a:t>n</a:t>
-            </a:r>
-            <a:r>
-              <a:rPr b="1" lang="en-US" sz="1800" spc="-1" strike="noStrike">
-                <a:solidFill>
-                  <a:srgbClr val="000000"/>
-                </a:solidFill>
-                <a:latin typeface="Arial"/>
-                <a:ea typeface="DejaVu Sans"/>
-              </a:rPr>
-              <a:t>g</a:t>
-            </a:r>
-            <a:r>
-              <a:rPr b="1" lang="en-US" sz="1800" spc="-1" strike="noStrike">
-                <a:solidFill>
-                  <a:srgbClr val="000000"/>
-                </a:solidFill>
-                <a:latin typeface="Arial"/>
-                <a:ea typeface="DejaVu Sans"/>
-              </a:rPr>
-              <a:t> </a:t>
-            </a:r>
-            <a:r>
-              <a:rPr b="1" lang="en-US" sz="1800" spc="-1" strike="noStrike">
-                <a:solidFill>
-                  <a:srgbClr val="000000"/>
-                </a:solidFill>
-                <a:latin typeface="Arial"/>
-                <a:ea typeface="DejaVu Sans"/>
-              </a:rPr>
-              <a:t>c</a:t>
-            </a:r>
-            <a:r>
-              <a:rPr b="1" lang="en-US" sz="1800" spc="-1" strike="noStrike">
-                <a:solidFill>
-                  <a:srgbClr val="000000"/>
-                </a:solidFill>
-                <a:latin typeface="Arial"/>
-                <a:ea typeface="DejaVu Sans"/>
-              </a:rPr>
-              <a:t>a</a:t>
-            </a:r>
-            <a:r>
-              <a:rPr b="1" lang="en-US" sz="1800" spc="-1" strike="noStrike">
-                <a:solidFill>
-                  <a:srgbClr val="000000"/>
-                </a:solidFill>
-                <a:latin typeface="Arial"/>
-                <a:ea typeface="DejaVu Sans"/>
-              </a:rPr>
-              <a:t>n</a:t>
-            </a:r>
-            <a:r>
-              <a:rPr b="1" lang="en-US" sz="1800" spc="-1" strike="noStrike">
-                <a:solidFill>
-                  <a:srgbClr val="000000"/>
-                </a:solidFill>
-                <a:latin typeface="Arial"/>
-                <a:ea typeface="DejaVu Sans"/>
-              </a:rPr>
-              <a:t>c</a:t>
-            </a:r>
-            <a:r>
-              <a:rPr b="1" lang="en-US" sz="1800" spc="-1" strike="noStrike">
-                <a:solidFill>
-                  <a:srgbClr val="000000"/>
-                </a:solidFill>
-                <a:latin typeface="Arial"/>
-                <a:ea typeface="DejaVu Sans"/>
-              </a:rPr>
-              <a:t>e</a:t>
-            </a:r>
-            <a:r>
-              <a:rPr b="1" lang="en-US" sz="1800" spc="-1" strike="noStrike">
-                <a:solidFill>
-                  <a:srgbClr val="000000"/>
-                </a:solidFill>
-                <a:latin typeface="Arial"/>
-                <a:ea typeface="DejaVu Sans"/>
-              </a:rPr>
-              <a:t>r</a:t>
+              <a:t>Lung cancer</a:t>
             </a:r>
             <a:endParaRPr b="0" lang="en-US" sz="1800" spc="-1" strike="noStrike">
               <a:latin typeface="Arial"/>
@@ -3087,14 +2925,14 @@
       </p:sp>
       <p:sp>
         <p:nvSpPr>
-          <p:cNvPr id="43" name=""/>
+          <p:cNvPr id="44" name=""/>
           <p:cNvSpPr/>
           <p:nvPr/>
         </p:nvSpPr>
         <p:spPr>
           <a:xfrm>
-            <a:off x="9153720" y="3589560"/>
-            <a:ext cx="4333680" cy="1113840"/>
+            <a:off x="9153720" y="3635640"/>
+            <a:ext cx="4332600" cy="1112760"/>
           </a:xfrm>
           <a:prstGeom prst="rect">
             <a:avLst/>
@@ -3171,7 +3009,17 @@
                 <a:latin typeface="Arial"/>
                 <a:ea typeface="DejaVu Sans"/>
               </a:rPr>
-              <a:t>- 45 samples paired/control</a:t>
+              <a:t>- 45 samples </a:t>
+            </a:r>
+            <a:r>
+              <a:rPr b="1" lang="en-US" sz="1800" spc="-1" strike="noStrike">
+                <a:solidFill>
+                  <a:srgbClr val="000000"/>
+                </a:solidFill>
+                <a:latin typeface="Arial"/>
+                <a:ea typeface="DejaVu Sans"/>
+              </a:rPr>
+              <a:t>paired/control</a:t>
             </a:r>
             <a:endParaRPr b="0" lang="en-US" sz="1800" spc="-1" strike="noStrike">
               <a:latin typeface="Arial"/>
@@ -3181,14 +3029,14 @@
       </p:sp>
       <p:sp>
         <p:nvSpPr>
-          <p:cNvPr id="44" name=""/>
+          <p:cNvPr id="45" name=""/>
           <p:cNvSpPr/>
           <p:nvPr/>
         </p:nvSpPr>
         <p:spPr>
           <a:xfrm>
-            <a:off x="9153720" y="5850000"/>
-            <a:ext cx="9134280" cy="1599840"/>
+            <a:off x="9153720" y="5896080"/>
+            <a:ext cx="9133200" cy="1598760"/>
           </a:xfrm>
           <a:prstGeom prst="rect">
             <a:avLst/>
@@ -3233,17 +3081,7 @@
                 <a:latin typeface="Arial"/>
                 <a:ea typeface="DejaVu Sans"/>
               </a:rPr>
-              <a:t>log2folchange=log2(Exp</a:t>
-            </a:r>
-            <a:r>
-              <a:rPr b="1" lang="en-US" sz="1800" spc="-1" strike="noStrike">
-                <a:solidFill>
-                  <a:srgbClr val="000000"/>
-                </a:solidFill>
-                <a:latin typeface="Arial"/>
-                <a:ea typeface="DejaVu Sans"/>
-              </a:rPr>
-              <a:t>r(tumor)/Expr(normal))</a:t>
+              <a:t>folchange=Expr(tumor)/Expr(normal)</a:t>
             </a:r>
             <a:endParaRPr b="0" lang="en-US" sz="1800" spc="-1" strike="noStrike">
               <a:latin typeface="Arial"/>
@@ -3264,7 +3102,17 @@
                 <a:latin typeface="Arial"/>
                 <a:ea typeface="DejaVu Sans"/>
               </a:rPr>
-              <a:t>- threshold log2fc &gt;=0.58</a:t>
+              <a:t>- threshold </a:t>
+            </a:r>
+            <a:r>
+              <a:rPr b="1" lang="en-US" sz="1800" spc="-1" strike="noStrike">
+                <a:solidFill>
+                  <a:srgbClr val="000000"/>
+                </a:solidFill>
+                <a:latin typeface="Arial"/>
+                <a:ea typeface="DejaVu Sans"/>
+              </a:rPr>
+              <a:t>log2folchange &gt;=0.58</a:t>
             </a:r>
             <a:endParaRPr b="0" lang="en-US" sz="1800" spc="-1" strike="noStrike">
               <a:latin typeface="Arial"/>
@@ -3285,7 +3133,7 @@
                 <a:latin typeface="Arial"/>
                 <a:ea typeface="DejaVu Sans"/>
               </a:rPr>
-              <a:t>- 2779 genes</a:t>
+              <a:t>- 3527 genes</a:t>
             </a:r>
             <a:endParaRPr b="0" lang="en-US" sz="1800" spc="-1" strike="noStrike">
               <a:latin typeface="Arial"/>
@@ -3295,14 +3143,14 @@
       </p:sp>
       <p:sp>
         <p:nvSpPr>
-          <p:cNvPr id="45" name=""/>
+          <p:cNvPr id="46" name=""/>
           <p:cNvSpPr/>
           <p:nvPr/>
         </p:nvSpPr>
         <p:spPr>
           <a:xfrm>
-            <a:off x="7617960" y="5168160"/>
-            <a:ext cx="2057040" cy="601920"/>
+            <a:off x="7617960" y="5214240"/>
+            <a:ext cx="2055960" cy="600840"/>
           </a:xfrm>
           <a:prstGeom prst="rect">
             <a:avLst/>
@@ -3337,17 +3185,7 @@
                 <a:latin typeface="Arial"/>
                 <a:ea typeface="DejaVu Sans"/>
               </a:rPr>
-              <a:t>Paired samples </a:t>
-            </a:r>
-            <a:r>
-              <a:rPr b="1" lang="en-US" sz="1800" spc="-1" strike="noStrike">
-                <a:solidFill>
-                  <a:srgbClr val="000000"/>
-                </a:solidFill>
-                <a:latin typeface="Arial"/>
-                <a:ea typeface="DejaVu Sans"/>
-              </a:rPr>
-              <a:t>tumor/control</a:t>
+              <a:t>Paired samples tumor/control</a:t>
             </a:r>
             <a:endParaRPr b="0" lang="en-US" sz="1800" spc="-1" strike="noStrike">
               <a:latin typeface="Arial"/>
@@ -3357,7 +3195,7 @@
       </p:sp>
       <p:pic>
         <p:nvPicPr>
-          <p:cNvPr id="46" name="" descr=""/>
+          <p:cNvPr id="47" name="" descr=""/>
           <p:cNvPicPr/>
           <p:nvPr/>
         </p:nvPicPr>
@@ -3367,31 +3205,8 @@
         </p:blipFill>
         <p:spPr>
           <a:xfrm>
-            <a:off x="7849800" y="5713200"/>
-            <a:ext cx="1257840" cy="1257840"/>
-          </a:xfrm>
-          <a:prstGeom prst="rect">
-            <a:avLst/>
-          </a:prstGeom>
-          <a:ln w="0">
-            <a:noFill/>
-          </a:ln>
-        </p:spPr>
-      </p:pic>
-      <p:pic>
-        <p:nvPicPr>
-          <p:cNvPr id="47" name="" descr=""/>
-          <p:cNvPicPr/>
-          <p:nvPr/>
-        </p:nvPicPr>
-        <p:blipFill>
-          <a:blip r:embed="rId3"/>
-          <a:stretch/>
-        </p:blipFill>
-        <p:spPr>
-          <a:xfrm>
-            <a:off x="7691040" y="7827480"/>
-            <a:ext cx="1497960" cy="1262880"/>
+            <a:off x="7849800" y="5759280"/>
+            <a:ext cx="1256760" cy="1256760"/>
           </a:xfrm>
           <a:prstGeom prst="rect">
             <a:avLst/>
@@ -3408,13 +3223,36 @@
           <p:nvPr/>
         </p:nvPicPr>
         <p:blipFill>
+          <a:blip r:embed="rId3"/>
+          <a:stretch/>
+        </p:blipFill>
+        <p:spPr>
+          <a:xfrm>
+            <a:off x="7691040" y="7873560"/>
+            <a:ext cx="1496880" cy="1261800"/>
+          </a:xfrm>
+          <a:prstGeom prst="rect">
+            <a:avLst/>
+          </a:prstGeom>
+          <a:ln w="0">
+            <a:noFill/>
+          </a:ln>
+        </p:spPr>
+      </p:pic>
+      <p:pic>
+        <p:nvPicPr>
+          <p:cNvPr id="49" name="" descr=""/>
+          <p:cNvPicPr/>
+          <p:nvPr/>
+        </p:nvPicPr>
+        <p:blipFill>
           <a:blip r:embed="rId4"/>
           <a:stretch/>
         </p:blipFill>
         <p:spPr>
           <a:xfrm>
-            <a:off x="5724360" y="8990280"/>
-            <a:ext cx="5533200" cy="713520"/>
+            <a:off x="5724360" y="9036360"/>
+            <a:ext cx="5532120" cy="712440"/>
           </a:xfrm>
           <a:prstGeom prst="rect">
             <a:avLst/>
@@ -3426,14 +3264,14 @@
       </p:pic>
       <p:sp>
         <p:nvSpPr>
-          <p:cNvPr id="49" name=""/>
+          <p:cNvPr id="50" name=""/>
           <p:cNvSpPr/>
           <p:nvPr/>
         </p:nvSpPr>
         <p:spPr>
           <a:xfrm>
-            <a:off x="7618320" y="7364520"/>
-            <a:ext cx="1756080" cy="601920"/>
+            <a:off x="7618320" y="7410600"/>
+            <a:ext cx="1755000" cy="600840"/>
           </a:xfrm>
           <a:prstGeom prst="rect">
             <a:avLst/>
@@ -3468,50 +3306,8 @@
                 <a:latin typeface="Arial"/>
                 <a:ea typeface="DejaVu Sans"/>
               </a:rPr>
-              <a:t>Differential analysis</a:t>
-            </a:r>
-            <a:endParaRPr b="0" lang="en-US" sz="1800" spc="-1" strike="noStrike">
-              <a:latin typeface="Arial"/>
-            </a:endParaRPr>
-          </a:p>
-        </p:txBody>
-      </p:sp>
-      <p:sp>
-        <p:nvSpPr>
-          <p:cNvPr id="50" name=""/>
-          <p:cNvSpPr/>
-          <p:nvPr/>
-        </p:nvSpPr>
-        <p:spPr>
-          <a:xfrm>
-            <a:off x="5636160" y="8653680"/>
-            <a:ext cx="1373760" cy="346320"/>
-          </a:xfrm>
-          <a:prstGeom prst="rect">
-            <a:avLst/>
-          </a:prstGeom>
-          <a:noFill/>
-          <a:ln w="0">
-            <a:noFill/>
-          </a:ln>
-        </p:spPr>
-        <p:style>
-          <a:lnRef idx="0"/>
-          <a:fillRef idx="0"/>
-          <a:effectRef idx="0"/>
-          <a:fontRef idx="minor"/>
-        </p:style>
-        <p:txBody>
-          <a:bodyPr lIns="90000" rIns="90000" tIns="45000" bIns="45000" anchor="t">
-            <a:noAutofit/>
-          </a:bodyPr>
-          <a:p>
-            <a:pPr>
-              <a:lnSpc>
-                <a:spcPct val="100000"/>
-              </a:lnSpc>
-              <a:buNone/>
-            </a:pPr>
+              <a:t>D</a:t>
+            </a:r>
             <a:r>
               <a:rPr b="1" lang="en-US" sz="1800" spc="-1" strike="noStrike">
                 <a:solidFill>
@@ -3520,50 +3316,8 @@
                 <a:latin typeface="Arial"/>
                 <a:ea typeface="DejaVu Sans"/>
               </a:rPr>
-              <a:t>DESeq2</a:t>
-            </a:r>
-            <a:endParaRPr b="0" lang="en-US" sz="1800" spc="-1" strike="noStrike">
-              <a:latin typeface="Arial"/>
-            </a:endParaRPr>
-          </a:p>
-        </p:txBody>
-      </p:sp>
-      <p:sp>
-        <p:nvSpPr>
-          <p:cNvPr id="51" name=""/>
-          <p:cNvSpPr/>
-          <p:nvPr/>
-        </p:nvSpPr>
-        <p:spPr>
-          <a:xfrm>
-            <a:off x="10064520" y="8654040"/>
-            <a:ext cx="1373760" cy="346320"/>
-          </a:xfrm>
-          <a:prstGeom prst="rect">
-            <a:avLst/>
-          </a:prstGeom>
-          <a:noFill/>
-          <a:ln w="0">
-            <a:noFill/>
-          </a:ln>
-        </p:spPr>
-        <p:style>
-          <a:lnRef idx="0"/>
-          <a:fillRef idx="0"/>
-          <a:effectRef idx="0"/>
-          <a:fontRef idx="minor"/>
-        </p:style>
-        <p:txBody>
-          <a:bodyPr lIns="90000" rIns="90000" tIns="45000" bIns="45000" anchor="t">
-            <a:noAutofit/>
-          </a:bodyPr>
-          <a:p>
-            <a:pPr>
-              <a:lnSpc>
-                <a:spcPct val="100000"/>
-              </a:lnSpc>
-              <a:buNone/>
-            </a:pPr>
+              <a:t>i</a:t>
+            </a:r>
             <a:r>
               <a:rPr b="1" lang="en-US" sz="1800" spc="-1" strike="noStrike">
                 <a:solidFill>
@@ -3572,50 +3326,8 @@
                 <a:latin typeface="Arial"/>
                 <a:ea typeface="DejaVu Sans"/>
               </a:rPr>
-              <a:t>Manually</a:t>
-            </a:r>
-            <a:endParaRPr b="0" lang="en-US" sz="1800" spc="-1" strike="noStrike">
-              <a:latin typeface="Arial"/>
-            </a:endParaRPr>
-          </a:p>
-        </p:txBody>
-      </p:sp>
-      <p:sp>
-        <p:nvSpPr>
-          <p:cNvPr id="52" name=""/>
-          <p:cNvSpPr/>
-          <p:nvPr/>
-        </p:nvSpPr>
-        <p:spPr>
-          <a:xfrm>
-            <a:off x="3501000" y="9681480"/>
-            <a:ext cx="4580280" cy="1370160"/>
-          </a:xfrm>
-          <a:prstGeom prst="rect">
-            <a:avLst/>
-          </a:prstGeom>
-          <a:noFill/>
-          <a:ln w="0">
-            <a:noFill/>
-          </a:ln>
-        </p:spPr>
-        <p:style>
-          <a:lnRef idx="0"/>
-          <a:fillRef idx="0"/>
-          <a:effectRef idx="0"/>
-          <a:fontRef idx="minor"/>
-        </p:style>
-        <p:txBody>
-          <a:bodyPr lIns="90000" rIns="90000" tIns="45000" bIns="45000" anchor="t">
-            <a:noAutofit/>
-          </a:bodyPr>
-          <a:p>
-            <a:pPr>
-              <a:lnSpc>
-                <a:spcPct val="100000"/>
-              </a:lnSpc>
-              <a:buNone/>
-            </a:pPr>
+              <a:t>f</a:t>
+            </a:r>
             <a:r>
               <a:rPr b="1" lang="en-US" sz="1800" spc="-1" strike="noStrike">
                 <a:solidFill>
@@ -3624,19 +3336,8 @@
                 <a:latin typeface="Arial"/>
                 <a:ea typeface="DejaVu Sans"/>
               </a:rPr>
-              <a:t>DESeq2 log2folchange &gt;= 0.58</a:t>
-            </a:r>
-            <a:endParaRPr b="0" lang="en-US" sz="1800" spc="-1" strike="noStrike">
-              <a:latin typeface="Arial"/>
-            </a:endParaRPr>
-          </a:p>
-          <a:p>
-            <a:pPr>
-              <a:lnSpc>
-                <a:spcPct val="100000"/>
-              </a:lnSpc>
-              <a:buNone/>
-            </a:pPr>
+              <a:t>f</a:t>
+            </a:r>
             <a:r>
               <a:rPr b="1" lang="en-US" sz="1800" spc="-1" strike="noStrike">
                 <a:solidFill>
@@ -3645,19 +3346,8 @@
                 <a:latin typeface="Arial"/>
                 <a:ea typeface="DejaVu Sans"/>
               </a:rPr>
-              <a:t>- Stage I vs. Stages II and III : 13 genes</a:t>
-            </a:r>
-            <a:endParaRPr b="0" lang="en-US" sz="1800" spc="-1" strike="noStrike">
-              <a:latin typeface="Arial"/>
-            </a:endParaRPr>
-          </a:p>
-          <a:p>
-            <a:pPr>
-              <a:lnSpc>
-                <a:spcPct val="100000"/>
-              </a:lnSpc>
-              <a:buNone/>
-            </a:pPr>
+              <a:t>e</a:t>
+            </a:r>
             <a:r>
               <a:rPr b="1" lang="en-US" sz="1800" spc="-1" strike="noStrike">
                 <a:solidFill>
@@ -3666,19 +3356,8 @@
                 <a:latin typeface="Arial"/>
                 <a:ea typeface="DejaVu Sans"/>
               </a:rPr>
-              <a:t>- Stage II vs. Stages I and III : 7 genes</a:t>
-            </a:r>
-            <a:endParaRPr b="0" lang="en-US" sz="1800" spc="-1" strike="noStrike">
-              <a:latin typeface="Arial"/>
-            </a:endParaRPr>
-          </a:p>
-          <a:p>
-            <a:pPr>
-              <a:lnSpc>
-                <a:spcPct val="100000"/>
-              </a:lnSpc>
-              <a:buNone/>
-            </a:pPr>
+              <a:t>r</a:t>
+            </a:r>
             <a:r>
               <a:rPr b="1" lang="en-US" sz="1800" spc="-1" strike="noStrike">
                 <a:solidFill>
@@ -3687,61 +3366,8 @@
                 <a:latin typeface="Arial"/>
                 <a:ea typeface="DejaVu Sans"/>
               </a:rPr>
-              <a:t>- Stage III vs. Stages I and II : 71 genes</a:t>
-            </a:r>
-            <a:endParaRPr b="0" lang="en-US" sz="1800" spc="-1" strike="noStrike">
-              <a:latin typeface="Arial"/>
-            </a:endParaRPr>
-          </a:p>
-          <a:p>
-            <a:pPr>
-              <a:lnSpc>
-                <a:spcPct val="100000"/>
-              </a:lnSpc>
-              <a:buNone/>
-            </a:pPr>
-            <a:endParaRPr b="0" lang="en-US" sz="1800" spc="-1" strike="noStrike">
-              <a:latin typeface="Arial"/>
-            </a:endParaRPr>
-          </a:p>
-        </p:txBody>
-      </p:sp>
-      <p:sp>
-        <p:nvSpPr>
-          <p:cNvPr id="53" name=""/>
-          <p:cNvSpPr/>
-          <p:nvPr/>
-        </p:nvSpPr>
-        <p:spPr>
-          <a:xfrm>
-            <a:off x="7034400" y="13379400"/>
-            <a:ext cx="4238640" cy="1625760"/>
-          </a:xfrm>
-          <a:prstGeom prst="rect">
-            <a:avLst/>
-          </a:prstGeom>
-          <a:noFill/>
-          <a:ln w="0">
-            <a:noFill/>
-          </a:ln>
-        </p:spPr>
-        <p:style>
-          <a:lnRef idx="0"/>
-          <a:fillRef idx="0"/>
-          <a:effectRef idx="0"/>
-          <a:fontRef idx="minor"/>
-        </p:style>
-        <p:txBody>
-          <a:bodyPr lIns="90000" rIns="90000" tIns="45000" bIns="45000" anchor="t">
-            <a:noAutofit/>
-          </a:bodyPr>
-          <a:p>
-            <a:pPr>
-              <a:lnSpc>
-                <a:spcPct val="100000"/>
-              </a:lnSpc>
-              <a:buNone/>
-            </a:pPr>
+              <a:t>e</a:t>
+            </a:r>
             <a:r>
               <a:rPr b="1" lang="en-US" sz="1800" spc="-1" strike="noStrike">
                 <a:solidFill>
@@ -3750,19 +3376,8 @@
                 <a:latin typeface="Arial"/>
                 <a:ea typeface="DejaVu Sans"/>
               </a:rPr>
-              <a:t>- entropy per stage</a:t>
-            </a:r>
-            <a:endParaRPr b="0" lang="en-US" sz="1800" spc="-1" strike="noStrike">
-              <a:latin typeface="Arial"/>
-            </a:endParaRPr>
-          </a:p>
-          <a:p>
-            <a:pPr>
-              <a:lnSpc>
-                <a:spcPct val="100000"/>
-              </a:lnSpc>
-              <a:buNone/>
-            </a:pPr>
+              <a:t>n</a:t>
+            </a:r>
             <a:r>
               <a:rPr b="1" lang="en-US" sz="1800" spc="-1" strike="noStrike">
                 <a:solidFill>
@@ -3771,19 +3386,8 @@
                 <a:latin typeface="Arial"/>
                 <a:ea typeface="DejaVu Sans"/>
               </a:rPr>
-              <a:t>- gene expression per stage</a:t>
-            </a:r>
-            <a:endParaRPr b="0" lang="en-US" sz="1800" spc="-1" strike="noStrike">
-              <a:latin typeface="Arial"/>
-            </a:endParaRPr>
-          </a:p>
-          <a:p>
-            <a:pPr>
-              <a:lnSpc>
-                <a:spcPct val="100000"/>
-              </a:lnSpc>
-              <a:buNone/>
-            </a:pPr>
+              <a:t>t</a:t>
+            </a:r>
             <a:r>
               <a:rPr b="1" lang="en-US" sz="1800" spc="-1" strike="noStrike">
                 <a:solidFill>
@@ -3792,19 +3396,8 @@
                 <a:latin typeface="Arial"/>
                 <a:ea typeface="DejaVu Sans"/>
               </a:rPr>
-              <a:t>- order of magnitude per stage</a:t>
-            </a:r>
-            <a:endParaRPr b="0" lang="en-US" sz="1800" spc="-1" strike="noStrike">
-              <a:latin typeface="Arial"/>
-            </a:endParaRPr>
-          </a:p>
-          <a:p>
-            <a:pPr>
-              <a:lnSpc>
-                <a:spcPct val="100000"/>
-              </a:lnSpc>
-              <a:buNone/>
-            </a:pPr>
+              <a:t>i</a:t>
+            </a:r>
             <a:r>
               <a:rPr b="1" lang="en-US" sz="1800" spc="-1" strike="noStrike">
                 <a:solidFill>
@@ -3813,30 +3406,98 @@
                 <a:latin typeface="Arial"/>
                 <a:ea typeface="DejaVu Sans"/>
               </a:rPr>
-              <a:t>- PPI connectivity per stage</a:t>
-            </a:r>
-            <a:endParaRPr b="0" lang="en-US" sz="1800" spc="-1" strike="noStrike">
-              <a:latin typeface="Arial"/>
-            </a:endParaRPr>
-          </a:p>
-          <a:p>
-            <a:pPr>
-              <a:lnSpc>
-                <a:spcPct val="100000"/>
-              </a:lnSpc>
-              <a:buNone/>
-            </a:pPr>
-            <a:endParaRPr b="0" lang="en-US" sz="1800" spc="-1" strike="noStrike">
-              <a:latin typeface="Arial"/>
-            </a:endParaRPr>
-          </a:p>
-          <a:p>
-            <a:pPr>
-              <a:lnSpc>
-                <a:spcPct val="100000"/>
-              </a:lnSpc>
-              <a:buNone/>
-            </a:pPr>
+              <a:t>a</a:t>
+            </a:r>
+            <a:r>
+              <a:rPr b="1" lang="en-US" sz="1800" spc="-1" strike="noStrike">
+                <a:solidFill>
+                  <a:srgbClr val="000000"/>
+                </a:solidFill>
+                <a:latin typeface="Arial"/>
+                <a:ea typeface="DejaVu Sans"/>
+              </a:rPr>
+              <a:t>l </a:t>
+            </a:r>
+            <a:r>
+              <a:rPr b="1" lang="en-US" sz="1800" spc="-1" strike="noStrike">
+                <a:solidFill>
+                  <a:srgbClr val="000000"/>
+                </a:solidFill>
+                <a:latin typeface="Arial"/>
+                <a:ea typeface="DejaVu Sans"/>
+              </a:rPr>
+              <a:t>a</a:t>
+            </a:r>
+            <a:r>
+              <a:rPr b="1" lang="en-US" sz="1800" spc="-1" strike="noStrike">
+                <a:solidFill>
+                  <a:srgbClr val="000000"/>
+                </a:solidFill>
+                <a:latin typeface="Arial"/>
+                <a:ea typeface="DejaVu Sans"/>
+              </a:rPr>
+              <a:t>n</a:t>
+            </a:r>
+            <a:r>
+              <a:rPr b="1" lang="en-US" sz="1800" spc="-1" strike="noStrike">
+                <a:solidFill>
+                  <a:srgbClr val="000000"/>
+                </a:solidFill>
+                <a:latin typeface="Arial"/>
+                <a:ea typeface="DejaVu Sans"/>
+              </a:rPr>
+              <a:t>a</a:t>
+            </a:r>
+            <a:r>
+              <a:rPr b="1" lang="en-US" sz="1800" spc="-1" strike="noStrike">
+                <a:solidFill>
+                  <a:srgbClr val="000000"/>
+                </a:solidFill>
+                <a:latin typeface="Arial"/>
+                <a:ea typeface="DejaVu Sans"/>
+              </a:rPr>
+              <a:t>l</a:t>
+            </a:r>
+            <a:r>
+              <a:rPr b="1" lang="en-US" sz="1800" spc="-1" strike="noStrike">
+                <a:solidFill>
+                  <a:srgbClr val="000000"/>
+                </a:solidFill>
+                <a:latin typeface="Arial"/>
+                <a:ea typeface="DejaVu Sans"/>
+              </a:rPr>
+              <a:t>y</a:t>
+            </a:r>
+            <a:r>
+              <a:rPr b="1" lang="en-US" sz="1800" spc="-1" strike="noStrike">
+                <a:solidFill>
+                  <a:srgbClr val="000000"/>
+                </a:solidFill>
+                <a:latin typeface="Arial"/>
+                <a:ea typeface="DejaVu Sans"/>
+              </a:rPr>
+              <a:t>s</a:t>
+            </a:r>
+            <a:r>
+              <a:rPr b="1" lang="en-US" sz="1800" spc="-1" strike="noStrike">
+                <a:solidFill>
+                  <a:srgbClr val="000000"/>
+                </a:solidFill>
+                <a:latin typeface="Arial"/>
+                <a:ea typeface="DejaVu Sans"/>
+              </a:rPr>
+              <a:t>i</a:t>
+            </a:r>
+            <a:r>
+              <a:rPr b="1" lang="en-US" sz="1800" spc="-1" strike="noStrike">
+                <a:solidFill>
+                  <a:srgbClr val="000000"/>
+                </a:solidFill>
+                <a:latin typeface="Arial"/>
+                <a:ea typeface="DejaVu Sans"/>
+              </a:rPr>
+              <a:t>s</a:t>
+            </a:r>
             <a:endParaRPr b="0" lang="en-US" sz="1800" spc="-1" strike="noStrike">
               <a:latin typeface="Arial"/>
             </a:endParaRPr>
@@ -3845,7 +3506,7 @@
       </p:sp>
       <p:pic>
         <p:nvPicPr>
-          <p:cNvPr id="54" name="" descr=""/>
+          <p:cNvPr id="51" name="" descr=""/>
           <p:cNvPicPr/>
           <p:nvPr/>
         </p:nvPicPr>
@@ -3855,8 +3516,8 @@
         </p:blipFill>
         <p:spPr>
           <a:xfrm flipH="1" rot="10800000">
-            <a:off x="5724720" y="10934640"/>
-            <a:ext cx="5533200" cy="713520"/>
+            <a:off x="5724720" y="10981800"/>
+            <a:ext cx="5532120" cy="712440"/>
           </a:xfrm>
           <a:prstGeom prst="rect">
             <a:avLst/>
@@ -3868,7 +3529,7 @@
       </p:pic>
       <p:pic>
         <p:nvPicPr>
-          <p:cNvPr id="55" name="" descr=""/>
+          <p:cNvPr id="52" name="" descr=""/>
           <p:cNvPicPr/>
           <p:nvPr/>
         </p:nvPicPr>
@@ -3878,8 +3539,8 @@
         </p:blipFill>
         <p:spPr>
           <a:xfrm>
-            <a:off x="8013600" y="1755000"/>
-            <a:ext cx="914040" cy="914040"/>
+            <a:off x="8013600" y="1801080"/>
+            <a:ext cx="912960" cy="912960"/>
           </a:xfrm>
           <a:prstGeom prst="rect">
             <a:avLst/>
@@ -3891,14 +3552,14 @@
       </p:pic>
       <p:sp>
         <p:nvSpPr>
-          <p:cNvPr id="56" name=""/>
+          <p:cNvPr id="53" name=""/>
           <p:cNvSpPr/>
           <p:nvPr/>
         </p:nvSpPr>
         <p:spPr>
           <a:xfrm>
-            <a:off x="9154080" y="1789920"/>
-            <a:ext cx="3647160" cy="858240"/>
+            <a:off x="9154080" y="1836000"/>
+            <a:ext cx="3646080" cy="857160"/>
           </a:xfrm>
           <a:prstGeom prst="rect">
             <a:avLst/>
@@ -3933,7 +3594,17 @@
                 <a:latin typeface="Arial"/>
                 <a:ea typeface="DejaVu Sans"/>
               </a:rPr>
-              <a:t>- Squamous Cell Carcinoma</a:t>
+              <a:t>- Squamous Cell </a:t>
+            </a:r>
+            <a:r>
+              <a:rPr b="1" lang="en-US" sz="1800" spc="-1" strike="noStrike">
+                <a:solidFill>
+                  <a:srgbClr val="000000"/>
+                </a:solidFill>
+                <a:latin typeface="Arial"/>
+                <a:ea typeface="DejaVu Sans"/>
+              </a:rPr>
+              <a:t>Carcinoma</a:t>
             </a:r>
             <a:endParaRPr b="0" lang="en-US" sz="1800" spc="-1" strike="noStrike">
               <a:latin typeface="Arial"/>
@@ -3964,7 +3635,7 @@
       </p:sp>
       <p:pic>
         <p:nvPicPr>
-          <p:cNvPr id="57" name="" descr=""/>
+          <p:cNvPr id="54" name="" descr=""/>
           <p:cNvPicPr/>
           <p:nvPr/>
         </p:nvPicPr>
@@ -3974,8 +3645,8 @@
         </p:blipFill>
         <p:spPr>
           <a:xfrm>
-            <a:off x="7608600" y="12387600"/>
-            <a:ext cx="1776240" cy="860040"/>
+            <a:off x="7608600" y="12433680"/>
+            <a:ext cx="1775160" cy="858960"/>
           </a:xfrm>
           <a:prstGeom prst="rect">
             <a:avLst/>
@@ -3987,14 +3658,14 @@
       </p:pic>
       <p:sp>
         <p:nvSpPr>
-          <p:cNvPr id="58" name=""/>
+          <p:cNvPr id="55" name=""/>
           <p:cNvSpPr/>
           <p:nvPr/>
         </p:nvSpPr>
         <p:spPr>
           <a:xfrm>
-            <a:off x="7268040" y="12080880"/>
-            <a:ext cx="2338200" cy="346320"/>
+            <a:off x="7268040" y="12126960"/>
+            <a:ext cx="2337120" cy="345240"/>
           </a:xfrm>
           <a:prstGeom prst="rect">
             <a:avLst/>
@@ -4039,14 +3710,14 @@
       </p:sp>
       <p:sp>
         <p:nvSpPr>
-          <p:cNvPr id="59" name=""/>
+          <p:cNvPr id="56" name=""/>
           <p:cNvSpPr/>
           <p:nvPr/>
         </p:nvSpPr>
         <p:spPr>
           <a:xfrm>
-            <a:off x="9154080" y="9774360"/>
-            <a:ext cx="5750640" cy="1599840"/>
+            <a:off x="8069400" y="3243600"/>
+            <a:ext cx="2444760" cy="1112760"/>
           </a:xfrm>
           <a:prstGeom prst="rect">
             <a:avLst/>
@@ -4081,98 +3752,24 @@
                 <a:latin typeface="Arial"/>
                 <a:ea typeface="DejaVu Sans"/>
               </a:rPr>
-              <a:t>log2(mean stage i/mean stages ii and III)&gt;=0.58</a:t>
+              <a:t>Expression dataset</a:t>
             </a:r>
             <a:endParaRPr b="0" lang="en-US" sz="1800" spc="-1" strike="noStrike">
               <a:latin typeface="Arial"/>
             </a:endParaRPr>
           </a:p>
-          <a:p>
-            <a:pPr>
-              <a:lnSpc>
-                <a:spcPct val="100000"/>
-              </a:lnSpc>
-              <a:buNone/>
-            </a:pPr>
-            <a:r>
-              <a:rPr b="1" lang="en-US" sz="1800" spc="-1" strike="noStrike">
-                <a:solidFill>
-                  <a:srgbClr val="000000"/>
-                </a:solidFill>
-                <a:latin typeface="Arial"/>
-                <a:ea typeface="DejaVu Sans"/>
-              </a:rPr>
-              <a:t>- Stage I vs. Stages II and III : 201 genes</a:t>
-            </a:r>
-            <a:endParaRPr b="0" lang="en-US" sz="1800" spc="-1" strike="noStrike">
-              <a:latin typeface="Arial"/>
-            </a:endParaRPr>
-          </a:p>
-          <a:p>
-            <a:pPr>
-              <a:lnSpc>
-                <a:spcPct val="100000"/>
-              </a:lnSpc>
-              <a:buNone/>
-            </a:pPr>
-            <a:r>
-              <a:rPr b="1" lang="en-US" sz="1800" spc="-1" strike="noStrike">
-                <a:solidFill>
-                  <a:srgbClr val="000000"/>
-                </a:solidFill>
-                <a:latin typeface="Arial"/>
-                <a:ea typeface="DejaVu Sans"/>
-              </a:rPr>
-              <a:t>- Stage II vs. Stages I and III : 81 genes</a:t>
-            </a:r>
-            <a:endParaRPr b="0" lang="en-US" sz="1800" spc="-1" strike="noStrike">
-              <a:latin typeface="Arial"/>
-            </a:endParaRPr>
-          </a:p>
-          <a:p>
-            <a:pPr>
-              <a:lnSpc>
-                <a:spcPct val="100000"/>
-              </a:lnSpc>
-              <a:buNone/>
-            </a:pPr>
-            <a:r>
-              <a:rPr b="1" lang="en-US" sz="1800" spc="-1" strike="noStrike">
-                <a:solidFill>
-                  <a:srgbClr val="000000"/>
-                </a:solidFill>
-                <a:latin typeface="Arial"/>
-                <a:ea typeface="DejaVu Sans"/>
-              </a:rPr>
-              <a:t>- Stage III vs. Stages I and II : 215 genes</a:t>
-            </a:r>
-            <a:endParaRPr b="0" lang="en-US" sz="1800" spc="-1" strike="noStrike">
-              <a:latin typeface="Arial"/>
-            </a:endParaRPr>
-          </a:p>
-          <a:p>
-            <a:pPr>
-              <a:lnSpc>
-                <a:spcPct val="100000"/>
-              </a:lnSpc>
-              <a:buNone/>
-            </a:pPr>
-            <a:endParaRPr b="0" lang="en-US" sz="1800" spc="-1" strike="noStrike">
-              <a:latin typeface="Arial"/>
-            </a:endParaRPr>
-          </a:p>
-        </p:txBody>
-      </p:sp>
-      <p:sp>
-        <p:nvSpPr>
-          <p:cNvPr id="60" name=""/>
+        </p:txBody>
+      </p:sp>
+      <p:sp>
+        <p:nvSpPr>
+          <p:cNvPr id="57" name=""/>
           <p:cNvSpPr/>
           <p:nvPr/>
         </p:nvSpPr>
         <p:spPr>
           <a:xfrm>
-            <a:off x="8069400" y="3197520"/>
-            <a:ext cx="2445840" cy="1113840"/>
+            <a:off x="9153720" y="7516080"/>
+            <a:ext cx="6389640" cy="1598760"/>
           </a:xfrm>
           <a:prstGeom prst="rect">
             <a:avLst/>
@@ -4188,1697 +3785,17 @@
           <a:effectRef idx="0"/>
           <a:fontRef idx="minor"/>
         </p:style>
-        <p:txBody>
-          <a:bodyPr lIns="90000" rIns="90000" tIns="45000" bIns="45000" anchor="t">
-            <a:noAutofit/>
-          </a:bodyPr>
-          <a:p>
-            <a:pPr>
-              <a:lnSpc>
-                <a:spcPct val="100000"/>
-              </a:lnSpc>
-              <a:buNone/>
-            </a:pPr>
-            <a:r>
-              <a:rPr b="1" lang="en-US" sz="1800" spc="-1" strike="noStrike">
-                <a:solidFill>
-                  <a:srgbClr val="000000"/>
-                </a:solidFill>
-                <a:latin typeface="Arial"/>
-                <a:ea typeface="DejaVu Sans"/>
-              </a:rPr>
-              <a:t>Expression dataset</a:t>
-            </a:r>
-            <a:endParaRPr b="0" lang="en-US" sz="1800" spc="-1" strike="noStrike">
-              <a:latin typeface="Arial"/>
-            </a:endParaRPr>
-          </a:p>
-        </p:txBody>
-      </p:sp>
-      <p:sp>
-        <p:nvSpPr>
-          <p:cNvPr id="61" name=""/>
+      </p:sp>
+      <p:sp>
+        <p:nvSpPr>
+          <p:cNvPr id="58" name=""/>
           <p:cNvSpPr/>
           <p:nvPr/>
         </p:nvSpPr>
         <p:spPr>
           <a:xfrm>
-            <a:off x="9153720" y="7470000"/>
-            <a:ext cx="6390720" cy="1599840"/>
-          </a:xfrm>
-          <a:prstGeom prst="rect">
-            <a:avLst/>
-          </a:prstGeom>
-          <a:noFill/>
-          <a:ln w="0">
-            <a:noFill/>
-          </a:ln>
-        </p:spPr>
-        <p:style>
-          <a:lnRef idx="0"/>
-          <a:fillRef idx="0"/>
-          <a:effectRef idx="0"/>
-          <a:fontRef idx="minor"/>
-        </p:style>
-        <p:txBody>
-          <a:bodyPr lIns="90000" rIns="90000" tIns="45000" bIns="45000" anchor="t">
-            <a:noAutofit/>
-          </a:bodyPr>
-          <a:p>
-            <a:pPr>
-              <a:lnSpc>
-                <a:spcPct val="100000"/>
-              </a:lnSpc>
-              <a:buNone/>
-            </a:pPr>
-            <a:r>
-              <a:rPr b="1" lang="en-US" sz="1800" spc="-1" strike="noStrike">
-                <a:solidFill>
-                  <a:srgbClr val="000000"/>
-                </a:solidFill>
-                <a:latin typeface="Arial"/>
-                <a:ea typeface="DejaVu Sans"/>
-              </a:rPr>
-              <a:t>-</a:t>
-            </a:r>
-            <a:r>
-              <a:rPr b="1" lang="en-US" sz="1800" spc="-1" strike="noStrike">
-                <a:solidFill>
-                  <a:srgbClr val="000000"/>
-                </a:solidFill>
-                <a:latin typeface="Arial"/>
-                <a:ea typeface="DejaVu Sans"/>
-              </a:rPr>
-              <a:t> </a:t>
-            </a:r>
-            <a:r>
-              <a:rPr b="1" lang="en-US" sz="1800" spc="-1" strike="noStrike">
-                <a:solidFill>
-                  <a:srgbClr val="000000"/>
-                </a:solidFill>
-                <a:latin typeface="Arial"/>
-                <a:ea typeface="DejaVu Sans"/>
-              </a:rPr>
-              <a:t>S</a:t>
-            </a:r>
-            <a:r>
-              <a:rPr b="1" lang="en-US" sz="1800" spc="-1" strike="noStrike">
-                <a:solidFill>
-                  <a:srgbClr val="000000"/>
-                </a:solidFill>
-                <a:latin typeface="Arial"/>
-                <a:ea typeface="DejaVu Sans"/>
-              </a:rPr>
-              <a:t>a</a:t>
-            </a:r>
-            <a:r>
-              <a:rPr b="1" lang="en-US" sz="1800" spc="-1" strike="noStrike">
-                <a:solidFill>
-                  <a:srgbClr val="000000"/>
-                </a:solidFill>
-                <a:latin typeface="Arial"/>
-                <a:ea typeface="DejaVu Sans"/>
-              </a:rPr>
-              <a:t>m</a:t>
-            </a:r>
-            <a:r>
-              <a:rPr b="1" lang="en-US" sz="1800" spc="-1" strike="noStrike">
-                <a:solidFill>
-                  <a:srgbClr val="000000"/>
-                </a:solidFill>
-                <a:latin typeface="Arial"/>
-                <a:ea typeface="DejaVu Sans"/>
-              </a:rPr>
-              <a:t>p</a:t>
-            </a:r>
-            <a:r>
-              <a:rPr b="1" lang="en-US" sz="1800" spc="-1" strike="noStrike">
-                <a:solidFill>
-                  <a:srgbClr val="000000"/>
-                </a:solidFill>
-                <a:latin typeface="Arial"/>
-                <a:ea typeface="DejaVu Sans"/>
-              </a:rPr>
-              <a:t>l</a:t>
-            </a:r>
-            <a:r>
-              <a:rPr b="1" lang="en-US" sz="1800" spc="-1" strike="noStrike">
-                <a:solidFill>
-                  <a:srgbClr val="000000"/>
-                </a:solidFill>
-                <a:latin typeface="Arial"/>
-                <a:ea typeface="DejaVu Sans"/>
-              </a:rPr>
-              <a:t>e</a:t>
-            </a:r>
-            <a:r>
-              <a:rPr b="1" lang="en-US" sz="1800" spc="-1" strike="noStrike">
-                <a:solidFill>
-                  <a:srgbClr val="000000"/>
-                </a:solidFill>
-                <a:latin typeface="Arial"/>
-                <a:ea typeface="DejaVu Sans"/>
-              </a:rPr>
-              <a:t>s</a:t>
-            </a:r>
-            <a:r>
-              <a:rPr b="1" lang="en-US" sz="1800" spc="-1" strike="noStrike">
-                <a:solidFill>
-                  <a:srgbClr val="000000"/>
-                </a:solidFill>
-                <a:latin typeface="Arial"/>
-                <a:ea typeface="DejaVu Sans"/>
-              </a:rPr>
-              <a:t> </a:t>
-            </a:r>
-            <a:r>
-              <a:rPr b="1" lang="en-US" sz="1800" spc="-1" strike="noStrike">
-                <a:solidFill>
-                  <a:srgbClr val="000000"/>
-                </a:solidFill>
-                <a:latin typeface="Arial"/>
-                <a:ea typeface="DejaVu Sans"/>
-              </a:rPr>
-              <a:t>o</a:t>
-            </a:r>
-            <a:r>
-              <a:rPr b="1" lang="en-US" sz="1800" spc="-1" strike="noStrike">
-                <a:solidFill>
-                  <a:srgbClr val="000000"/>
-                </a:solidFill>
-                <a:latin typeface="Arial"/>
-                <a:ea typeface="DejaVu Sans"/>
-              </a:rPr>
-              <a:t>f</a:t>
-            </a:r>
-            <a:r>
-              <a:rPr b="1" lang="en-US" sz="1800" spc="-1" strike="noStrike">
-                <a:solidFill>
-                  <a:srgbClr val="000000"/>
-                </a:solidFill>
-                <a:latin typeface="Arial"/>
-                <a:ea typeface="DejaVu Sans"/>
-              </a:rPr>
-              <a:t> </a:t>
-            </a:r>
-            <a:r>
-              <a:rPr b="1" lang="en-US" sz="1800" spc="-1" strike="noStrike">
-                <a:solidFill>
-                  <a:srgbClr val="000000"/>
-                </a:solidFill>
-                <a:latin typeface="Arial"/>
-                <a:ea typeface="DejaVu Sans"/>
-              </a:rPr>
-              <a:t>s</a:t>
-            </a:r>
-            <a:r>
-              <a:rPr b="1" lang="en-US" sz="1800" spc="-1" strike="noStrike">
-                <a:solidFill>
-                  <a:srgbClr val="000000"/>
-                </a:solidFill>
-                <a:latin typeface="Arial"/>
-                <a:ea typeface="DejaVu Sans"/>
-              </a:rPr>
-              <a:t>t</a:t>
-            </a:r>
-            <a:r>
-              <a:rPr b="1" lang="en-US" sz="1800" spc="-1" strike="noStrike">
-                <a:solidFill>
-                  <a:srgbClr val="000000"/>
-                </a:solidFill>
-                <a:latin typeface="Arial"/>
-                <a:ea typeface="DejaVu Sans"/>
-              </a:rPr>
-              <a:t>a</a:t>
-            </a:r>
-            <a:r>
-              <a:rPr b="1" lang="en-US" sz="1800" spc="-1" strike="noStrike">
-                <a:solidFill>
-                  <a:srgbClr val="000000"/>
-                </a:solidFill>
-                <a:latin typeface="Arial"/>
-                <a:ea typeface="DejaVu Sans"/>
-              </a:rPr>
-              <a:t>g</a:t>
-            </a:r>
-            <a:r>
-              <a:rPr b="1" lang="en-US" sz="1800" spc="-1" strike="noStrike">
-                <a:solidFill>
-                  <a:srgbClr val="000000"/>
-                </a:solidFill>
-                <a:latin typeface="Arial"/>
-                <a:ea typeface="DejaVu Sans"/>
-              </a:rPr>
-              <a:t>e</a:t>
-            </a:r>
-            <a:r>
-              <a:rPr b="1" lang="en-US" sz="1800" spc="-1" strike="noStrike">
-                <a:solidFill>
-                  <a:srgbClr val="000000"/>
-                </a:solidFill>
-                <a:latin typeface="Arial"/>
-                <a:ea typeface="DejaVu Sans"/>
-              </a:rPr>
-              <a:t> </a:t>
-            </a:r>
-            <a:r>
-              <a:rPr b="1" lang="en-US" sz="1800" spc="-1" strike="noStrike">
-                <a:solidFill>
-                  <a:srgbClr val="000000"/>
-                </a:solidFill>
-                <a:latin typeface="Arial"/>
-                <a:ea typeface="DejaVu Sans"/>
-              </a:rPr>
-              <a:t>I</a:t>
-            </a:r>
-            <a:r>
-              <a:rPr b="1" lang="en-US" sz="1800" spc="-1" strike="noStrike">
-                <a:solidFill>
-                  <a:srgbClr val="000000"/>
-                </a:solidFill>
-                <a:latin typeface="Arial"/>
-                <a:ea typeface="DejaVu Sans"/>
-              </a:rPr>
-              <a:t> </a:t>
-            </a:r>
-            <a:r>
-              <a:rPr b="1" lang="en-US" sz="1800" spc="-1" strike="noStrike">
-                <a:solidFill>
-                  <a:srgbClr val="000000"/>
-                </a:solidFill>
-                <a:latin typeface="Arial"/>
-                <a:ea typeface="DejaVu Sans"/>
-              </a:rPr>
-              <a:t>v</a:t>
-            </a:r>
-            <a:r>
-              <a:rPr b="1" lang="en-US" sz="1800" spc="-1" strike="noStrike">
-                <a:solidFill>
-                  <a:srgbClr val="000000"/>
-                </a:solidFill>
-                <a:latin typeface="Arial"/>
-                <a:ea typeface="DejaVu Sans"/>
-              </a:rPr>
-              <a:t>s</a:t>
-            </a:r>
-            <a:r>
-              <a:rPr b="1" lang="en-US" sz="1800" spc="-1" strike="noStrike">
-                <a:solidFill>
-                  <a:srgbClr val="000000"/>
-                </a:solidFill>
-                <a:latin typeface="Arial"/>
-                <a:ea typeface="DejaVu Sans"/>
-              </a:rPr>
-              <a:t>.</a:t>
-            </a:r>
-            <a:r>
-              <a:rPr b="1" lang="en-US" sz="1800" spc="-1" strike="noStrike">
-                <a:solidFill>
-                  <a:srgbClr val="000000"/>
-                </a:solidFill>
-                <a:latin typeface="Arial"/>
-                <a:ea typeface="DejaVu Sans"/>
-              </a:rPr>
-              <a:t> </a:t>
-            </a:r>
-            <a:r>
-              <a:rPr b="1" lang="en-US" sz="1800" spc="-1" strike="noStrike">
-                <a:solidFill>
-                  <a:srgbClr val="000000"/>
-                </a:solidFill>
-                <a:latin typeface="Arial"/>
-                <a:ea typeface="DejaVu Sans"/>
-              </a:rPr>
-              <a:t>S</a:t>
-            </a:r>
-            <a:r>
-              <a:rPr b="1" lang="en-US" sz="1800" spc="-1" strike="noStrike">
-                <a:solidFill>
-                  <a:srgbClr val="000000"/>
-                </a:solidFill>
-                <a:latin typeface="Arial"/>
-                <a:ea typeface="DejaVu Sans"/>
-              </a:rPr>
-              <a:t>a</a:t>
-            </a:r>
-            <a:r>
-              <a:rPr b="1" lang="en-US" sz="1800" spc="-1" strike="noStrike">
-                <a:solidFill>
-                  <a:srgbClr val="000000"/>
-                </a:solidFill>
-                <a:latin typeface="Arial"/>
-                <a:ea typeface="DejaVu Sans"/>
-              </a:rPr>
-              <a:t>m</a:t>
-            </a:r>
-            <a:r>
-              <a:rPr b="1" lang="en-US" sz="1800" spc="-1" strike="noStrike">
-                <a:solidFill>
-                  <a:srgbClr val="000000"/>
-                </a:solidFill>
-                <a:latin typeface="Arial"/>
-                <a:ea typeface="DejaVu Sans"/>
-              </a:rPr>
-              <a:t>p</a:t>
-            </a:r>
-            <a:r>
-              <a:rPr b="1" lang="en-US" sz="1800" spc="-1" strike="noStrike">
-                <a:solidFill>
-                  <a:srgbClr val="000000"/>
-                </a:solidFill>
-                <a:latin typeface="Arial"/>
-                <a:ea typeface="DejaVu Sans"/>
-              </a:rPr>
-              <a:t>l</a:t>
-            </a:r>
-            <a:r>
-              <a:rPr b="1" lang="en-US" sz="1800" spc="-1" strike="noStrike">
-                <a:solidFill>
-                  <a:srgbClr val="000000"/>
-                </a:solidFill>
-                <a:latin typeface="Arial"/>
-                <a:ea typeface="DejaVu Sans"/>
-              </a:rPr>
-              <a:t>e</a:t>
-            </a:r>
-            <a:r>
-              <a:rPr b="1" lang="en-US" sz="1800" spc="-1" strike="noStrike">
-                <a:solidFill>
-                  <a:srgbClr val="000000"/>
-                </a:solidFill>
-                <a:latin typeface="Arial"/>
-                <a:ea typeface="DejaVu Sans"/>
-              </a:rPr>
-              <a:t>s</a:t>
-            </a:r>
-            <a:r>
-              <a:rPr b="1" lang="en-US" sz="1800" spc="-1" strike="noStrike">
-                <a:solidFill>
-                  <a:srgbClr val="000000"/>
-                </a:solidFill>
-                <a:latin typeface="Arial"/>
-                <a:ea typeface="DejaVu Sans"/>
-              </a:rPr>
-              <a:t> </a:t>
-            </a:r>
-            <a:r>
-              <a:rPr b="1" lang="en-US" sz="1800" spc="-1" strike="noStrike">
-                <a:solidFill>
-                  <a:srgbClr val="000000"/>
-                </a:solidFill>
-                <a:latin typeface="Arial"/>
-                <a:ea typeface="DejaVu Sans"/>
-              </a:rPr>
-              <a:t>o</a:t>
-            </a:r>
-            <a:r>
-              <a:rPr b="1" lang="en-US" sz="1800" spc="-1" strike="noStrike">
-                <a:solidFill>
-                  <a:srgbClr val="000000"/>
-                </a:solidFill>
-                <a:latin typeface="Arial"/>
-                <a:ea typeface="DejaVu Sans"/>
-              </a:rPr>
-              <a:t>f</a:t>
-            </a:r>
-            <a:r>
-              <a:rPr b="1" lang="en-US" sz="1800" spc="-1" strike="noStrike">
-                <a:solidFill>
-                  <a:srgbClr val="000000"/>
-                </a:solidFill>
-                <a:latin typeface="Arial"/>
-                <a:ea typeface="DejaVu Sans"/>
-              </a:rPr>
-              <a:t> </a:t>
-            </a:r>
-            <a:r>
-              <a:rPr b="1" lang="en-US" sz="1800" spc="-1" strike="noStrike">
-                <a:solidFill>
-                  <a:srgbClr val="000000"/>
-                </a:solidFill>
-                <a:latin typeface="Arial"/>
-                <a:ea typeface="DejaVu Sans"/>
-              </a:rPr>
-              <a:t>s</a:t>
-            </a:r>
-            <a:r>
-              <a:rPr b="1" lang="en-US" sz="1800" spc="-1" strike="noStrike">
-                <a:solidFill>
-                  <a:srgbClr val="000000"/>
-                </a:solidFill>
-                <a:latin typeface="Arial"/>
-                <a:ea typeface="DejaVu Sans"/>
-              </a:rPr>
-              <a:t>t</a:t>
-            </a:r>
-            <a:r>
-              <a:rPr b="1" lang="en-US" sz="1800" spc="-1" strike="noStrike">
-                <a:solidFill>
-                  <a:srgbClr val="000000"/>
-                </a:solidFill>
-                <a:latin typeface="Arial"/>
-                <a:ea typeface="DejaVu Sans"/>
-              </a:rPr>
-              <a:t>a</a:t>
-            </a:r>
-            <a:r>
-              <a:rPr b="1" lang="en-US" sz="1800" spc="-1" strike="noStrike">
-                <a:solidFill>
-                  <a:srgbClr val="000000"/>
-                </a:solidFill>
-                <a:latin typeface="Arial"/>
-                <a:ea typeface="DejaVu Sans"/>
-              </a:rPr>
-              <a:t>g</a:t>
-            </a:r>
-            <a:r>
-              <a:rPr b="1" lang="en-US" sz="1800" spc="-1" strike="noStrike">
-                <a:solidFill>
-                  <a:srgbClr val="000000"/>
-                </a:solidFill>
-                <a:latin typeface="Arial"/>
-                <a:ea typeface="DejaVu Sans"/>
-              </a:rPr>
-              <a:t>e</a:t>
-            </a:r>
-            <a:r>
-              <a:rPr b="1" lang="en-US" sz="1800" spc="-1" strike="noStrike">
-                <a:solidFill>
-                  <a:srgbClr val="000000"/>
-                </a:solidFill>
-                <a:latin typeface="Arial"/>
-                <a:ea typeface="DejaVu Sans"/>
-              </a:rPr>
-              <a:t>s</a:t>
-            </a:r>
-            <a:r>
-              <a:rPr b="1" lang="en-US" sz="1800" spc="-1" strike="noStrike">
-                <a:solidFill>
-                  <a:srgbClr val="000000"/>
-                </a:solidFill>
-                <a:latin typeface="Arial"/>
-                <a:ea typeface="DejaVu Sans"/>
-              </a:rPr>
-              <a:t> </a:t>
-            </a:r>
-            <a:r>
-              <a:rPr b="1" lang="en-US" sz="1800" spc="-1" strike="noStrike">
-                <a:solidFill>
-                  <a:srgbClr val="000000"/>
-                </a:solidFill>
-                <a:latin typeface="Arial"/>
-                <a:ea typeface="DejaVu Sans"/>
-              </a:rPr>
-              <a:t>I</a:t>
-            </a:r>
-            <a:r>
-              <a:rPr b="1" lang="en-US" sz="1800" spc="-1" strike="noStrike">
-                <a:solidFill>
-                  <a:srgbClr val="000000"/>
-                </a:solidFill>
-                <a:latin typeface="Arial"/>
-                <a:ea typeface="DejaVu Sans"/>
-              </a:rPr>
-              <a:t>I</a:t>
-            </a:r>
-            <a:r>
-              <a:rPr b="1" lang="en-US" sz="1800" spc="-1" strike="noStrike">
-                <a:solidFill>
-                  <a:srgbClr val="000000"/>
-                </a:solidFill>
-                <a:latin typeface="Arial"/>
-                <a:ea typeface="DejaVu Sans"/>
-              </a:rPr>
-              <a:t> </a:t>
-            </a:r>
-            <a:r>
-              <a:rPr b="1" lang="en-US" sz="1800" spc="-1" strike="noStrike">
-                <a:solidFill>
-                  <a:srgbClr val="000000"/>
-                </a:solidFill>
-                <a:latin typeface="Arial"/>
-                <a:ea typeface="DejaVu Sans"/>
-              </a:rPr>
-              <a:t>a</a:t>
-            </a:r>
-            <a:r>
-              <a:rPr b="1" lang="en-US" sz="1800" spc="-1" strike="noStrike">
-                <a:solidFill>
-                  <a:srgbClr val="000000"/>
-                </a:solidFill>
-                <a:latin typeface="Arial"/>
-                <a:ea typeface="DejaVu Sans"/>
-              </a:rPr>
-              <a:t>n</a:t>
-            </a:r>
-            <a:r>
-              <a:rPr b="1" lang="en-US" sz="1800" spc="-1" strike="noStrike">
-                <a:solidFill>
-                  <a:srgbClr val="000000"/>
-                </a:solidFill>
-                <a:latin typeface="Arial"/>
-                <a:ea typeface="DejaVu Sans"/>
-              </a:rPr>
-              <a:t>d</a:t>
-            </a:r>
-            <a:r>
-              <a:rPr b="1" lang="en-US" sz="1800" spc="-1" strike="noStrike">
-                <a:solidFill>
-                  <a:srgbClr val="000000"/>
-                </a:solidFill>
-                <a:latin typeface="Arial"/>
-                <a:ea typeface="DejaVu Sans"/>
-              </a:rPr>
-              <a:t> </a:t>
-            </a:r>
-            <a:r>
-              <a:rPr b="1" lang="en-US" sz="1800" spc="-1" strike="noStrike">
-                <a:solidFill>
-                  <a:srgbClr val="000000"/>
-                </a:solidFill>
-                <a:latin typeface="Arial"/>
-                <a:ea typeface="DejaVu Sans"/>
-              </a:rPr>
-              <a:t>I</a:t>
-            </a:r>
-            <a:r>
-              <a:rPr b="1" lang="en-US" sz="1800" spc="-1" strike="noStrike">
-                <a:solidFill>
-                  <a:srgbClr val="000000"/>
-                </a:solidFill>
-                <a:latin typeface="Arial"/>
-                <a:ea typeface="DejaVu Sans"/>
-              </a:rPr>
-              <a:t>I</a:t>
-            </a:r>
-            <a:r>
-              <a:rPr b="1" lang="en-US" sz="1800" spc="-1" strike="noStrike">
-                <a:solidFill>
-                  <a:srgbClr val="000000"/>
-                </a:solidFill>
-                <a:latin typeface="Arial"/>
-                <a:ea typeface="DejaVu Sans"/>
-              </a:rPr>
-              <a:t>I</a:t>
-            </a:r>
-            <a:endParaRPr b="0" lang="en-US" sz="1800" spc="-1" strike="noStrike">
-              <a:latin typeface="Arial"/>
-            </a:endParaRPr>
-          </a:p>
-          <a:p>
-            <a:pPr>
-              <a:lnSpc>
-                <a:spcPct val="100000"/>
-              </a:lnSpc>
-              <a:buNone/>
-            </a:pPr>
-            <a:r>
-              <a:rPr b="1" lang="en-US" sz="1800" spc="-1" strike="noStrike">
-                <a:solidFill>
-                  <a:srgbClr val="000000"/>
-                </a:solidFill>
-                <a:latin typeface="Arial"/>
-                <a:ea typeface="DejaVu Sans"/>
-              </a:rPr>
-              <a:t>-</a:t>
-            </a:r>
-            <a:r>
-              <a:rPr b="1" lang="en-US" sz="1800" spc="-1" strike="noStrike">
-                <a:solidFill>
-                  <a:srgbClr val="000000"/>
-                </a:solidFill>
-                <a:latin typeface="Arial"/>
-                <a:ea typeface="DejaVu Sans"/>
-              </a:rPr>
-              <a:t> </a:t>
-            </a:r>
-            <a:r>
-              <a:rPr b="1" lang="en-US" sz="1800" spc="-1" strike="noStrike">
-                <a:solidFill>
-                  <a:srgbClr val="000000"/>
-                </a:solidFill>
-                <a:latin typeface="Arial"/>
-                <a:ea typeface="DejaVu Sans"/>
-              </a:rPr>
-              <a:t>S</a:t>
-            </a:r>
-            <a:r>
-              <a:rPr b="1" lang="en-US" sz="1800" spc="-1" strike="noStrike">
-                <a:solidFill>
-                  <a:srgbClr val="000000"/>
-                </a:solidFill>
-                <a:latin typeface="Arial"/>
-                <a:ea typeface="DejaVu Sans"/>
-              </a:rPr>
-              <a:t>a</a:t>
-            </a:r>
-            <a:r>
-              <a:rPr b="1" lang="en-US" sz="1800" spc="-1" strike="noStrike">
-                <a:solidFill>
-                  <a:srgbClr val="000000"/>
-                </a:solidFill>
-                <a:latin typeface="Arial"/>
-                <a:ea typeface="DejaVu Sans"/>
-              </a:rPr>
-              <a:t>m</a:t>
-            </a:r>
-            <a:r>
-              <a:rPr b="1" lang="en-US" sz="1800" spc="-1" strike="noStrike">
-                <a:solidFill>
-                  <a:srgbClr val="000000"/>
-                </a:solidFill>
-                <a:latin typeface="Arial"/>
-                <a:ea typeface="DejaVu Sans"/>
-              </a:rPr>
-              <a:t>p</a:t>
-            </a:r>
-            <a:r>
-              <a:rPr b="1" lang="en-US" sz="1800" spc="-1" strike="noStrike">
-                <a:solidFill>
-                  <a:srgbClr val="000000"/>
-                </a:solidFill>
-                <a:latin typeface="Arial"/>
-                <a:ea typeface="DejaVu Sans"/>
-              </a:rPr>
-              <a:t>l</a:t>
-            </a:r>
-            <a:r>
-              <a:rPr b="1" lang="en-US" sz="1800" spc="-1" strike="noStrike">
-                <a:solidFill>
-                  <a:srgbClr val="000000"/>
-                </a:solidFill>
-                <a:latin typeface="Arial"/>
-                <a:ea typeface="DejaVu Sans"/>
-              </a:rPr>
-              <a:t>e</a:t>
-            </a:r>
-            <a:r>
-              <a:rPr b="1" lang="en-US" sz="1800" spc="-1" strike="noStrike">
-                <a:solidFill>
-                  <a:srgbClr val="000000"/>
-                </a:solidFill>
-                <a:latin typeface="Arial"/>
-                <a:ea typeface="DejaVu Sans"/>
-              </a:rPr>
-              <a:t>s</a:t>
-            </a:r>
-            <a:r>
-              <a:rPr b="1" lang="en-US" sz="1800" spc="-1" strike="noStrike">
-                <a:solidFill>
-                  <a:srgbClr val="000000"/>
-                </a:solidFill>
-                <a:latin typeface="Arial"/>
-                <a:ea typeface="DejaVu Sans"/>
-              </a:rPr>
-              <a:t> </a:t>
-            </a:r>
-            <a:r>
-              <a:rPr b="1" lang="en-US" sz="1800" spc="-1" strike="noStrike">
-                <a:solidFill>
-                  <a:srgbClr val="000000"/>
-                </a:solidFill>
-                <a:latin typeface="Arial"/>
-                <a:ea typeface="DejaVu Sans"/>
-              </a:rPr>
-              <a:t>o</a:t>
-            </a:r>
-            <a:r>
-              <a:rPr b="1" lang="en-US" sz="1800" spc="-1" strike="noStrike">
-                <a:solidFill>
-                  <a:srgbClr val="000000"/>
-                </a:solidFill>
-                <a:latin typeface="Arial"/>
-                <a:ea typeface="DejaVu Sans"/>
-              </a:rPr>
-              <a:t>f</a:t>
-            </a:r>
-            <a:r>
-              <a:rPr b="1" lang="en-US" sz="1800" spc="-1" strike="noStrike">
-                <a:solidFill>
-                  <a:srgbClr val="000000"/>
-                </a:solidFill>
-                <a:latin typeface="Arial"/>
-                <a:ea typeface="DejaVu Sans"/>
-              </a:rPr>
-              <a:t> </a:t>
-            </a:r>
-            <a:r>
-              <a:rPr b="1" lang="en-US" sz="1800" spc="-1" strike="noStrike">
-                <a:solidFill>
-                  <a:srgbClr val="000000"/>
-                </a:solidFill>
-                <a:latin typeface="Arial"/>
-                <a:ea typeface="DejaVu Sans"/>
-              </a:rPr>
-              <a:t>s</a:t>
-            </a:r>
-            <a:r>
-              <a:rPr b="1" lang="en-US" sz="1800" spc="-1" strike="noStrike">
-                <a:solidFill>
-                  <a:srgbClr val="000000"/>
-                </a:solidFill>
-                <a:latin typeface="Arial"/>
-                <a:ea typeface="DejaVu Sans"/>
-              </a:rPr>
-              <a:t>t</a:t>
-            </a:r>
-            <a:r>
-              <a:rPr b="1" lang="en-US" sz="1800" spc="-1" strike="noStrike">
-                <a:solidFill>
-                  <a:srgbClr val="000000"/>
-                </a:solidFill>
-                <a:latin typeface="Arial"/>
-                <a:ea typeface="DejaVu Sans"/>
-              </a:rPr>
-              <a:t>a</a:t>
-            </a:r>
-            <a:r>
-              <a:rPr b="1" lang="en-US" sz="1800" spc="-1" strike="noStrike">
-                <a:solidFill>
-                  <a:srgbClr val="000000"/>
-                </a:solidFill>
-                <a:latin typeface="Arial"/>
-                <a:ea typeface="DejaVu Sans"/>
-              </a:rPr>
-              <a:t>g</a:t>
-            </a:r>
-            <a:r>
-              <a:rPr b="1" lang="en-US" sz="1800" spc="-1" strike="noStrike">
-                <a:solidFill>
-                  <a:srgbClr val="000000"/>
-                </a:solidFill>
-                <a:latin typeface="Arial"/>
-                <a:ea typeface="DejaVu Sans"/>
-              </a:rPr>
-              <a:t>e</a:t>
-            </a:r>
-            <a:r>
-              <a:rPr b="1" lang="en-US" sz="1800" spc="-1" strike="noStrike">
-                <a:solidFill>
-                  <a:srgbClr val="000000"/>
-                </a:solidFill>
-                <a:latin typeface="Arial"/>
-                <a:ea typeface="DejaVu Sans"/>
-              </a:rPr>
-              <a:t> </a:t>
-            </a:r>
-            <a:r>
-              <a:rPr b="1" lang="en-US" sz="1800" spc="-1" strike="noStrike">
-                <a:solidFill>
-                  <a:srgbClr val="000000"/>
-                </a:solidFill>
-                <a:latin typeface="Arial"/>
-                <a:ea typeface="DejaVu Sans"/>
-              </a:rPr>
-              <a:t>I</a:t>
-            </a:r>
-            <a:r>
-              <a:rPr b="1" lang="en-US" sz="1800" spc="-1" strike="noStrike">
-                <a:solidFill>
-                  <a:srgbClr val="000000"/>
-                </a:solidFill>
-                <a:latin typeface="Arial"/>
-                <a:ea typeface="DejaVu Sans"/>
-              </a:rPr>
-              <a:t>I</a:t>
-            </a:r>
-            <a:r>
-              <a:rPr b="1" lang="en-US" sz="1800" spc="-1" strike="noStrike">
-                <a:solidFill>
-                  <a:srgbClr val="000000"/>
-                </a:solidFill>
-                <a:latin typeface="Arial"/>
-                <a:ea typeface="DejaVu Sans"/>
-              </a:rPr>
-              <a:t> </a:t>
-            </a:r>
-            <a:r>
-              <a:rPr b="1" lang="en-US" sz="1800" spc="-1" strike="noStrike">
-                <a:solidFill>
-                  <a:srgbClr val="000000"/>
-                </a:solidFill>
-                <a:latin typeface="Arial"/>
-                <a:ea typeface="DejaVu Sans"/>
-              </a:rPr>
-              <a:t>v</a:t>
-            </a:r>
-            <a:r>
-              <a:rPr b="1" lang="en-US" sz="1800" spc="-1" strike="noStrike">
-                <a:solidFill>
-                  <a:srgbClr val="000000"/>
-                </a:solidFill>
-                <a:latin typeface="Arial"/>
-                <a:ea typeface="DejaVu Sans"/>
-              </a:rPr>
-              <a:t>s</a:t>
-            </a:r>
-            <a:r>
-              <a:rPr b="1" lang="en-US" sz="1800" spc="-1" strike="noStrike">
-                <a:solidFill>
-                  <a:srgbClr val="000000"/>
-                </a:solidFill>
-                <a:latin typeface="Arial"/>
-                <a:ea typeface="DejaVu Sans"/>
-              </a:rPr>
-              <a:t>.</a:t>
-            </a:r>
-            <a:r>
-              <a:rPr b="1" lang="en-US" sz="1800" spc="-1" strike="noStrike">
-                <a:solidFill>
-                  <a:srgbClr val="000000"/>
-                </a:solidFill>
-                <a:latin typeface="Arial"/>
-                <a:ea typeface="DejaVu Sans"/>
-              </a:rPr>
-              <a:t> </a:t>
-            </a:r>
-            <a:r>
-              <a:rPr b="1" lang="en-US" sz="1800" spc="-1" strike="noStrike">
-                <a:solidFill>
-                  <a:srgbClr val="000000"/>
-                </a:solidFill>
-                <a:latin typeface="Arial"/>
-                <a:ea typeface="DejaVu Sans"/>
-              </a:rPr>
-              <a:t>S</a:t>
-            </a:r>
-            <a:r>
-              <a:rPr b="1" lang="en-US" sz="1800" spc="-1" strike="noStrike">
-                <a:solidFill>
-                  <a:srgbClr val="000000"/>
-                </a:solidFill>
-                <a:latin typeface="Arial"/>
-                <a:ea typeface="DejaVu Sans"/>
-              </a:rPr>
-              <a:t>a</a:t>
-            </a:r>
-            <a:r>
-              <a:rPr b="1" lang="en-US" sz="1800" spc="-1" strike="noStrike">
-                <a:solidFill>
-                  <a:srgbClr val="000000"/>
-                </a:solidFill>
-                <a:latin typeface="Arial"/>
-                <a:ea typeface="DejaVu Sans"/>
-              </a:rPr>
-              <a:t>m</a:t>
-            </a:r>
-            <a:r>
-              <a:rPr b="1" lang="en-US" sz="1800" spc="-1" strike="noStrike">
-                <a:solidFill>
-                  <a:srgbClr val="000000"/>
-                </a:solidFill>
-                <a:latin typeface="Arial"/>
-                <a:ea typeface="DejaVu Sans"/>
-              </a:rPr>
-              <a:t>p</a:t>
-            </a:r>
-            <a:r>
-              <a:rPr b="1" lang="en-US" sz="1800" spc="-1" strike="noStrike">
-                <a:solidFill>
-                  <a:srgbClr val="000000"/>
-                </a:solidFill>
-                <a:latin typeface="Arial"/>
-                <a:ea typeface="DejaVu Sans"/>
-              </a:rPr>
-              <a:t>l</a:t>
-            </a:r>
-            <a:r>
-              <a:rPr b="1" lang="en-US" sz="1800" spc="-1" strike="noStrike">
-                <a:solidFill>
-                  <a:srgbClr val="000000"/>
-                </a:solidFill>
-                <a:latin typeface="Arial"/>
-                <a:ea typeface="DejaVu Sans"/>
-              </a:rPr>
-              <a:t>e</a:t>
-            </a:r>
-            <a:r>
-              <a:rPr b="1" lang="en-US" sz="1800" spc="-1" strike="noStrike">
-                <a:solidFill>
-                  <a:srgbClr val="000000"/>
-                </a:solidFill>
-                <a:latin typeface="Arial"/>
-                <a:ea typeface="DejaVu Sans"/>
-              </a:rPr>
-              <a:t>s</a:t>
-            </a:r>
-            <a:r>
-              <a:rPr b="1" lang="en-US" sz="1800" spc="-1" strike="noStrike">
-                <a:solidFill>
-                  <a:srgbClr val="000000"/>
-                </a:solidFill>
-                <a:latin typeface="Arial"/>
-                <a:ea typeface="DejaVu Sans"/>
-              </a:rPr>
-              <a:t> </a:t>
-            </a:r>
-            <a:r>
-              <a:rPr b="1" lang="en-US" sz="1800" spc="-1" strike="noStrike">
-                <a:solidFill>
-                  <a:srgbClr val="000000"/>
-                </a:solidFill>
-                <a:latin typeface="Arial"/>
-                <a:ea typeface="DejaVu Sans"/>
-              </a:rPr>
-              <a:t>o</a:t>
-            </a:r>
-            <a:r>
-              <a:rPr b="1" lang="en-US" sz="1800" spc="-1" strike="noStrike">
-                <a:solidFill>
-                  <a:srgbClr val="000000"/>
-                </a:solidFill>
-                <a:latin typeface="Arial"/>
-                <a:ea typeface="DejaVu Sans"/>
-              </a:rPr>
-              <a:t>f</a:t>
-            </a:r>
-            <a:r>
-              <a:rPr b="1" lang="en-US" sz="1800" spc="-1" strike="noStrike">
-                <a:solidFill>
-                  <a:srgbClr val="000000"/>
-                </a:solidFill>
-                <a:latin typeface="Arial"/>
-                <a:ea typeface="DejaVu Sans"/>
-              </a:rPr>
-              <a:t> </a:t>
-            </a:r>
-            <a:r>
-              <a:rPr b="1" lang="en-US" sz="1800" spc="-1" strike="noStrike">
-                <a:solidFill>
-                  <a:srgbClr val="000000"/>
-                </a:solidFill>
-                <a:latin typeface="Arial"/>
-                <a:ea typeface="DejaVu Sans"/>
-              </a:rPr>
-              <a:t>s</a:t>
-            </a:r>
-            <a:r>
-              <a:rPr b="1" lang="en-US" sz="1800" spc="-1" strike="noStrike">
-                <a:solidFill>
-                  <a:srgbClr val="000000"/>
-                </a:solidFill>
-                <a:latin typeface="Arial"/>
-                <a:ea typeface="DejaVu Sans"/>
-              </a:rPr>
-              <a:t>t</a:t>
-            </a:r>
-            <a:r>
-              <a:rPr b="1" lang="en-US" sz="1800" spc="-1" strike="noStrike">
-                <a:solidFill>
-                  <a:srgbClr val="000000"/>
-                </a:solidFill>
-                <a:latin typeface="Arial"/>
-                <a:ea typeface="DejaVu Sans"/>
-              </a:rPr>
-              <a:t>a</a:t>
-            </a:r>
-            <a:r>
-              <a:rPr b="1" lang="en-US" sz="1800" spc="-1" strike="noStrike">
-                <a:solidFill>
-                  <a:srgbClr val="000000"/>
-                </a:solidFill>
-                <a:latin typeface="Arial"/>
-                <a:ea typeface="DejaVu Sans"/>
-              </a:rPr>
-              <a:t>g</a:t>
-            </a:r>
-            <a:r>
-              <a:rPr b="1" lang="en-US" sz="1800" spc="-1" strike="noStrike">
-                <a:solidFill>
-                  <a:srgbClr val="000000"/>
-                </a:solidFill>
-                <a:latin typeface="Arial"/>
-                <a:ea typeface="DejaVu Sans"/>
-              </a:rPr>
-              <a:t>e</a:t>
-            </a:r>
-            <a:r>
-              <a:rPr b="1" lang="en-US" sz="1800" spc="-1" strike="noStrike">
-                <a:solidFill>
-                  <a:srgbClr val="000000"/>
-                </a:solidFill>
-                <a:latin typeface="Arial"/>
-                <a:ea typeface="DejaVu Sans"/>
-              </a:rPr>
-              <a:t>s</a:t>
-            </a:r>
-            <a:r>
-              <a:rPr b="1" lang="en-US" sz="1800" spc="-1" strike="noStrike">
-                <a:solidFill>
-                  <a:srgbClr val="000000"/>
-                </a:solidFill>
-                <a:latin typeface="Arial"/>
-                <a:ea typeface="DejaVu Sans"/>
-              </a:rPr>
-              <a:t> </a:t>
-            </a:r>
-            <a:r>
-              <a:rPr b="1" lang="en-US" sz="1800" spc="-1" strike="noStrike">
-                <a:solidFill>
-                  <a:srgbClr val="000000"/>
-                </a:solidFill>
-                <a:latin typeface="Arial"/>
-                <a:ea typeface="DejaVu Sans"/>
-              </a:rPr>
-              <a:t>I</a:t>
-            </a:r>
-            <a:r>
-              <a:rPr b="1" lang="en-US" sz="1800" spc="-1" strike="noStrike">
-                <a:solidFill>
-                  <a:srgbClr val="000000"/>
-                </a:solidFill>
-                <a:latin typeface="Arial"/>
-                <a:ea typeface="DejaVu Sans"/>
-              </a:rPr>
-              <a:t> </a:t>
-            </a:r>
-            <a:r>
-              <a:rPr b="1" lang="en-US" sz="1800" spc="-1" strike="noStrike">
-                <a:solidFill>
-                  <a:srgbClr val="000000"/>
-                </a:solidFill>
-                <a:latin typeface="Arial"/>
-                <a:ea typeface="DejaVu Sans"/>
-              </a:rPr>
-              <a:t>a</a:t>
-            </a:r>
-            <a:r>
-              <a:rPr b="1" lang="en-US" sz="1800" spc="-1" strike="noStrike">
-                <a:solidFill>
-                  <a:srgbClr val="000000"/>
-                </a:solidFill>
-                <a:latin typeface="Arial"/>
-                <a:ea typeface="DejaVu Sans"/>
-              </a:rPr>
-              <a:t>n</a:t>
-            </a:r>
-            <a:r>
-              <a:rPr b="1" lang="en-US" sz="1800" spc="-1" strike="noStrike">
-                <a:solidFill>
-                  <a:srgbClr val="000000"/>
-                </a:solidFill>
-                <a:latin typeface="Arial"/>
-                <a:ea typeface="DejaVu Sans"/>
-              </a:rPr>
-              <a:t>d</a:t>
-            </a:r>
-            <a:r>
-              <a:rPr b="1" lang="en-US" sz="1800" spc="-1" strike="noStrike">
-                <a:solidFill>
-                  <a:srgbClr val="000000"/>
-                </a:solidFill>
-                <a:latin typeface="Arial"/>
-                <a:ea typeface="DejaVu Sans"/>
-              </a:rPr>
-              <a:t> </a:t>
-            </a:r>
-            <a:r>
-              <a:rPr b="1" lang="en-US" sz="1800" spc="-1" strike="noStrike">
-                <a:solidFill>
-                  <a:srgbClr val="000000"/>
-                </a:solidFill>
-                <a:latin typeface="Arial"/>
-                <a:ea typeface="DejaVu Sans"/>
-              </a:rPr>
-              <a:t>I</a:t>
-            </a:r>
-            <a:r>
-              <a:rPr b="1" lang="en-US" sz="1800" spc="-1" strike="noStrike">
-                <a:solidFill>
-                  <a:srgbClr val="000000"/>
-                </a:solidFill>
-                <a:latin typeface="Arial"/>
-                <a:ea typeface="DejaVu Sans"/>
-              </a:rPr>
-              <a:t>I</a:t>
-            </a:r>
-            <a:r>
-              <a:rPr b="1" lang="en-US" sz="1800" spc="-1" strike="noStrike">
-                <a:solidFill>
-                  <a:srgbClr val="000000"/>
-                </a:solidFill>
-                <a:latin typeface="Arial"/>
-                <a:ea typeface="DejaVu Sans"/>
-              </a:rPr>
-              <a:t>I</a:t>
-            </a:r>
-            <a:endParaRPr b="0" lang="en-US" sz="1800" spc="-1" strike="noStrike">
-              <a:latin typeface="Arial"/>
-            </a:endParaRPr>
-          </a:p>
-          <a:p>
-            <a:pPr>
-              <a:lnSpc>
-                <a:spcPct val="100000"/>
-              </a:lnSpc>
-              <a:buNone/>
-            </a:pPr>
-            <a:r>
-              <a:rPr b="1" lang="en-US" sz="1800" spc="-1" strike="noStrike">
-                <a:solidFill>
-                  <a:srgbClr val="000000"/>
-                </a:solidFill>
-                <a:latin typeface="Arial"/>
-                <a:ea typeface="DejaVu Sans"/>
-              </a:rPr>
-              <a:t>-</a:t>
-            </a:r>
-            <a:r>
-              <a:rPr b="1" lang="en-US" sz="1800" spc="-1" strike="noStrike">
-                <a:solidFill>
-                  <a:srgbClr val="000000"/>
-                </a:solidFill>
-                <a:latin typeface="Arial"/>
-                <a:ea typeface="DejaVu Sans"/>
-              </a:rPr>
-              <a:t> </a:t>
-            </a:r>
-            <a:r>
-              <a:rPr b="1" lang="en-US" sz="1800" spc="-1" strike="noStrike">
-                <a:solidFill>
-                  <a:srgbClr val="000000"/>
-                </a:solidFill>
-                <a:latin typeface="Arial"/>
-                <a:ea typeface="DejaVu Sans"/>
-              </a:rPr>
-              <a:t>S</a:t>
-            </a:r>
-            <a:r>
-              <a:rPr b="1" lang="en-US" sz="1800" spc="-1" strike="noStrike">
-                <a:solidFill>
-                  <a:srgbClr val="000000"/>
-                </a:solidFill>
-                <a:latin typeface="Arial"/>
-                <a:ea typeface="DejaVu Sans"/>
-              </a:rPr>
-              <a:t>a</a:t>
-            </a:r>
-            <a:r>
-              <a:rPr b="1" lang="en-US" sz="1800" spc="-1" strike="noStrike">
-                <a:solidFill>
-                  <a:srgbClr val="000000"/>
-                </a:solidFill>
-                <a:latin typeface="Arial"/>
-                <a:ea typeface="DejaVu Sans"/>
-              </a:rPr>
-              <a:t>m</a:t>
-            </a:r>
-            <a:r>
-              <a:rPr b="1" lang="en-US" sz="1800" spc="-1" strike="noStrike">
-                <a:solidFill>
-                  <a:srgbClr val="000000"/>
-                </a:solidFill>
-                <a:latin typeface="Arial"/>
-                <a:ea typeface="DejaVu Sans"/>
-              </a:rPr>
-              <a:t>p</a:t>
-            </a:r>
-            <a:r>
-              <a:rPr b="1" lang="en-US" sz="1800" spc="-1" strike="noStrike">
-                <a:solidFill>
-                  <a:srgbClr val="000000"/>
-                </a:solidFill>
-                <a:latin typeface="Arial"/>
-                <a:ea typeface="DejaVu Sans"/>
-              </a:rPr>
-              <a:t>l</a:t>
-            </a:r>
-            <a:r>
-              <a:rPr b="1" lang="en-US" sz="1800" spc="-1" strike="noStrike">
-                <a:solidFill>
-                  <a:srgbClr val="000000"/>
-                </a:solidFill>
-                <a:latin typeface="Arial"/>
-                <a:ea typeface="DejaVu Sans"/>
-              </a:rPr>
-              <a:t>e</a:t>
-            </a:r>
-            <a:r>
-              <a:rPr b="1" lang="en-US" sz="1800" spc="-1" strike="noStrike">
-                <a:solidFill>
-                  <a:srgbClr val="000000"/>
-                </a:solidFill>
-                <a:latin typeface="Arial"/>
-                <a:ea typeface="DejaVu Sans"/>
-              </a:rPr>
-              <a:t>s</a:t>
-            </a:r>
-            <a:r>
-              <a:rPr b="1" lang="en-US" sz="1800" spc="-1" strike="noStrike">
-                <a:solidFill>
-                  <a:srgbClr val="000000"/>
-                </a:solidFill>
-                <a:latin typeface="Arial"/>
-                <a:ea typeface="DejaVu Sans"/>
-              </a:rPr>
-              <a:t> </a:t>
-            </a:r>
-            <a:r>
-              <a:rPr b="1" lang="en-US" sz="1800" spc="-1" strike="noStrike">
-                <a:solidFill>
-                  <a:srgbClr val="000000"/>
-                </a:solidFill>
-                <a:latin typeface="Arial"/>
-                <a:ea typeface="DejaVu Sans"/>
-              </a:rPr>
-              <a:t>o</a:t>
-            </a:r>
-            <a:r>
-              <a:rPr b="1" lang="en-US" sz="1800" spc="-1" strike="noStrike">
-                <a:solidFill>
-                  <a:srgbClr val="000000"/>
-                </a:solidFill>
-                <a:latin typeface="Arial"/>
-                <a:ea typeface="DejaVu Sans"/>
-              </a:rPr>
-              <a:t>f</a:t>
-            </a:r>
-            <a:r>
-              <a:rPr b="1" lang="en-US" sz="1800" spc="-1" strike="noStrike">
-                <a:solidFill>
-                  <a:srgbClr val="000000"/>
-                </a:solidFill>
-                <a:latin typeface="Arial"/>
-                <a:ea typeface="DejaVu Sans"/>
-              </a:rPr>
-              <a:t> </a:t>
-            </a:r>
-            <a:r>
-              <a:rPr b="1" lang="en-US" sz="1800" spc="-1" strike="noStrike">
-                <a:solidFill>
-                  <a:srgbClr val="000000"/>
-                </a:solidFill>
-                <a:latin typeface="Arial"/>
-                <a:ea typeface="DejaVu Sans"/>
-              </a:rPr>
-              <a:t>s</a:t>
-            </a:r>
-            <a:r>
-              <a:rPr b="1" lang="en-US" sz="1800" spc="-1" strike="noStrike">
-                <a:solidFill>
-                  <a:srgbClr val="000000"/>
-                </a:solidFill>
-                <a:latin typeface="Arial"/>
-                <a:ea typeface="DejaVu Sans"/>
-              </a:rPr>
-              <a:t>t</a:t>
-            </a:r>
-            <a:r>
-              <a:rPr b="1" lang="en-US" sz="1800" spc="-1" strike="noStrike">
-                <a:solidFill>
-                  <a:srgbClr val="000000"/>
-                </a:solidFill>
-                <a:latin typeface="Arial"/>
-                <a:ea typeface="DejaVu Sans"/>
-              </a:rPr>
-              <a:t>a</a:t>
-            </a:r>
-            <a:r>
-              <a:rPr b="1" lang="en-US" sz="1800" spc="-1" strike="noStrike">
-                <a:solidFill>
-                  <a:srgbClr val="000000"/>
-                </a:solidFill>
-                <a:latin typeface="Arial"/>
-                <a:ea typeface="DejaVu Sans"/>
-              </a:rPr>
-              <a:t>g</a:t>
-            </a:r>
-            <a:r>
-              <a:rPr b="1" lang="en-US" sz="1800" spc="-1" strike="noStrike">
-                <a:solidFill>
-                  <a:srgbClr val="000000"/>
-                </a:solidFill>
-                <a:latin typeface="Arial"/>
-                <a:ea typeface="DejaVu Sans"/>
-              </a:rPr>
-              <a:t>e</a:t>
-            </a:r>
-            <a:r>
-              <a:rPr b="1" lang="en-US" sz="1800" spc="-1" strike="noStrike">
-                <a:solidFill>
-                  <a:srgbClr val="000000"/>
-                </a:solidFill>
-                <a:latin typeface="Arial"/>
-                <a:ea typeface="DejaVu Sans"/>
-              </a:rPr>
-              <a:t> </a:t>
-            </a:r>
-            <a:r>
-              <a:rPr b="1" lang="en-US" sz="1800" spc="-1" strike="noStrike">
-                <a:solidFill>
-                  <a:srgbClr val="000000"/>
-                </a:solidFill>
-                <a:latin typeface="Arial"/>
-                <a:ea typeface="DejaVu Sans"/>
-              </a:rPr>
-              <a:t>I</a:t>
-            </a:r>
-            <a:r>
-              <a:rPr b="1" lang="en-US" sz="1800" spc="-1" strike="noStrike">
-                <a:solidFill>
-                  <a:srgbClr val="000000"/>
-                </a:solidFill>
-                <a:latin typeface="Arial"/>
-                <a:ea typeface="DejaVu Sans"/>
-              </a:rPr>
-              <a:t>I</a:t>
-            </a:r>
-            <a:r>
-              <a:rPr b="1" lang="en-US" sz="1800" spc="-1" strike="noStrike">
-                <a:solidFill>
-                  <a:srgbClr val="000000"/>
-                </a:solidFill>
-                <a:latin typeface="Arial"/>
-                <a:ea typeface="DejaVu Sans"/>
-              </a:rPr>
-              <a:t>I</a:t>
-            </a:r>
-            <a:r>
-              <a:rPr b="1" lang="en-US" sz="1800" spc="-1" strike="noStrike">
-                <a:solidFill>
-                  <a:srgbClr val="000000"/>
-                </a:solidFill>
-                <a:latin typeface="Arial"/>
-                <a:ea typeface="DejaVu Sans"/>
-              </a:rPr>
-              <a:t> </a:t>
-            </a:r>
-            <a:r>
-              <a:rPr b="1" lang="en-US" sz="1800" spc="-1" strike="noStrike">
-                <a:solidFill>
-                  <a:srgbClr val="000000"/>
-                </a:solidFill>
-                <a:latin typeface="Arial"/>
-                <a:ea typeface="DejaVu Sans"/>
-              </a:rPr>
-              <a:t>v</a:t>
-            </a:r>
-            <a:r>
-              <a:rPr b="1" lang="en-US" sz="1800" spc="-1" strike="noStrike">
-                <a:solidFill>
-                  <a:srgbClr val="000000"/>
-                </a:solidFill>
-                <a:latin typeface="Arial"/>
-                <a:ea typeface="DejaVu Sans"/>
-              </a:rPr>
-              <a:t>s</a:t>
-            </a:r>
-            <a:r>
-              <a:rPr b="1" lang="en-US" sz="1800" spc="-1" strike="noStrike">
-                <a:solidFill>
-                  <a:srgbClr val="000000"/>
-                </a:solidFill>
-                <a:latin typeface="Arial"/>
-                <a:ea typeface="DejaVu Sans"/>
-              </a:rPr>
-              <a:t>.</a:t>
-            </a:r>
-            <a:r>
-              <a:rPr b="1" lang="en-US" sz="1800" spc="-1" strike="noStrike">
-                <a:solidFill>
-                  <a:srgbClr val="000000"/>
-                </a:solidFill>
-                <a:latin typeface="Arial"/>
-                <a:ea typeface="DejaVu Sans"/>
-              </a:rPr>
-              <a:t> </a:t>
-            </a:r>
-            <a:r>
-              <a:rPr b="1" lang="en-US" sz="1800" spc="-1" strike="noStrike">
-                <a:solidFill>
-                  <a:srgbClr val="000000"/>
-                </a:solidFill>
-                <a:latin typeface="Arial"/>
-                <a:ea typeface="DejaVu Sans"/>
-              </a:rPr>
-              <a:t>S</a:t>
-            </a:r>
-            <a:r>
-              <a:rPr b="1" lang="en-US" sz="1800" spc="-1" strike="noStrike">
-                <a:solidFill>
-                  <a:srgbClr val="000000"/>
-                </a:solidFill>
-                <a:latin typeface="Arial"/>
-                <a:ea typeface="DejaVu Sans"/>
-              </a:rPr>
-              <a:t>a</a:t>
-            </a:r>
-            <a:r>
-              <a:rPr b="1" lang="en-US" sz="1800" spc="-1" strike="noStrike">
-                <a:solidFill>
-                  <a:srgbClr val="000000"/>
-                </a:solidFill>
-                <a:latin typeface="Arial"/>
-                <a:ea typeface="DejaVu Sans"/>
-              </a:rPr>
-              <a:t>m</a:t>
-            </a:r>
-            <a:r>
-              <a:rPr b="1" lang="en-US" sz="1800" spc="-1" strike="noStrike">
-                <a:solidFill>
-                  <a:srgbClr val="000000"/>
-                </a:solidFill>
-                <a:latin typeface="Arial"/>
-                <a:ea typeface="DejaVu Sans"/>
-              </a:rPr>
-              <a:t>p</a:t>
-            </a:r>
-            <a:r>
-              <a:rPr b="1" lang="en-US" sz="1800" spc="-1" strike="noStrike">
-                <a:solidFill>
-                  <a:srgbClr val="000000"/>
-                </a:solidFill>
-                <a:latin typeface="Arial"/>
-                <a:ea typeface="DejaVu Sans"/>
-              </a:rPr>
-              <a:t>l</a:t>
-            </a:r>
-            <a:r>
-              <a:rPr b="1" lang="en-US" sz="1800" spc="-1" strike="noStrike">
-                <a:solidFill>
-                  <a:srgbClr val="000000"/>
-                </a:solidFill>
-                <a:latin typeface="Arial"/>
-                <a:ea typeface="DejaVu Sans"/>
-              </a:rPr>
-              <a:t>e</a:t>
-            </a:r>
-            <a:r>
-              <a:rPr b="1" lang="en-US" sz="1800" spc="-1" strike="noStrike">
-                <a:solidFill>
-                  <a:srgbClr val="000000"/>
-                </a:solidFill>
-                <a:latin typeface="Arial"/>
-                <a:ea typeface="DejaVu Sans"/>
-              </a:rPr>
-              <a:t>s</a:t>
-            </a:r>
-            <a:r>
-              <a:rPr b="1" lang="en-US" sz="1800" spc="-1" strike="noStrike">
-                <a:solidFill>
-                  <a:srgbClr val="000000"/>
-                </a:solidFill>
-                <a:latin typeface="Arial"/>
-                <a:ea typeface="DejaVu Sans"/>
-              </a:rPr>
-              <a:t> </a:t>
-            </a:r>
-            <a:r>
-              <a:rPr b="1" lang="en-US" sz="1800" spc="-1" strike="noStrike">
-                <a:solidFill>
-                  <a:srgbClr val="000000"/>
-                </a:solidFill>
-                <a:latin typeface="Arial"/>
-                <a:ea typeface="DejaVu Sans"/>
-              </a:rPr>
-              <a:t>o</a:t>
-            </a:r>
-            <a:r>
-              <a:rPr b="1" lang="en-US" sz="1800" spc="-1" strike="noStrike">
-                <a:solidFill>
-                  <a:srgbClr val="000000"/>
-                </a:solidFill>
-                <a:latin typeface="Arial"/>
-                <a:ea typeface="DejaVu Sans"/>
-              </a:rPr>
-              <a:t>f</a:t>
-            </a:r>
-            <a:r>
-              <a:rPr b="1" lang="en-US" sz="1800" spc="-1" strike="noStrike">
-                <a:solidFill>
-                  <a:srgbClr val="000000"/>
-                </a:solidFill>
-                <a:latin typeface="Arial"/>
-                <a:ea typeface="DejaVu Sans"/>
-              </a:rPr>
-              <a:t> </a:t>
-            </a:r>
-            <a:r>
-              <a:rPr b="1" lang="en-US" sz="1800" spc="-1" strike="noStrike">
-                <a:solidFill>
-                  <a:srgbClr val="000000"/>
-                </a:solidFill>
-                <a:latin typeface="Arial"/>
-                <a:ea typeface="DejaVu Sans"/>
-              </a:rPr>
-              <a:t>s</a:t>
-            </a:r>
-            <a:r>
-              <a:rPr b="1" lang="en-US" sz="1800" spc="-1" strike="noStrike">
-                <a:solidFill>
-                  <a:srgbClr val="000000"/>
-                </a:solidFill>
-                <a:latin typeface="Arial"/>
-                <a:ea typeface="DejaVu Sans"/>
-              </a:rPr>
-              <a:t>t</a:t>
-            </a:r>
-            <a:r>
-              <a:rPr b="1" lang="en-US" sz="1800" spc="-1" strike="noStrike">
-                <a:solidFill>
-                  <a:srgbClr val="000000"/>
-                </a:solidFill>
-                <a:latin typeface="Arial"/>
-                <a:ea typeface="DejaVu Sans"/>
-              </a:rPr>
-              <a:t>a</a:t>
-            </a:r>
-            <a:r>
-              <a:rPr b="1" lang="en-US" sz="1800" spc="-1" strike="noStrike">
-                <a:solidFill>
-                  <a:srgbClr val="000000"/>
-                </a:solidFill>
-                <a:latin typeface="Arial"/>
-                <a:ea typeface="DejaVu Sans"/>
-              </a:rPr>
-              <a:t>g</a:t>
-            </a:r>
-            <a:r>
-              <a:rPr b="1" lang="en-US" sz="1800" spc="-1" strike="noStrike">
-                <a:solidFill>
-                  <a:srgbClr val="000000"/>
-                </a:solidFill>
-                <a:latin typeface="Arial"/>
-                <a:ea typeface="DejaVu Sans"/>
-              </a:rPr>
-              <a:t>e</a:t>
-            </a:r>
-            <a:r>
-              <a:rPr b="1" lang="en-US" sz="1800" spc="-1" strike="noStrike">
-                <a:solidFill>
-                  <a:srgbClr val="000000"/>
-                </a:solidFill>
-                <a:latin typeface="Arial"/>
-                <a:ea typeface="DejaVu Sans"/>
-              </a:rPr>
-              <a:t>s</a:t>
-            </a:r>
-            <a:r>
-              <a:rPr b="1" lang="en-US" sz="1800" spc="-1" strike="noStrike">
-                <a:solidFill>
-                  <a:srgbClr val="000000"/>
-                </a:solidFill>
-                <a:latin typeface="Arial"/>
-                <a:ea typeface="DejaVu Sans"/>
-              </a:rPr>
-              <a:t> </a:t>
-            </a:r>
-            <a:r>
-              <a:rPr b="1" lang="en-US" sz="1800" spc="-1" strike="noStrike">
-                <a:solidFill>
-                  <a:srgbClr val="000000"/>
-                </a:solidFill>
-                <a:latin typeface="Arial"/>
-                <a:ea typeface="DejaVu Sans"/>
-              </a:rPr>
-              <a:t>I</a:t>
-            </a:r>
-            <a:r>
-              <a:rPr b="1" lang="en-US" sz="1800" spc="-1" strike="noStrike">
-                <a:solidFill>
-                  <a:srgbClr val="000000"/>
-                </a:solidFill>
-                <a:latin typeface="Arial"/>
-                <a:ea typeface="DejaVu Sans"/>
-              </a:rPr>
-              <a:t> </a:t>
-            </a:r>
-            <a:r>
-              <a:rPr b="1" lang="en-US" sz="1800" spc="-1" strike="noStrike">
-                <a:solidFill>
-                  <a:srgbClr val="000000"/>
-                </a:solidFill>
-                <a:latin typeface="Arial"/>
-                <a:ea typeface="DejaVu Sans"/>
-              </a:rPr>
-              <a:t>a</a:t>
-            </a:r>
-            <a:r>
-              <a:rPr b="1" lang="en-US" sz="1800" spc="-1" strike="noStrike">
-                <a:solidFill>
-                  <a:srgbClr val="000000"/>
-                </a:solidFill>
-                <a:latin typeface="Arial"/>
-                <a:ea typeface="DejaVu Sans"/>
-              </a:rPr>
-              <a:t>n</a:t>
-            </a:r>
-            <a:r>
-              <a:rPr b="1" lang="en-US" sz="1800" spc="-1" strike="noStrike">
-                <a:solidFill>
-                  <a:srgbClr val="000000"/>
-                </a:solidFill>
-                <a:latin typeface="Arial"/>
-                <a:ea typeface="DejaVu Sans"/>
-              </a:rPr>
-              <a:t>d</a:t>
-            </a:r>
-            <a:r>
-              <a:rPr b="1" lang="en-US" sz="1800" spc="-1" strike="noStrike">
-                <a:solidFill>
-                  <a:srgbClr val="000000"/>
-                </a:solidFill>
-                <a:latin typeface="Arial"/>
-                <a:ea typeface="DejaVu Sans"/>
-              </a:rPr>
-              <a:t> </a:t>
-            </a:r>
-            <a:r>
-              <a:rPr b="1" lang="en-US" sz="1800" spc="-1" strike="noStrike">
-                <a:solidFill>
-                  <a:srgbClr val="000000"/>
-                </a:solidFill>
-                <a:latin typeface="Arial"/>
-                <a:ea typeface="DejaVu Sans"/>
-              </a:rPr>
-              <a:t>I</a:t>
-            </a:r>
-            <a:r>
-              <a:rPr b="1" lang="en-US" sz="1800" spc="-1" strike="noStrike">
-                <a:solidFill>
-                  <a:srgbClr val="000000"/>
-                </a:solidFill>
-                <a:latin typeface="Arial"/>
-                <a:ea typeface="DejaVu Sans"/>
-              </a:rPr>
-              <a:t>I</a:t>
-            </a:r>
-            <a:endParaRPr b="0" lang="en-US" sz="1800" spc="-1" strike="noStrike">
-              <a:latin typeface="Arial"/>
-            </a:endParaRPr>
-          </a:p>
-        </p:txBody>
-      </p:sp>
-      <p:sp>
-        <p:nvSpPr>
-          <p:cNvPr id="62" name=""/>
-          <p:cNvSpPr/>
-          <p:nvPr/>
-        </p:nvSpPr>
-        <p:spPr>
-          <a:xfrm>
-            <a:off x="8362800" y="2887200"/>
-            <a:ext cx="95400" cy="228600"/>
+            <a:off x="8362800" y="2933280"/>
+            <a:ext cx="94320" cy="227520"/>
           </a:xfrm>
           <a:custGeom>
             <a:avLst/>
@@ -5932,14 +3849,14 @@
       </p:sp>
       <p:sp>
         <p:nvSpPr>
-          <p:cNvPr id="63" name=""/>
+          <p:cNvPr id="59" name=""/>
           <p:cNvSpPr/>
           <p:nvPr/>
         </p:nvSpPr>
         <p:spPr>
           <a:xfrm>
-            <a:off x="8362800" y="4723560"/>
-            <a:ext cx="95400" cy="228600"/>
+            <a:off x="8362800" y="4769640"/>
+            <a:ext cx="94320" cy="227520"/>
           </a:xfrm>
           <a:custGeom>
             <a:avLst/>
@@ -5993,14 +3910,14 @@
       </p:sp>
       <p:sp>
         <p:nvSpPr>
-          <p:cNvPr id="64" name=""/>
+          <p:cNvPr id="60" name=""/>
           <p:cNvSpPr/>
           <p:nvPr/>
         </p:nvSpPr>
         <p:spPr>
           <a:xfrm>
-            <a:off x="8362800" y="6991920"/>
-            <a:ext cx="95400" cy="228600"/>
+            <a:off x="8362800" y="7038000"/>
+            <a:ext cx="94320" cy="227520"/>
           </a:xfrm>
           <a:custGeom>
             <a:avLst/>
@@ -6054,14 +3971,14 @@
       </p:sp>
       <p:sp>
         <p:nvSpPr>
-          <p:cNvPr id="65" name=""/>
+          <p:cNvPr id="61" name=""/>
           <p:cNvSpPr/>
           <p:nvPr/>
         </p:nvSpPr>
         <p:spPr>
           <a:xfrm>
-            <a:off x="8362800" y="11707920"/>
-            <a:ext cx="95400" cy="228600"/>
+            <a:off x="8362800" y="11754000"/>
+            <a:ext cx="94320" cy="227520"/>
           </a:xfrm>
           <a:custGeom>
             <a:avLst/>
@@ -6113,6 +4030,4011 @@
           <a:fontRef idx="minor"/>
         </p:style>
       </p:sp>
+      <p:sp>
+        <p:nvSpPr>
+          <p:cNvPr id="62" name=""/>
+          <p:cNvSpPr txBox="1"/>
+          <p:nvPr/>
+        </p:nvSpPr>
+        <p:spPr>
+          <a:xfrm>
+            <a:off x="228600" y="1931040"/>
+            <a:ext cx="3886200" cy="401040"/>
+          </a:xfrm>
+          <a:prstGeom prst="rect">
+            <a:avLst/>
+          </a:prstGeom>
+          <a:noFill/>
+          <a:ln w="0">
+            <a:noFill/>
+          </a:ln>
+        </p:spPr>
+        <p:txBody>
+          <a:bodyPr lIns="90000" rIns="90000" tIns="45000" bIns="45000" anchor="t">
+            <a:noAutofit/>
+          </a:bodyPr>
+          <a:p>
+            <a:r>
+              <a:rPr b="1" lang="en-US" sz="1800" spc="-1" strike="noStrike">
+                <a:solidFill>
+                  <a:srgbClr val="000000"/>
+                </a:solidFill>
+                <a:latin typeface="Arial"/>
+                <a:ea typeface="DejaVu Sans"/>
+              </a:rPr>
+              <a:t>CreateMetadat</a:t>
+            </a:r>
+            <a:r>
+              <a:rPr b="1" lang="en-US" sz="1800" spc="-1" strike="noStrike">
+                <a:solidFill>
+                  <a:srgbClr val="000000"/>
+                </a:solidFill>
+                <a:latin typeface="Arial"/>
+                <a:ea typeface="DejaVu Sans"/>
+              </a:rPr>
+              <a:t>aFromGDCFil</a:t>
+            </a:r>
+            <a:r>
+              <a:rPr b="1" lang="en-US" sz="1800" spc="-1" strike="noStrike">
+                <a:solidFill>
+                  <a:srgbClr val="000000"/>
+                </a:solidFill>
+                <a:latin typeface="Arial"/>
+                <a:ea typeface="DejaVu Sans"/>
+              </a:rPr>
+              <a:t>es.R</a:t>
+            </a:r>
+            <a:endParaRPr b="0" lang="en-US" sz="1800" spc="-1" strike="noStrike">
+              <a:latin typeface="Arial"/>
+            </a:endParaRPr>
+          </a:p>
+        </p:txBody>
+      </p:sp>
+      <p:sp>
+        <p:nvSpPr>
+          <p:cNvPr id="63" name=""/>
+          <p:cNvSpPr txBox="1"/>
+          <p:nvPr/>
+        </p:nvSpPr>
+        <p:spPr>
+          <a:xfrm>
+            <a:off x="228960" y="3623040"/>
+            <a:ext cx="2742840" cy="602280"/>
+          </a:xfrm>
+          <a:prstGeom prst="rect">
+            <a:avLst/>
+          </a:prstGeom>
+          <a:noFill/>
+          <a:ln w="0">
+            <a:noFill/>
+          </a:ln>
+        </p:spPr>
+        <p:txBody>
+          <a:bodyPr lIns="90000" rIns="90000" tIns="45000" bIns="45000" anchor="t">
+            <a:noAutofit/>
+          </a:bodyPr>
+          <a:p>
+            <a:r>
+              <a:rPr b="1" lang="en-US" sz="1800" spc="-1" strike="noStrike">
+                <a:solidFill>
+                  <a:srgbClr val="000000"/>
+                </a:solidFill>
+                <a:latin typeface="Arial"/>
+                <a:ea typeface="DejaVu Sans"/>
+              </a:rPr>
+              <a:t>LoadExpression</a:t>
+            </a:r>
+            <a:r>
+              <a:rPr b="1" lang="en-US" sz="1800" spc="-1" strike="noStrike">
+                <a:solidFill>
+                  <a:srgbClr val="000000"/>
+                </a:solidFill>
+                <a:latin typeface="Arial"/>
+                <a:ea typeface="DejaVu Sans"/>
+              </a:rPr>
+              <a:t>Data.R</a:t>
+            </a:r>
+            <a:endParaRPr b="0" lang="en-US" sz="1800" spc="-1" strike="noStrike">
+              <a:latin typeface="Arial"/>
+            </a:endParaRPr>
+          </a:p>
+          <a:p>
+            <a:r>
+              <a:rPr b="1" lang="en-US" sz="1800" spc="-1" strike="noStrike">
+                <a:solidFill>
+                  <a:srgbClr val="000000"/>
+                </a:solidFill>
+                <a:latin typeface="Arial"/>
+                <a:ea typeface="DejaVu Sans"/>
+              </a:rPr>
+              <a:t>RPKM_Normaliza</a:t>
+            </a:r>
+            <a:r>
+              <a:rPr b="1" lang="en-US" sz="1800" spc="-1" strike="noStrike">
+                <a:solidFill>
+                  <a:srgbClr val="000000"/>
+                </a:solidFill>
+                <a:latin typeface="Arial"/>
+                <a:ea typeface="DejaVu Sans"/>
+              </a:rPr>
+              <a:t>tion.R</a:t>
+            </a:r>
+            <a:endParaRPr b="0" lang="en-US" sz="1800" spc="-1" strike="noStrike">
+              <a:latin typeface="Arial"/>
+            </a:endParaRPr>
+          </a:p>
+        </p:txBody>
+      </p:sp>
+      <p:sp>
+        <p:nvSpPr>
+          <p:cNvPr id="64" name=""/>
+          <p:cNvSpPr txBox="1"/>
+          <p:nvPr/>
+        </p:nvSpPr>
+        <p:spPr>
+          <a:xfrm>
+            <a:off x="228960" y="6071040"/>
+            <a:ext cx="5486040" cy="602280"/>
+          </a:xfrm>
+          <a:prstGeom prst="rect">
+            <a:avLst/>
+          </a:prstGeom>
+          <a:noFill/>
+          <a:ln w="0">
+            <a:noFill/>
+          </a:ln>
+        </p:spPr>
+        <p:txBody>
+          <a:bodyPr lIns="90000" rIns="90000" tIns="45000" bIns="45000" anchor="t">
+            <a:noAutofit/>
+          </a:bodyPr>
+          <a:p>
+            <a:pPr>
+              <a:lnSpc>
+                <a:spcPct val="100000"/>
+              </a:lnSpc>
+              <a:buNone/>
+            </a:pPr>
+            <a:r>
+              <a:rPr b="1" lang="en-US" sz="1800" spc="-1" strike="noStrike">
+                <a:solidFill>
+                  <a:srgbClr val="000000"/>
+                </a:solidFill>
+                <a:latin typeface="Arial"/>
+                <a:ea typeface="DejaVu Sans"/>
+              </a:rPr>
+              <a:t>CreateMetadataPairedSamplesRPKM.R</a:t>
+            </a:r>
+            <a:endParaRPr b="0" lang="en-US" sz="1800" spc="-1" strike="noStrike">
+              <a:latin typeface="Arial"/>
+            </a:endParaRPr>
+          </a:p>
+        </p:txBody>
+      </p:sp>
+      <p:sp>
+        <p:nvSpPr>
+          <p:cNvPr id="65" name=""/>
+          <p:cNvSpPr txBox="1"/>
+          <p:nvPr/>
+        </p:nvSpPr>
+        <p:spPr>
+          <a:xfrm>
+            <a:off x="229320" y="8267400"/>
+            <a:ext cx="5406840" cy="602280"/>
+          </a:xfrm>
+          <a:prstGeom prst="rect">
+            <a:avLst/>
+          </a:prstGeom>
+          <a:noFill/>
+          <a:ln w="0">
+            <a:noFill/>
+          </a:ln>
+        </p:spPr>
+        <p:txBody>
+          <a:bodyPr lIns="90000" rIns="90000" tIns="45000" bIns="45000" anchor="t">
+            <a:noAutofit/>
+          </a:bodyPr>
+          <a:p>
+            <a:r>
+              <a:rPr b="1" lang="en-US" sz="1800" spc="-1" strike="noStrike">
+                <a:solidFill>
+                  <a:srgbClr val="000000"/>
+                </a:solidFill>
+                <a:latin typeface="Arial"/>
+                <a:ea typeface="DejaVu Sans"/>
+              </a:rPr>
+              <a:t>CreateMetadataPairedSamplesDiffRP</a:t>
+            </a:r>
+            <a:r>
+              <a:rPr b="1" lang="en-US" sz="1800" spc="-1" strike="noStrike">
+                <a:solidFill>
+                  <a:srgbClr val="000000"/>
+                </a:solidFill>
+                <a:latin typeface="Arial"/>
+                <a:ea typeface="DejaVu Sans"/>
+              </a:rPr>
+              <a:t>KM.R</a:t>
+            </a:r>
+            <a:endParaRPr b="0" lang="en-US" sz="1800" spc="-1" strike="noStrike">
+              <a:latin typeface="Arial"/>
+            </a:endParaRPr>
+          </a:p>
+        </p:txBody>
+      </p:sp>
+      <p:sp>
+        <p:nvSpPr>
+          <p:cNvPr id="66" name=""/>
+          <p:cNvSpPr/>
+          <p:nvPr/>
+        </p:nvSpPr>
+        <p:spPr>
+          <a:xfrm>
+            <a:off x="6147000" y="9619560"/>
+            <a:ext cx="6937200" cy="1369080"/>
+          </a:xfrm>
+          <a:prstGeom prst="rect">
+            <a:avLst/>
+          </a:prstGeom>
+          <a:noFill/>
+          <a:ln w="0">
+            <a:noFill/>
+          </a:ln>
+        </p:spPr>
+        <p:style>
+          <a:lnRef idx="0"/>
+          <a:fillRef idx="0"/>
+          <a:effectRef idx="0"/>
+          <a:fontRef idx="minor"/>
+        </p:style>
+        <p:txBody>
+          <a:bodyPr lIns="90000" rIns="90000" tIns="45000" bIns="45000" anchor="t">
+            <a:noAutofit/>
+          </a:bodyPr>
+          <a:p>
+            <a:pPr>
+              <a:lnSpc>
+                <a:spcPct val="100000"/>
+              </a:lnSpc>
+              <a:buNone/>
+            </a:pPr>
+            <a:r>
+              <a:rPr b="1" lang="en-US" sz="1800" spc="-1" strike="noStrike">
+                <a:solidFill>
+                  <a:srgbClr val="000000"/>
+                </a:solidFill>
+                <a:latin typeface="Arial"/>
+                <a:ea typeface="DejaVu Sans"/>
+              </a:rPr>
+              <a:t>folchange=Mean Expr(Stage i)-</a:t>
+            </a:r>
+            <a:r>
+              <a:rPr b="1" lang="en-US" sz="1800" spc="-1" strike="noStrike">
+                <a:solidFill>
+                  <a:srgbClr val="000000"/>
+                </a:solidFill>
+                <a:latin typeface="Arial"/>
+                <a:ea typeface="DejaVu Sans"/>
+              </a:rPr>
+              <a:t>Mean Expr(Stage ii and II)</a:t>
+            </a:r>
+            <a:endParaRPr b="0" lang="en-US" sz="1800" spc="-1" strike="noStrike">
+              <a:latin typeface="Arial"/>
+            </a:endParaRPr>
+          </a:p>
+          <a:p>
+            <a:pPr>
+              <a:lnSpc>
+                <a:spcPct val="100000"/>
+              </a:lnSpc>
+              <a:buNone/>
+            </a:pPr>
+            <a:r>
+              <a:rPr b="1" lang="en-US" sz="1800" spc="-1" strike="noStrike">
+                <a:solidFill>
+                  <a:srgbClr val="000000"/>
+                </a:solidFill>
+                <a:latin typeface="Arial"/>
+                <a:ea typeface="DejaVu Sans"/>
+              </a:rPr>
+              <a:t>threshold log2</a:t>
+            </a:r>
+            <a:r>
+              <a:rPr b="1" lang="en-US" sz="1800" spc="-1" strike="noStrike">
+                <a:solidFill>
+                  <a:srgbClr val="000000"/>
+                </a:solidFill>
+                <a:latin typeface="Arial"/>
+                <a:ea typeface="DejaVu Sans"/>
+              </a:rPr>
+              <a:t>folchange &gt;=0.58</a:t>
+            </a:r>
+            <a:endParaRPr b="0" lang="en-US" sz="1800" spc="-1" strike="noStrike">
+              <a:latin typeface="Arial"/>
+            </a:endParaRPr>
+          </a:p>
+          <a:p>
+            <a:pPr>
+              <a:lnSpc>
+                <a:spcPct val="100000"/>
+              </a:lnSpc>
+              <a:buNone/>
+            </a:pPr>
+            <a:r>
+              <a:rPr b="1" lang="en-US" sz="1800" spc="-1" strike="noStrike">
+                <a:solidFill>
+                  <a:srgbClr val="000000"/>
+                </a:solidFill>
+                <a:latin typeface="Arial"/>
+                <a:ea typeface="DejaVu Sans"/>
+              </a:rPr>
+              <a:t>- Stage I  : 11 genes</a:t>
+            </a:r>
+            <a:endParaRPr b="0" lang="en-US" sz="1800" spc="-1" strike="noStrike">
+              <a:latin typeface="Arial"/>
+            </a:endParaRPr>
+          </a:p>
+          <a:p>
+            <a:pPr>
+              <a:lnSpc>
+                <a:spcPct val="100000"/>
+              </a:lnSpc>
+              <a:buNone/>
+            </a:pPr>
+            <a:r>
+              <a:rPr b="1" lang="en-US" sz="1800" spc="-1" strike="noStrike">
+                <a:solidFill>
+                  <a:srgbClr val="000000"/>
+                </a:solidFill>
+                <a:latin typeface="Arial"/>
+                <a:ea typeface="DejaVu Sans"/>
+              </a:rPr>
+              <a:t>- Stage II : 12 genes</a:t>
+            </a:r>
+            <a:endParaRPr b="0" lang="en-US" sz="1800" spc="-1" strike="noStrike">
+              <a:latin typeface="Arial"/>
+            </a:endParaRPr>
+          </a:p>
+          <a:p>
+            <a:pPr>
+              <a:lnSpc>
+                <a:spcPct val="100000"/>
+              </a:lnSpc>
+              <a:buNone/>
+            </a:pPr>
+            <a:r>
+              <a:rPr b="1" lang="en-US" sz="1800" spc="-1" strike="noStrike">
+                <a:solidFill>
+                  <a:srgbClr val="000000"/>
+                </a:solidFill>
+                <a:latin typeface="Arial"/>
+                <a:ea typeface="DejaVu Sans"/>
+              </a:rPr>
+              <a:t>- Stage III: 35 genes</a:t>
+            </a:r>
+            <a:endParaRPr b="0" lang="en-US" sz="1800" spc="-1" strike="noStrike">
+              <a:latin typeface="Arial"/>
+            </a:endParaRPr>
+          </a:p>
+          <a:p>
+            <a:pPr>
+              <a:lnSpc>
+                <a:spcPct val="100000"/>
+              </a:lnSpc>
+              <a:buNone/>
+            </a:pPr>
+            <a:endParaRPr b="0" lang="en-US" sz="1800" spc="-1" strike="noStrike">
+              <a:latin typeface="Arial"/>
+            </a:endParaRPr>
+          </a:p>
+        </p:txBody>
+      </p:sp>
+      <p:sp>
+        <p:nvSpPr>
+          <p:cNvPr id="67" name=""/>
+          <p:cNvSpPr/>
+          <p:nvPr/>
+        </p:nvSpPr>
+        <p:spPr>
+          <a:xfrm>
+            <a:off x="8069400" y="389520"/>
+            <a:ext cx="2444760" cy="1112760"/>
+          </a:xfrm>
+          <a:prstGeom prst="rect">
+            <a:avLst/>
+          </a:prstGeom>
+          <a:noFill/>
+          <a:ln w="0">
+            <a:noFill/>
+          </a:ln>
+        </p:spPr>
+        <p:style>
+          <a:lnRef idx="0"/>
+          <a:fillRef idx="0"/>
+          <a:effectRef idx="0"/>
+          <a:fontRef idx="minor"/>
+        </p:style>
+        <p:txBody>
+          <a:bodyPr lIns="90000" rIns="90000" tIns="45000" bIns="45000" anchor="t">
+            <a:noAutofit/>
+          </a:bodyPr>
+          <a:p>
+            <a:pPr>
+              <a:lnSpc>
+                <a:spcPct val="100000"/>
+              </a:lnSpc>
+              <a:buNone/>
+            </a:pPr>
+            <a:r>
+              <a:rPr b="1" lang="en-US" sz="3600" spc="-1" strike="noStrike">
+                <a:solidFill>
+                  <a:srgbClr val="000000"/>
+                </a:solidFill>
+                <a:latin typeface="Arial"/>
+                <a:ea typeface="DejaVu Sans"/>
+              </a:rPr>
+              <a:t>P</a:t>
+            </a:r>
+            <a:r>
+              <a:rPr b="1" lang="en-US" sz="3600" spc="-1" strike="noStrike">
+                <a:solidFill>
+                  <a:srgbClr val="000000"/>
+                </a:solidFill>
+                <a:latin typeface="Arial"/>
+                <a:ea typeface="DejaVu Sans"/>
+              </a:rPr>
+              <a:t>i</a:t>
+            </a:r>
+            <a:r>
+              <a:rPr b="1" lang="en-US" sz="3600" spc="-1" strike="noStrike">
+                <a:solidFill>
+                  <a:srgbClr val="000000"/>
+                </a:solidFill>
+                <a:latin typeface="Arial"/>
+                <a:ea typeface="DejaVu Sans"/>
+              </a:rPr>
+              <a:t>p</a:t>
+            </a:r>
+            <a:r>
+              <a:rPr b="1" lang="en-US" sz="3600" spc="-1" strike="noStrike">
+                <a:solidFill>
+                  <a:srgbClr val="000000"/>
+                </a:solidFill>
+                <a:latin typeface="Arial"/>
+                <a:ea typeface="DejaVu Sans"/>
+              </a:rPr>
+              <a:t>e</a:t>
+            </a:r>
+            <a:r>
+              <a:rPr b="1" lang="en-US" sz="3600" spc="-1" strike="noStrike">
+                <a:solidFill>
+                  <a:srgbClr val="000000"/>
+                </a:solidFill>
+                <a:latin typeface="Arial"/>
+                <a:ea typeface="DejaVu Sans"/>
+              </a:rPr>
+              <a:t>l</a:t>
+            </a:r>
+            <a:r>
+              <a:rPr b="1" lang="en-US" sz="3600" spc="-1" strike="noStrike">
+                <a:solidFill>
+                  <a:srgbClr val="000000"/>
+                </a:solidFill>
+                <a:latin typeface="Arial"/>
+                <a:ea typeface="DejaVu Sans"/>
+              </a:rPr>
+              <a:t>i</a:t>
+            </a:r>
+            <a:r>
+              <a:rPr b="1" lang="en-US" sz="3600" spc="-1" strike="noStrike">
+                <a:solidFill>
+                  <a:srgbClr val="000000"/>
+                </a:solidFill>
+                <a:latin typeface="Arial"/>
+                <a:ea typeface="DejaVu Sans"/>
+              </a:rPr>
+              <a:t>n</a:t>
+            </a:r>
+            <a:r>
+              <a:rPr b="1" lang="en-US" sz="3600" spc="-1" strike="noStrike">
+                <a:solidFill>
+                  <a:srgbClr val="000000"/>
+                </a:solidFill>
+                <a:latin typeface="Arial"/>
+                <a:ea typeface="DejaVu Sans"/>
+              </a:rPr>
+              <a:t>e</a:t>
+            </a:r>
+            <a:r>
+              <a:rPr b="1" lang="en-US" sz="3600" spc="-1" strike="noStrike">
+                <a:solidFill>
+                  <a:srgbClr val="000000"/>
+                </a:solidFill>
+                <a:latin typeface="Arial"/>
+                <a:ea typeface="DejaVu Sans"/>
+              </a:rPr>
+              <a:t> </a:t>
+            </a:r>
+            <a:r>
+              <a:rPr b="1" lang="en-US" sz="3600" spc="-1" strike="noStrike">
+                <a:solidFill>
+                  <a:srgbClr val="000000"/>
+                </a:solidFill>
+                <a:latin typeface="Arial"/>
+                <a:ea typeface="DejaVu Sans"/>
+              </a:rPr>
+              <a:t>1</a:t>
+            </a:r>
+            <a:endParaRPr b="1" lang="en-US" sz="3600" spc="-1" strike="noStrike">
+              <a:latin typeface="Arial"/>
+            </a:endParaRPr>
+          </a:p>
+        </p:txBody>
+      </p:sp>
+    </p:spTree>
+  </p:cSld>
+  <mc:AlternateContent>
+    <mc:Choice Requires="p14">
+      <p:transition spd="slow" p14:dur="2000"/>
+    </mc:Choice>
+    <mc:Fallback>
+      <p:transition spd="slow"/>
+    </mc:Fallback>
+  </mc:AlternateContent>
+</p:sld>
+</file>
+
+<file path=ppt/slides/slide2.xml><?xml version="1.0" encoding="utf-8"?>
+<p:sld xmlns:a="http://schemas.openxmlformats.org/drawingml/2006/main" xmlns:p="http://schemas.openxmlformats.org/presentationml/2006/main" xmlns:r="http://schemas.openxmlformats.org/officeDocument/2006/relationships" xmlns:p14="http://schemas.microsoft.com/office/powerpoint/2010/main" xmlns:p15="http://schemas.microsoft.com/office/powerpoint/2012/main" xmlns:mc="http://schemas.openxmlformats.org/markup-compatibility/2006">
+  <p:cSld>
+    <p:spTree>
+      <p:nvGrpSpPr>
+        <p:cNvPr id="1" name=""/>
+        <p:cNvGrpSpPr/>
+        <p:nvPr/>
+      </p:nvGrpSpPr>
+      <p:grpSpPr>
+        <a:xfrm>
+          <a:off x="0" y="0"/>
+          <a:ext cx="0" cy="0"/>
+          <a:chOff x="0" y="0"/>
+          <a:chExt cx="0" cy="0"/>
+        </a:xfrm>
+      </p:grpSpPr>
+      <p:grpSp>
+        <p:nvGrpSpPr>
+          <p:cNvPr id="68" name=""/>
+          <p:cNvGrpSpPr/>
+          <p:nvPr/>
+        </p:nvGrpSpPr>
+        <p:grpSpPr>
+          <a:xfrm>
+            <a:off x="228600" y="389520"/>
+            <a:ext cx="18973800" cy="14614560"/>
+            <a:chOff x="228600" y="389520"/>
+            <a:chExt cx="18973800" cy="14614560"/>
+          </a:xfrm>
+        </p:grpSpPr>
+        <p:sp>
+          <p:nvSpPr>
+            <p:cNvPr id="69" name=""/>
+            <p:cNvSpPr/>
+            <p:nvPr/>
+          </p:nvSpPr>
+          <p:spPr>
+            <a:xfrm>
+              <a:off x="7034400" y="13379400"/>
+              <a:ext cx="4237560" cy="1624680"/>
+            </a:xfrm>
+            <a:prstGeom prst="rect">
+              <a:avLst/>
+            </a:prstGeom>
+            <a:noFill/>
+            <a:ln w="0">
+              <a:noFill/>
+            </a:ln>
+          </p:spPr>
+          <p:style>
+            <a:lnRef idx="0"/>
+            <a:fillRef idx="0"/>
+            <a:effectRef idx="0"/>
+            <a:fontRef idx="minor"/>
+          </p:style>
+          <p:txBody>
+            <a:bodyPr lIns="90000" rIns="90000" tIns="45000" bIns="45000" anchor="t">
+              <a:noAutofit/>
+            </a:bodyPr>
+            <a:p>
+              <a:pPr>
+                <a:lnSpc>
+                  <a:spcPct val="100000"/>
+                </a:lnSpc>
+                <a:buNone/>
+              </a:pPr>
+              <a:r>
+                <a:rPr b="1" lang="en-US" sz="1800" spc="-1" strike="noStrike">
+                  <a:solidFill>
+                    <a:srgbClr val="000000"/>
+                  </a:solidFill>
+                  <a:latin typeface="Arial"/>
+                  <a:ea typeface="DejaVu Sans"/>
+                </a:rPr>
+                <a:t>- </a:t>
+              </a:r>
+              <a:r>
+                <a:rPr b="1" lang="en-US" sz="1800" spc="-1" strike="noStrike">
+                  <a:solidFill>
+                    <a:srgbClr val="000000"/>
+                  </a:solidFill>
+                  <a:latin typeface="Arial"/>
+                  <a:ea typeface="DejaVu Sans"/>
+                </a:rPr>
+                <a:t>e</a:t>
+              </a:r>
+              <a:r>
+                <a:rPr b="1" lang="en-US" sz="1800" spc="-1" strike="noStrike">
+                  <a:solidFill>
+                    <a:srgbClr val="000000"/>
+                  </a:solidFill>
+                  <a:latin typeface="Arial"/>
+                  <a:ea typeface="DejaVu Sans"/>
+                </a:rPr>
+                <a:t>n</a:t>
+              </a:r>
+              <a:r>
+                <a:rPr b="1" lang="en-US" sz="1800" spc="-1" strike="noStrike">
+                  <a:solidFill>
+                    <a:srgbClr val="000000"/>
+                  </a:solidFill>
+                  <a:latin typeface="Arial"/>
+                  <a:ea typeface="DejaVu Sans"/>
+                </a:rPr>
+                <a:t>t</a:t>
+              </a:r>
+              <a:r>
+                <a:rPr b="1" lang="en-US" sz="1800" spc="-1" strike="noStrike">
+                  <a:solidFill>
+                    <a:srgbClr val="000000"/>
+                  </a:solidFill>
+                  <a:latin typeface="Arial"/>
+                  <a:ea typeface="DejaVu Sans"/>
+                </a:rPr>
+                <a:t>r</a:t>
+              </a:r>
+              <a:r>
+                <a:rPr b="1" lang="en-US" sz="1800" spc="-1" strike="noStrike">
+                  <a:solidFill>
+                    <a:srgbClr val="000000"/>
+                  </a:solidFill>
+                  <a:latin typeface="Arial"/>
+                  <a:ea typeface="DejaVu Sans"/>
+                </a:rPr>
+                <a:t>o</a:t>
+              </a:r>
+              <a:r>
+                <a:rPr b="1" lang="en-US" sz="1800" spc="-1" strike="noStrike">
+                  <a:solidFill>
+                    <a:srgbClr val="000000"/>
+                  </a:solidFill>
+                  <a:latin typeface="Arial"/>
+                  <a:ea typeface="DejaVu Sans"/>
+                </a:rPr>
+                <a:t>p</a:t>
+              </a:r>
+              <a:r>
+                <a:rPr b="1" lang="en-US" sz="1800" spc="-1" strike="noStrike">
+                  <a:solidFill>
+                    <a:srgbClr val="000000"/>
+                  </a:solidFill>
+                  <a:latin typeface="Arial"/>
+                  <a:ea typeface="DejaVu Sans"/>
+                </a:rPr>
+                <a:t>y</a:t>
+              </a:r>
+              <a:r>
+                <a:rPr b="1" lang="en-US" sz="1800" spc="-1" strike="noStrike">
+                  <a:solidFill>
+                    <a:srgbClr val="000000"/>
+                  </a:solidFill>
+                  <a:latin typeface="Arial"/>
+                  <a:ea typeface="DejaVu Sans"/>
+                </a:rPr>
+                <a:t> </a:t>
+              </a:r>
+              <a:r>
+                <a:rPr b="1" lang="en-US" sz="1800" spc="-1" strike="noStrike">
+                  <a:solidFill>
+                    <a:srgbClr val="000000"/>
+                  </a:solidFill>
+                  <a:latin typeface="Arial"/>
+                  <a:ea typeface="DejaVu Sans"/>
+                </a:rPr>
+                <a:t>p</a:t>
+              </a:r>
+              <a:r>
+                <a:rPr b="1" lang="en-US" sz="1800" spc="-1" strike="noStrike">
+                  <a:solidFill>
+                    <a:srgbClr val="000000"/>
+                  </a:solidFill>
+                  <a:latin typeface="Arial"/>
+                  <a:ea typeface="DejaVu Sans"/>
+                </a:rPr>
+                <a:t>e</a:t>
+              </a:r>
+              <a:r>
+                <a:rPr b="1" lang="en-US" sz="1800" spc="-1" strike="noStrike">
+                  <a:solidFill>
+                    <a:srgbClr val="000000"/>
+                  </a:solidFill>
+                  <a:latin typeface="Arial"/>
+                  <a:ea typeface="DejaVu Sans"/>
+                </a:rPr>
+                <a:t>r</a:t>
+              </a:r>
+              <a:r>
+                <a:rPr b="1" lang="en-US" sz="1800" spc="-1" strike="noStrike">
+                  <a:solidFill>
+                    <a:srgbClr val="000000"/>
+                  </a:solidFill>
+                  <a:latin typeface="Arial"/>
+                  <a:ea typeface="DejaVu Sans"/>
+                </a:rPr>
+                <a:t> </a:t>
+              </a:r>
+              <a:r>
+                <a:rPr b="1" lang="en-US" sz="1800" spc="-1" strike="noStrike">
+                  <a:solidFill>
+                    <a:srgbClr val="000000"/>
+                  </a:solidFill>
+                  <a:latin typeface="Arial"/>
+                  <a:ea typeface="DejaVu Sans"/>
+                </a:rPr>
+                <a:t>s</a:t>
+              </a:r>
+              <a:r>
+                <a:rPr b="1" lang="en-US" sz="1800" spc="-1" strike="noStrike">
+                  <a:solidFill>
+                    <a:srgbClr val="000000"/>
+                  </a:solidFill>
+                  <a:latin typeface="Arial"/>
+                  <a:ea typeface="DejaVu Sans"/>
+                </a:rPr>
+                <a:t>t</a:t>
+              </a:r>
+              <a:r>
+                <a:rPr b="1" lang="en-US" sz="1800" spc="-1" strike="noStrike">
+                  <a:solidFill>
+                    <a:srgbClr val="000000"/>
+                  </a:solidFill>
+                  <a:latin typeface="Arial"/>
+                  <a:ea typeface="DejaVu Sans"/>
+                </a:rPr>
+                <a:t>a</a:t>
+              </a:r>
+              <a:r>
+                <a:rPr b="1" lang="en-US" sz="1800" spc="-1" strike="noStrike">
+                  <a:solidFill>
+                    <a:srgbClr val="000000"/>
+                  </a:solidFill>
+                  <a:latin typeface="Arial"/>
+                  <a:ea typeface="DejaVu Sans"/>
+                </a:rPr>
+                <a:t>g</a:t>
+              </a:r>
+              <a:r>
+                <a:rPr b="1" lang="en-US" sz="1800" spc="-1" strike="noStrike">
+                  <a:solidFill>
+                    <a:srgbClr val="000000"/>
+                  </a:solidFill>
+                  <a:latin typeface="Arial"/>
+                  <a:ea typeface="DejaVu Sans"/>
+                </a:rPr>
+                <a:t>e</a:t>
+              </a:r>
+              <a:endParaRPr b="0" lang="en-US" sz="1800" spc="-1" strike="noStrike">
+                <a:latin typeface="Arial"/>
+              </a:endParaRPr>
+            </a:p>
+            <a:p>
+              <a:pPr>
+                <a:lnSpc>
+                  <a:spcPct val="100000"/>
+                </a:lnSpc>
+                <a:buNone/>
+              </a:pPr>
+              <a:r>
+                <a:rPr b="1" lang="en-US" sz="1800" spc="-1" strike="noStrike">
+                  <a:solidFill>
+                    <a:srgbClr val="000000"/>
+                  </a:solidFill>
+                  <a:latin typeface="Arial"/>
+                  <a:ea typeface="DejaVu Sans"/>
+                </a:rPr>
+                <a:t>- </a:t>
+              </a:r>
+              <a:r>
+                <a:rPr b="1" lang="en-US" sz="1800" spc="-1" strike="noStrike">
+                  <a:solidFill>
+                    <a:srgbClr val="000000"/>
+                  </a:solidFill>
+                  <a:latin typeface="Arial"/>
+                  <a:ea typeface="DejaVu Sans"/>
+                </a:rPr>
+                <a:t>g</a:t>
+              </a:r>
+              <a:r>
+                <a:rPr b="1" lang="en-US" sz="1800" spc="-1" strike="noStrike">
+                  <a:solidFill>
+                    <a:srgbClr val="000000"/>
+                  </a:solidFill>
+                  <a:latin typeface="Arial"/>
+                  <a:ea typeface="DejaVu Sans"/>
+                </a:rPr>
+                <a:t>e</a:t>
+              </a:r>
+              <a:r>
+                <a:rPr b="1" lang="en-US" sz="1800" spc="-1" strike="noStrike">
+                  <a:solidFill>
+                    <a:srgbClr val="000000"/>
+                  </a:solidFill>
+                  <a:latin typeface="Arial"/>
+                  <a:ea typeface="DejaVu Sans"/>
+                </a:rPr>
+                <a:t>n</a:t>
+              </a:r>
+              <a:r>
+                <a:rPr b="1" lang="en-US" sz="1800" spc="-1" strike="noStrike">
+                  <a:solidFill>
+                    <a:srgbClr val="000000"/>
+                  </a:solidFill>
+                  <a:latin typeface="Arial"/>
+                  <a:ea typeface="DejaVu Sans"/>
+                </a:rPr>
+                <a:t>e</a:t>
+              </a:r>
+              <a:r>
+                <a:rPr b="1" lang="en-US" sz="1800" spc="-1" strike="noStrike">
+                  <a:solidFill>
+                    <a:srgbClr val="000000"/>
+                  </a:solidFill>
+                  <a:latin typeface="Arial"/>
+                  <a:ea typeface="DejaVu Sans"/>
+                </a:rPr>
+                <a:t> </a:t>
+              </a:r>
+              <a:r>
+                <a:rPr b="1" lang="en-US" sz="1800" spc="-1" strike="noStrike">
+                  <a:solidFill>
+                    <a:srgbClr val="000000"/>
+                  </a:solidFill>
+                  <a:latin typeface="Arial"/>
+                  <a:ea typeface="DejaVu Sans"/>
+                </a:rPr>
+                <a:t>e</a:t>
+              </a:r>
+              <a:r>
+                <a:rPr b="1" lang="en-US" sz="1800" spc="-1" strike="noStrike">
+                  <a:solidFill>
+                    <a:srgbClr val="000000"/>
+                  </a:solidFill>
+                  <a:latin typeface="Arial"/>
+                  <a:ea typeface="DejaVu Sans"/>
+                </a:rPr>
+                <a:t>x</a:t>
+              </a:r>
+              <a:r>
+                <a:rPr b="1" lang="en-US" sz="1800" spc="-1" strike="noStrike">
+                  <a:solidFill>
+                    <a:srgbClr val="000000"/>
+                  </a:solidFill>
+                  <a:latin typeface="Arial"/>
+                  <a:ea typeface="DejaVu Sans"/>
+                </a:rPr>
+                <a:t>p</a:t>
+              </a:r>
+              <a:r>
+                <a:rPr b="1" lang="en-US" sz="1800" spc="-1" strike="noStrike">
+                  <a:solidFill>
+                    <a:srgbClr val="000000"/>
+                  </a:solidFill>
+                  <a:latin typeface="Arial"/>
+                  <a:ea typeface="DejaVu Sans"/>
+                </a:rPr>
+                <a:t>r</a:t>
+              </a:r>
+              <a:r>
+                <a:rPr b="1" lang="en-US" sz="1800" spc="-1" strike="noStrike">
+                  <a:solidFill>
+                    <a:srgbClr val="000000"/>
+                  </a:solidFill>
+                  <a:latin typeface="Arial"/>
+                  <a:ea typeface="DejaVu Sans"/>
+                </a:rPr>
+                <a:t>e</a:t>
+              </a:r>
+              <a:r>
+                <a:rPr b="1" lang="en-US" sz="1800" spc="-1" strike="noStrike">
+                  <a:solidFill>
+                    <a:srgbClr val="000000"/>
+                  </a:solidFill>
+                  <a:latin typeface="Arial"/>
+                  <a:ea typeface="DejaVu Sans"/>
+                </a:rPr>
+                <a:t>s</a:t>
+              </a:r>
+              <a:r>
+                <a:rPr b="1" lang="en-US" sz="1800" spc="-1" strike="noStrike">
+                  <a:solidFill>
+                    <a:srgbClr val="000000"/>
+                  </a:solidFill>
+                  <a:latin typeface="Arial"/>
+                  <a:ea typeface="DejaVu Sans"/>
+                </a:rPr>
+                <a:t>s</a:t>
+              </a:r>
+              <a:r>
+                <a:rPr b="1" lang="en-US" sz="1800" spc="-1" strike="noStrike">
+                  <a:solidFill>
+                    <a:srgbClr val="000000"/>
+                  </a:solidFill>
+                  <a:latin typeface="Arial"/>
+                  <a:ea typeface="DejaVu Sans"/>
+                </a:rPr>
+                <a:t>i</a:t>
+              </a:r>
+              <a:r>
+                <a:rPr b="1" lang="en-US" sz="1800" spc="-1" strike="noStrike">
+                  <a:solidFill>
+                    <a:srgbClr val="000000"/>
+                  </a:solidFill>
+                  <a:latin typeface="Arial"/>
+                  <a:ea typeface="DejaVu Sans"/>
+                </a:rPr>
+                <a:t>o</a:t>
+              </a:r>
+              <a:r>
+                <a:rPr b="1" lang="en-US" sz="1800" spc="-1" strike="noStrike">
+                  <a:solidFill>
+                    <a:srgbClr val="000000"/>
+                  </a:solidFill>
+                  <a:latin typeface="Arial"/>
+                  <a:ea typeface="DejaVu Sans"/>
+                </a:rPr>
+                <a:t>n</a:t>
+              </a:r>
+              <a:r>
+                <a:rPr b="1" lang="en-US" sz="1800" spc="-1" strike="noStrike">
+                  <a:solidFill>
+                    <a:srgbClr val="000000"/>
+                  </a:solidFill>
+                  <a:latin typeface="Arial"/>
+                  <a:ea typeface="DejaVu Sans"/>
+                </a:rPr>
+                <a:t> </a:t>
+              </a:r>
+              <a:r>
+                <a:rPr b="1" lang="en-US" sz="1800" spc="-1" strike="noStrike">
+                  <a:solidFill>
+                    <a:srgbClr val="000000"/>
+                  </a:solidFill>
+                  <a:latin typeface="Arial"/>
+                  <a:ea typeface="DejaVu Sans"/>
+                </a:rPr>
+                <a:t>p</a:t>
+              </a:r>
+              <a:r>
+                <a:rPr b="1" lang="en-US" sz="1800" spc="-1" strike="noStrike">
+                  <a:solidFill>
+                    <a:srgbClr val="000000"/>
+                  </a:solidFill>
+                  <a:latin typeface="Arial"/>
+                  <a:ea typeface="DejaVu Sans"/>
+                </a:rPr>
+                <a:t>e</a:t>
+              </a:r>
+              <a:r>
+                <a:rPr b="1" lang="en-US" sz="1800" spc="-1" strike="noStrike">
+                  <a:solidFill>
+                    <a:srgbClr val="000000"/>
+                  </a:solidFill>
+                  <a:latin typeface="Arial"/>
+                  <a:ea typeface="DejaVu Sans"/>
+                </a:rPr>
+                <a:t>r</a:t>
+              </a:r>
+              <a:r>
+                <a:rPr b="1" lang="en-US" sz="1800" spc="-1" strike="noStrike">
+                  <a:solidFill>
+                    <a:srgbClr val="000000"/>
+                  </a:solidFill>
+                  <a:latin typeface="Arial"/>
+                  <a:ea typeface="DejaVu Sans"/>
+                </a:rPr>
+                <a:t> </a:t>
+              </a:r>
+              <a:r>
+                <a:rPr b="1" lang="en-US" sz="1800" spc="-1" strike="noStrike">
+                  <a:solidFill>
+                    <a:srgbClr val="000000"/>
+                  </a:solidFill>
+                  <a:latin typeface="Arial"/>
+                  <a:ea typeface="DejaVu Sans"/>
+                </a:rPr>
+                <a:t>s</a:t>
+              </a:r>
+              <a:r>
+                <a:rPr b="1" lang="en-US" sz="1800" spc="-1" strike="noStrike">
+                  <a:solidFill>
+                    <a:srgbClr val="000000"/>
+                  </a:solidFill>
+                  <a:latin typeface="Arial"/>
+                  <a:ea typeface="DejaVu Sans"/>
+                </a:rPr>
+                <a:t>t</a:t>
+              </a:r>
+              <a:r>
+                <a:rPr b="1" lang="en-US" sz="1800" spc="-1" strike="noStrike">
+                  <a:solidFill>
+                    <a:srgbClr val="000000"/>
+                  </a:solidFill>
+                  <a:latin typeface="Arial"/>
+                  <a:ea typeface="DejaVu Sans"/>
+                </a:rPr>
+                <a:t>a</a:t>
+              </a:r>
+              <a:r>
+                <a:rPr b="1" lang="en-US" sz="1800" spc="-1" strike="noStrike">
+                  <a:solidFill>
+                    <a:srgbClr val="000000"/>
+                  </a:solidFill>
+                  <a:latin typeface="Arial"/>
+                  <a:ea typeface="DejaVu Sans"/>
+                </a:rPr>
+                <a:t>g</a:t>
+              </a:r>
+              <a:r>
+                <a:rPr b="1" lang="en-US" sz="1800" spc="-1" strike="noStrike">
+                  <a:solidFill>
+                    <a:srgbClr val="000000"/>
+                  </a:solidFill>
+                  <a:latin typeface="Arial"/>
+                  <a:ea typeface="DejaVu Sans"/>
+                </a:rPr>
+                <a:t>e</a:t>
+              </a:r>
+              <a:endParaRPr b="0" lang="en-US" sz="1800" spc="-1" strike="noStrike">
+                <a:latin typeface="Arial"/>
+              </a:endParaRPr>
+            </a:p>
+            <a:p>
+              <a:pPr>
+                <a:lnSpc>
+                  <a:spcPct val="100000"/>
+                </a:lnSpc>
+                <a:buNone/>
+              </a:pPr>
+              <a:r>
+                <a:rPr b="1" lang="en-US" sz="1800" spc="-1" strike="noStrike">
+                  <a:solidFill>
+                    <a:srgbClr val="000000"/>
+                  </a:solidFill>
+                  <a:latin typeface="Arial"/>
+                  <a:ea typeface="DejaVu Sans"/>
+                </a:rPr>
+                <a:t>- </a:t>
+              </a:r>
+              <a:r>
+                <a:rPr b="1" lang="en-US" sz="1800" spc="-1" strike="noStrike">
+                  <a:solidFill>
+                    <a:srgbClr val="000000"/>
+                  </a:solidFill>
+                  <a:latin typeface="Arial"/>
+                  <a:ea typeface="DejaVu Sans"/>
+                </a:rPr>
+                <a:t>o</a:t>
+              </a:r>
+              <a:r>
+                <a:rPr b="1" lang="en-US" sz="1800" spc="-1" strike="noStrike">
+                  <a:solidFill>
+                    <a:srgbClr val="000000"/>
+                  </a:solidFill>
+                  <a:latin typeface="Arial"/>
+                  <a:ea typeface="DejaVu Sans"/>
+                </a:rPr>
+                <a:t>r</a:t>
+              </a:r>
+              <a:r>
+                <a:rPr b="1" lang="en-US" sz="1800" spc="-1" strike="noStrike">
+                  <a:solidFill>
+                    <a:srgbClr val="000000"/>
+                  </a:solidFill>
+                  <a:latin typeface="Arial"/>
+                  <a:ea typeface="DejaVu Sans"/>
+                </a:rPr>
+                <a:t>d</a:t>
+              </a:r>
+              <a:r>
+                <a:rPr b="1" lang="en-US" sz="1800" spc="-1" strike="noStrike">
+                  <a:solidFill>
+                    <a:srgbClr val="000000"/>
+                  </a:solidFill>
+                  <a:latin typeface="Arial"/>
+                  <a:ea typeface="DejaVu Sans"/>
+                </a:rPr>
+                <a:t>e</a:t>
+              </a:r>
+              <a:r>
+                <a:rPr b="1" lang="en-US" sz="1800" spc="-1" strike="noStrike">
+                  <a:solidFill>
+                    <a:srgbClr val="000000"/>
+                  </a:solidFill>
+                  <a:latin typeface="Arial"/>
+                  <a:ea typeface="DejaVu Sans"/>
+                </a:rPr>
+                <a:t>r</a:t>
+              </a:r>
+              <a:r>
+                <a:rPr b="1" lang="en-US" sz="1800" spc="-1" strike="noStrike">
+                  <a:solidFill>
+                    <a:srgbClr val="000000"/>
+                  </a:solidFill>
+                  <a:latin typeface="Arial"/>
+                  <a:ea typeface="DejaVu Sans"/>
+                </a:rPr>
+                <a:t> </a:t>
+              </a:r>
+              <a:r>
+                <a:rPr b="1" lang="en-US" sz="1800" spc="-1" strike="noStrike">
+                  <a:solidFill>
+                    <a:srgbClr val="000000"/>
+                  </a:solidFill>
+                  <a:latin typeface="Arial"/>
+                  <a:ea typeface="DejaVu Sans"/>
+                </a:rPr>
+                <a:t>o</a:t>
+              </a:r>
+              <a:r>
+                <a:rPr b="1" lang="en-US" sz="1800" spc="-1" strike="noStrike">
+                  <a:solidFill>
+                    <a:srgbClr val="000000"/>
+                  </a:solidFill>
+                  <a:latin typeface="Arial"/>
+                  <a:ea typeface="DejaVu Sans"/>
+                </a:rPr>
+                <a:t>f </a:t>
+              </a:r>
+              <a:r>
+                <a:rPr b="1" lang="en-US" sz="1800" spc="-1" strike="noStrike">
+                  <a:solidFill>
+                    <a:srgbClr val="000000"/>
+                  </a:solidFill>
+                  <a:latin typeface="Arial"/>
+                  <a:ea typeface="DejaVu Sans"/>
+                </a:rPr>
+                <a:t>m</a:t>
+              </a:r>
+              <a:r>
+                <a:rPr b="1" lang="en-US" sz="1800" spc="-1" strike="noStrike">
+                  <a:solidFill>
+                    <a:srgbClr val="000000"/>
+                  </a:solidFill>
+                  <a:latin typeface="Arial"/>
+                  <a:ea typeface="DejaVu Sans"/>
+                </a:rPr>
+                <a:t>a</a:t>
+              </a:r>
+              <a:r>
+                <a:rPr b="1" lang="en-US" sz="1800" spc="-1" strike="noStrike">
+                  <a:solidFill>
+                    <a:srgbClr val="000000"/>
+                  </a:solidFill>
+                  <a:latin typeface="Arial"/>
+                  <a:ea typeface="DejaVu Sans"/>
+                </a:rPr>
+                <a:t>g</a:t>
+              </a:r>
+              <a:r>
+                <a:rPr b="1" lang="en-US" sz="1800" spc="-1" strike="noStrike">
+                  <a:solidFill>
+                    <a:srgbClr val="000000"/>
+                  </a:solidFill>
+                  <a:latin typeface="Arial"/>
+                  <a:ea typeface="DejaVu Sans"/>
+                </a:rPr>
+                <a:t>n</a:t>
+              </a:r>
+              <a:r>
+                <a:rPr b="1" lang="en-US" sz="1800" spc="-1" strike="noStrike">
+                  <a:solidFill>
+                    <a:srgbClr val="000000"/>
+                  </a:solidFill>
+                  <a:latin typeface="Arial"/>
+                  <a:ea typeface="DejaVu Sans"/>
+                </a:rPr>
+                <a:t>i</a:t>
+              </a:r>
+              <a:r>
+                <a:rPr b="1" lang="en-US" sz="1800" spc="-1" strike="noStrike">
+                  <a:solidFill>
+                    <a:srgbClr val="000000"/>
+                  </a:solidFill>
+                  <a:latin typeface="Arial"/>
+                  <a:ea typeface="DejaVu Sans"/>
+                </a:rPr>
+                <a:t>t</a:t>
+              </a:r>
+              <a:r>
+                <a:rPr b="1" lang="en-US" sz="1800" spc="-1" strike="noStrike">
+                  <a:solidFill>
+                    <a:srgbClr val="000000"/>
+                  </a:solidFill>
+                  <a:latin typeface="Arial"/>
+                  <a:ea typeface="DejaVu Sans"/>
+                </a:rPr>
+                <a:t>u</a:t>
+              </a:r>
+              <a:r>
+                <a:rPr b="1" lang="en-US" sz="1800" spc="-1" strike="noStrike">
+                  <a:solidFill>
+                    <a:srgbClr val="000000"/>
+                  </a:solidFill>
+                  <a:latin typeface="Arial"/>
+                  <a:ea typeface="DejaVu Sans"/>
+                </a:rPr>
+                <a:t>d</a:t>
+              </a:r>
+              <a:r>
+                <a:rPr b="1" lang="en-US" sz="1800" spc="-1" strike="noStrike">
+                  <a:solidFill>
+                    <a:srgbClr val="000000"/>
+                  </a:solidFill>
+                  <a:latin typeface="Arial"/>
+                  <a:ea typeface="DejaVu Sans"/>
+                </a:rPr>
+                <a:t>e</a:t>
+              </a:r>
+              <a:r>
+                <a:rPr b="1" lang="en-US" sz="1800" spc="-1" strike="noStrike">
+                  <a:solidFill>
+                    <a:srgbClr val="000000"/>
+                  </a:solidFill>
+                  <a:latin typeface="Arial"/>
+                  <a:ea typeface="DejaVu Sans"/>
+                </a:rPr>
+                <a:t> </a:t>
+              </a:r>
+              <a:r>
+                <a:rPr b="1" lang="en-US" sz="1800" spc="-1" strike="noStrike">
+                  <a:solidFill>
+                    <a:srgbClr val="000000"/>
+                  </a:solidFill>
+                  <a:latin typeface="Arial"/>
+                  <a:ea typeface="DejaVu Sans"/>
+                </a:rPr>
+                <a:t>p</a:t>
+              </a:r>
+              <a:r>
+                <a:rPr b="1" lang="en-US" sz="1800" spc="-1" strike="noStrike">
+                  <a:solidFill>
+                    <a:srgbClr val="000000"/>
+                  </a:solidFill>
+                  <a:latin typeface="Arial"/>
+                  <a:ea typeface="DejaVu Sans"/>
+                </a:rPr>
+                <a:t>e</a:t>
+              </a:r>
+              <a:r>
+                <a:rPr b="1" lang="en-US" sz="1800" spc="-1" strike="noStrike">
+                  <a:solidFill>
+                    <a:srgbClr val="000000"/>
+                  </a:solidFill>
+                  <a:latin typeface="Arial"/>
+                  <a:ea typeface="DejaVu Sans"/>
+                </a:rPr>
+                <a:t>r</a:t>
+              </a:r>
+              <a:r>
+                <a:rPr b="1" lang="en-US" sz="1800" spc="-1" strike="noStrike">
+                  <a:solidFill>
+                    <a:srgbClr val="000000"/>
+                  </a:solidFill>
+                  <a:latin typeface="Arial"/>
+                  <a:ea typeface="DejaVu Sans"/>
+                </a:rPr>
+                <a:t> </a:t>
+              </a:r>
+              <a:r>
+                <a:rPr b="1" lang="en-US" sz="1800" spc="-1" strike="noStrike">
+                  <a:solidFill>
+                    <a:srgbClr val="000000"/>
+                  </a:solidFill>
+                  <a:latin typeface="Arial"/>
+                  <a:ea typeface="DejaVu Sans"/>
+                </a:rPr>
+                <a:t>s</a:t>
+              </a:r>
+              <a:r>
+                <a:rPr b="1" lang="en-US" sz="1800" spc="-1" strike="noStrike">
+                  <a:solidFill>
+                    <a:srgbClr val="000000"/>
+                  </a:solidFill>
+                  <a:latin typeface="Arial"/>
+                  <a:ea typeface="DejaVu Sans"/>
+                </a:rPr>
+                <a:t>t</a:t>
+              </a:r>
+              <a:r>
+                <a:rPr b="1" lang="en-US" sz="1800" spc="-1" strike="noStrike">
+                  <a:solidFill>
+                    <a:srgbClr val="000000"/>
+                  </a:solidFill>
+                  <a:latin typeface="Arial"/>
+                  <a:ea typeface="DejaVu Sans"/>
+                </a:rPr>
+                <a:t>a</a:t>
+              </a:r>
+              <a:r>
+                <a:rPr b="1" lang="en-US" sz="1800" spc="-1" strike="noStrike">
+                  <a:solidFill>
+                    <a:srgbClr val="000000"/>
+                  </a:solidFill>
+                  <a:latin typeface="Arial"/>
+                  <a:ea typeface="DejaVu Sans"/>
+                </a:rPr>
+                <a:t>g</a:t>
+              </a:r>
+              <a:r>
+                <a:rPr b="1" lang="en-US" sz="1800" spc="-1" strike="noStrike">
+                  <a:solidFill>
+                    <a:srgbClr val="000000"/>
+                  </a:solidFill>
+                  <a:latin typeface="Arial"/>
+                  <a:ea typeface="DejaVu Sans"/>
+                </a:rPr>
+                <a:t>e</a:t>
+              </a:r>
+              <a:endParaRPr b="0" lang="en-US" sz="1800" spc="-1" strike="noStrike">
+                <a:latin typeface="Arial"/>
+              </a:endParaRPr>
+            </a:p>
+            <a:p>
+              <a:pPr>
+                <a:lnSpc>
+                  <a:spcPct val="100000"/>
+                </a:lnSpc>
+                <a:buNone/>
+              </a:pPr>
+              <a:r>
+                <a:rPr b="1" lang="en-US" sz="1800" spc="-1" strike="noStrike">
+                  <a:solidFill>
+                    <a:srgbClr val="000000"/>
+                  </a:solidFill>
+                  <a:latin typeface="Arial"/>
+                  <a:ea typeface="DejaVu Sans"/>
+                </a:rPr>
+                <a:t>- </a:t>
+              </a:r>
+              <a:r>
+                <a:rPr b="1" lang="en-US" sz="1800" spc="-1" strike="noStrike">
+                  <a:solidFill>
+                    <a:srgbClr val="000000"/>
+                  </a:solidFill>
+                  <a:latin typeface="Arial"/>
+                  <a:ea typeface="DejaVu Sans"/>
+                </a:rPr>
+                <a:t>P</a:t>
+              </a:r>
+              <a:r>
+                <a:rPr b="1" lang="en-US" sz="1800" spc="-1" strike="noStrike">
+                  <a:solidFill>
+                    <a:srgbClr val="000000"/>
+                  </a:solidFill>
+                  <a:latin typeface="Arial"/>
+                  <a:ea typeface="DejaVu Sans"/>
+                </a:rPr>
+                <a:t>P</a:t>
+              </a:r>
+              <a:r>
+                <a:rPr b="1" lang="en-US" sz="1800" spc="-1" strike="noStrike">
+                  <a:solidFill>
+                    <a:srgbClr val="000000"/>
+                  </a:solidFill>
+                  <a:latin typeface="Arial"/>
+                  <a:ea typeface="DejaVu Sans"/>
+                </a:rPr>
+                <a:t>I </a:t>
+              </a:r>
+              <a:r>
+                <a:rPr b="1" lang="en-US" sz="1800" spc="-1" strike="noStrike">
+                  <a:solidFill>
+                    <a:srgbClr val="000000"/>
+                  </a:solidFill>
+                  <a:latin typeface="Arial"/>
+                  <a:ea typeface="DejaVu Sans"/>
+                </a:rPr>
+                <a:t>c</a:t>
+              </a:r>
+              <a:r>
+                <a:rPr b="1" lang="en-US" sz="1800" spc="-1" strike="noStrike">
+                  <a:solidFill>
+                    <a:srgbClr val="000000"/>
+                  </a:solidFill>
+                  <a:latin typeface="Arial"/>
+                  <a:ea typeface="DejaVu Sans"/>
+                </a:rPr>
+                <a:t>o</a:t>
+              </a:r>
+              <a:r>
+                <a:rPr b="1" lang="en-US" sz="1800" spc="-1" strike="noStrike">
+                  <a:solidFill>
+                    <a:srgbClr val="000000"/>
+                  </a:solidFill>
+                  <a:latin typeface="Arial"/>
+                  <a:ea typeface="DejaVu Sans"/>
+                </a:rPr>
+                <a:t>n</a:t>
+              </a:r>
+              <a:r>
+                <a:rPr b="1" lang="en-US" sz="1800" spc="-1" strike="noStrike">
+                  <a:solidFill>
+                    <a:srgbClr val="000000"/>
+                  </a:solidFill>
+                  <a:latin typeface="Arial"/>
+                  <a:ea typeface="DejaVu Sans"/>
+                </a:rPr>
+                <a:t>n</a:t>
+              </a:r>
+              <a:r>
+                <a:rPr b="1" lang="en-US" sz="1800" spc="-1" strike="noStrike">
+                  <a:solidFill>
+                    <a:srgbClr val="000000"/>
+                  </a:solidFill>
+                  <a:latin typeface="Arial"/>
+                  <a:ea typeface="DejaVu Sans"/>
+                </a:rPr>
+                <a:t>e</a:t>
+              </a:r>
+              <a:r>
+                <a:rPr b="1" lang="en-US" sz="1800" spc="-1" strike="noStrike">
+                  <a:solidFill>
+                    <a:srgbClr val="000000"/>
+                  </a:solidFill>
+                  <a:latin typeface="Arial"/>
+                  <a:ea typeface="DejaVu Sans"/>
+                </a:rPr>
+                <a:t>c</a:t>
+              </a:r>
+              <a:r>
+                <a:rPr b="1" lang="en-US" sz="1800" spc="-1" strike="noStrike">
+                  <a:solidFill>
+                    <a:srgbClr val="000000"/>
+                  </a:solidFill>
+                  <a:latin typeface="Arial"/>
+                  <a:ea typeface="DejaVu Sans"/>
+                </a:rPr>
+                <a:t>t</a:t>
+              </a:r>
+              <a:r>
+                <a:rPr b="1" lang="en-US" sz="1800" spc="-1" strike="noStrike">
+                  <a:solidFill>
+                    <a:srgbClr val="000000"/>
+                  </a:solidFill>
+                  <a:latin typeface="Arial"/>
+                  <a:ea typeface="DejaVu Sans"/>
+                </a:rPr>
+                <a:t>i</a:t>
+              </a:r>
+              <a:r>
+                <a:rPr b="1" lang="en-US" sz="1800" spc="-1" strike="noStrike">
+                  <a:solidFill>
+                    <a:srgbClr val="000000"/>
+                  </a:solidFill>
+                  <a:latin typeface="Arial"/>
+                  <a:ea typeface="DejaVu Sans"/>
+                </a:rPr>
+                <a:t>v</a:t>
+              </a:r>
+              <a:r>
+                <a:rPr b="1" lang="en-US" sz="1800" spc="-1" strike="noStrike">
+                  <a:solidFill>
+                    <a:srgbClr val="000000"/>
+                  </a:solidFill>
+                  <a:latin typeface="Arial"/>
+                  <a:ea typeface="DejaVu Sans"/>
+                </a:rPr>
+                <a:t>i</a:t>
+              </a:r>
+              <a:r>
+                <a:rPr b="1" lang="en-US" sz="1800" spc="-1" strike="noStrike">
+                  <a:solidFill>
+                    <a:srgbClr val="000000"/>
+                  </a:solidFill>
+                  <a:latin typeface="Arial"/>
+                  <a:ea typeface="DejaVu Sans"/>
+                </a:rPr>
+                <a:t>t</a:t>
+              </a:r>
+              <a:r>
+                <a:rPr b="1" lang="en-US" sz="1800" spc="-1" strike="noStrike">
+                  <a:solidFill>
+                    <a:srgbClr val="000000"/>
+                  </a:solidFill>
+                  <a:latin typeface="Arial"/>
+                  <a:ea typeface="DejaVu Sans"/>
+                </a:rPr>
+                <a:t>y</a:t>
+              </a:r>
+              <a:r>
+                <a:rPr b="1" lang="en-US" sz="1800" spc="-1" strike="noStrike">
+                  <a:solidFill>
+                    <a:srgbClr val="000000"/>
+                  </a:solidFill>
+                  <a:latin typeface="Arial"/>
+                  <a:ea typeface="DejaVu Sans"/>
+                </a:rPr>
+                <a:t> </a:t>
+              </a:r>
+              <a:r>
+                <a:rPr b="1" lang="en-US" sz="1800" spc="-1" strike="noStrike">
+                  <a:solidFill>
+                    <a:srgbClr val="000000"/>
+                  </a:solidFill>
+                  <a:latin typeface="Arial"/>
+                  <a:ea typeface="DejaVu Sans"/>
+                </a:rPr>
+                <a:t>p</a:t>
+              </a:r>
+              <a:r>
+                <a:rPr b="1" lang="en-US" sz="1800" spc="-1" strike="noStrike">
+                  <a:solidFill>
+                    <a:srgbClr val="000000"/>
+                  </a:solidFill>
+                  <a:latin typeface="Arial"/>
+                  <a:ea typeface="DejaVu Sans"/>
+                </a:rPr>
+                <a:t>e</a:t>
+              </a:r>
+              <a:r>
+                <a:rPr b="1" lang="en-US" sz="1800" spc="-1" strike="noStrike">
+                  <a:solidFill>
+                    <a:srgbClr val="000000"/>
+                  </a:solidFill>
+                  <a:latin typeface="Arial"/>
+                  <a:ea typeface="DejaVu Sans"/>
+                </a:rPr>
+                <a:t>r</a:t>
+              </a:r>
+              <a:r>
+                <a:rPr b="1" lang="en-US" sz="1800" spc="-1" strike="noStrike">
+                  <a:solidFill>
+                    <a:srgbClr val="000000"/>
+                  </a:solidFill>
+                  <a:latin typeface="Arial"/>
+                  <a:ea typeface="DejaVu Sans"/>
+                </a:rPr>
+                <a:t> </a:t>
+              </a:r>
+              <a:r>
+                <a:rPr b="1" lang="en-US" sz="1800" spc="-1" strike="noStrike">
+                  <a:solidFill>
+                    <a:srgbClr val="000000"/>
+                  </a:solidFill>
+                  <a:latin typeface="Arial"/>
+                  <a:ea typeface="DejaVu Sans"/>
+                </a:rPr>
+                <a:t>s</a:t>
+              </a:r>
+              <a:r>
+                <a:rPr b="1" lang="en-US" sz="1800" spc="-1" strike="noStrike">
+                  <a:solidFill>
+                    <a:srgbClr val="000000"/>
+                  </a:solidFill>
+                  <a:latin typeface="Arial"/>
+                  <a:ea typeface="DejaVu Sans"/>
+                </a:rPr>
+                <a:t>t</a:t>
+              </a:r>
+              <a:r>
+                <a:rPr b="1" lang="en-US" sz="1800" spc="-1" strike="noStrike">
+                  <a:solidFill>
+                    <a:srgbClr val="000000"/>
+                  </a:solidFill>
+                  <a:latin typeface="Arial"/>
+                  <a:ea typeface="DejaVu Sans"/>
+                </a:rPr>
+                <a:t>a</a:t>
+              </a:r>
+              <a:r>
+                <a:rPr b="1" lang="en-US" sz="1800" spc="-1" strike="noStrike">
+                  <a:solidFill>
+                    <a:srgbClr val="000000"/>
+                  </a:solidFill>
+                  <a:latin typeface="Arial"/>
+                  <a:ea typeface="DejaVu Sans"/>
+                </a:rPr>
+                <a:t>g</a:t>
+              </a:r>
+              <a:r>
+                <a:rPr b="1" lang="en-US" sz="1800" spc="-1" strike="noStrike">
+                  <a:solidFill>
+                    <a:srgbClr val="000000"/>
+                  </a:solidFill>
+                  <a:latin typeface="Arial"/>
+                  <a:ea typeface="DejaVu Sans"/>
+                </a:rPr>
+                <a:t>e</a:t>
+              </a:r>
+              <a:endParaRPr b="0" lang="en-US" sz="1800" spc="-1" strike="noStrike">
+                <a:latin typeface="Arial"/>
+              </a:endParaRPr>
+            </a:p>
+            <a:p>
+              <a:pPr>
+                <a:lnSpc>
+                  <a:spcPct val="100000"/>
+                </a:lnSpc>
+                <a:buNone/>
+              </a:pPr>
+              <a:endParaRPr b="0" lang="en-US" sz="1800" spc="-1" strike="noStrike">
+                <a:latin typeface="Arial"/>
+              </a:endParaRPr>
+            </a:p>
+            <a:p>
+              <a:pPr>
+                <a:lnSpc>
+                  <a:spcPct val="100000"/>
+                </a:lnSpc>
+                <a:buNone/>
+              </a:pPr>
+              <a:endParaRPr b="0" lang="en-US" sz="1800" spc="-1" strike="noStrike">
+                <a:latin typeface="Arial"/>
+              </a:endParaRPr>
+            </a:p>
+          </p:txBody>
+        </p:sp>
+        <p:pic>
+          <p:nvPicPr>
+            <p:cNvPr id="70" name="" descr=""/>
+            <p:cNvPicPr/>
+            <p:nvPr/>
+          </p:nvPicPr>
+          <p:blipFill>
+            <a:blip r:embed="rId1"/>
+            <a:stretch/>
+          </p:blipFill>
+          <p:spPr>
+            <a:xfrm>
+              <a:off x="8073000" y="3606480"/>
+              <a:ext cx="922320" cy="922320"/>
+            </a:xfrm>
+            <a:prstGeom prst="rect">
+              <a:avLst/>
+            </a:prstGeom>
+            <a:ln w="0">
+              <a:noFill/>
+            </a:ln>
+          </p:spPr>
+        </p:pic>
+        <p:sp>
+          <p:nvSpPr>
+            <p:cNvPr id="71" name=""/>
+            <p:cNvSpPr/>
+            <p:nvPr/>
+          </p:nvSpPr>
+          <p:spPr>
+            <a:xfrm>
+              <a:off x="8069400" y="1371600"/>
+              <a:ext cx="2444760" cy="1112760"/>
+            </a:xfrm>
+            <a:prstGeom prst="rect">
+              <a:avLst/>
+            </a:prstGeom>
+            <a:noFill/>
+            <a:ln w="0">
+              <a:noFill/>
+            </a:ln>
+          </p:spPr>
+          <p:style>
+            <a:lnRef idx="0"/>
+            <a:fillRef idx="0"/>
+            <a:effectRef idx="0"/>
+            <a:fontRef idx="minor"/>
+          </p:style>
+          <p:txBody>
+            <a:bodyPr lIns="90000" rIns="90000" tIns="45000" bIns="45000" anchor="t">
+              <a:noAutofit/>
+            </a:bodyPr>
+            <a:p>
+              <a:pPr>
+                <a:lnSpc>
+                  <a:spcPct val="100000"/>
+                </a:lnSpc>
+                <a:buNone/>
+              </a:pPr>
+              <a:r>
+                <a:rPr b="1" lang="en-US" sz="1800" spc="-1" strike="noStrike">
+                  <a:solidFill>
+                    <a:srgbClr val="000000"/>
+                  </a:solidFill>
+                  <a:latin typeface="Arial"/>
+                  <a:ea typeface="DejaVu Sans"/>
+                </a:rPr>
+                <a:t>Lung cancer</a:t>
+              </a:r>
+              <a:endParaRPr b="0" lang="en-US" sz="1800" spc="-1" strike="noStrike">
+                <a:latin typeface="Arial"/>
+              </a:endParaRPr>
+            </a:p>
+          </p:txBody>
+        </p:sp>
+        <p:sp>
+          <p:nvSpPr>
+            <p:cNvPr id="72" name=""/>
+            <p:cNvSpPr/>
+            <p:nvPr/>
+          </p:nvSpPr>
+          <p:spPr>
+            <a:xfrm>
+              <a:off x="9153720" y="3635640"/>
+              <a:ext cx="4332600" cy="1112760"/>
+            </a:xfrm>
+            <a:prstGeom prst="rect">
+              <a:avLst/>
+            </a:prstGeom>
+            <a:noFill/>
+            <a:ln w="0">
+              <a:noFill/>
+            </a:ln>
+          </p:spPr>
+          <p:style>
+            <a:lnRef idx="0"/>
+            <a:fillRef idx="0"/>
+            <a:effectRef idx="0"/>
+            <a:fontRef idx="minor"/>
+          </p:style>
+          <p:txBody>
+            <a:bodyPr lIns="90000" rIns="90000" tIns="45000" bIns="45000" anchor="t">
+              <a:noAutofit/>
+            </a:bodyPr>
+            <a:p>
+              <a:pPr>
+                <a:lnSpc>
+                  <a:spcPct val="100000"/>
+                </a:lnSpc>
+                <a:buNone/>
+              </a:pPr>
+              <a:r>
+                <a:rPr b="1" lang="en-US" sz="1800" spc="-1" strike="noStrike">
+                  <a:solidFill>
+                    <a:srgbClr val="000000"/>
+                  </a:solidFill>
+                  <a:latin typeface="Arial"/>
+                  <a:ea typeface="DejaVu Sans"/>
+                </a:rPr>
+                <a:t>- 15208 genes </a:t>
+              </a:r>
+              <a:endParaRPr b="0" lang="en-US" sz="1800" spc="-1" strike="noStrike">
+                <a:latin typeface="Arial"/>
+              </a:endParaRPr>
+            </a:p>
+            <a:p>
+              <a:pPr>
+                <a:lnSpc>
+                  <a:spcPct val="100000"/>
+                </a:lnSpc>
+                <a:buNone/>
+              </a:pPr>
+              <a:r>
+                <a:rPr b="1" lang="en-US" sz="1800" spc="-1" strike="noStrike">
+                  <a:solidFill>
+                    <a:srgbClr val="000000"/>
+                  </a:solidFill>
+                  <a:latin typeface="Arial"/>
+                  <a:ea typeface="DejaVu Sans"/>
+                </a:rPr>
+                <a:t>- 486 samples</a:t>
+              </a:r>
+              <a:endParaRPr b="0" lang="en-US" sz="1800" spc="-1" strike="noStrike">
+                <a:latin typeface="Arial"/>
+              </a:endParaRPr>
+            </a:p>
+            <a:p>
+              <a:pPr>
+                <a:lnSpc>
+                  <a:spcPct val="100000"/>
+                </a:lnSpc>
+                <a:buNone/>
+              </a:pPr>
+              <a:r>
+                <a:rPr b="1" lang="en-US" sz="1800" spc="-1" strike="noStrike">
+                  <a:solidFill>
+                    <a:srgbClr val="000000"/>
+                  </a:solidFill>
+                  <a:latin typeface="Arial"/>
+                  <a:ea typeface="DejaVu Sans"/>
+                </a:rPr>
+                <a:t>- 45 samples </a:t>
+              </a:r>
+              <a:r>
+                <a:rPr b="1" lang="en-US" sz="1800" spc="-1" strike="noStrike">
+                  <a:solidFill>
+                    <a:srgbClr val="000000"/>
+                  </a:solidFill>
+                  <a:latin typeface="Arial"/>
+                  <a:ea typeface="DejaVu Sans"/>
+                </a:rPr>
+                <a:t>paired/control</a:t>
+              </a:r>
+              <a:endParaRPr b="0" lang="en-US" sz="1800" spc="-1" strike="noStrike">
+                <a:latin typeface="Arial"/>
+              </a:endParaRPr>
+            </a:p>
+          </p:txBody>
+        </p:sp>
+        <p:sp>
+          <p:nvSpPr>
+            <p:cNvPr id="73" name=""/>
+            <p:cNvSpPr/>
+            <p:nvPr/>
+          </p:nvSpPr>
+          <p:spPr>
+            <a:xfrm>
+              <a:off x="9153720" y="5896080"/>
+              <a:ext cx="9133200" cy="1598760"/>
+            </a:xfrm>
+            <a:prstGeom prst="rect">
+              <a:avLst/>
+            </a:prstGeom>
+            <a:noFill/>
+            <a:ln w="0">
+              <a:noFill/>
+            </a:ln>
+          </p:spPr>
+          <p:style>
+            <a:lnRef idx="0"/>
+            <a:fillRef idx="0"/>
+            <a:effectRef idx="0"/>
+            <a:fontRef idx="minor"/>
+          </p:style>
+          <p:txBody>
+            <a:bodyPr lIns="90000" rIns="90000" tIns="45000" bIns="45000" anchor="t">
+              <a:noAutofit/>
+            </a:bodyPr>
+            <a:p>
+              <a:pPr>
+                <a:lnSpc>
+                  <a:spcPct val="100000"/>
+                </a:lnSpc>
+                <a:buNone/>
+              </a:pPr>
+              <a:r>
+                <a:rPr b="1" lang="en-US" sz="1800" spc="-1" strike="noStrike">
+                  <a:solidFill>
+                    <a:srgbClr val="000000"/>
+                  </a:solidFill>
+                  <a:latin typeface="Arial"/>
+                  <a:ea typeface="DejaVu Sans"/>
+                </a:rPr>
+                <a:t>- folchange=Expr(tumor)-</a:t>
+              </a:r>
+              <a:r>
+                <a:rPr b="1" lang="en-US" sz="1800" spc="-1" strike="noStrike">
+                  <a:solidFill>
+                    <a:srgbClr val="000000"/>
+                  </a:solidFill>
+                  <a:latin typeface="Arial"/>
+                  <a:ea typeface="DejaVu Sans"/>
+                </a:rPr>
+                <a:t>Expr(normal)</a:t>
+              </a:r>
+              <a:endParaRPr b="0" lang="en-US" sz="1800" spc="-1" strike="noStrike">
+                <a:latin typeface="Arial"/>
+              </a:endParaRPr>
+            </a:p>
+            <a:p>
+              <a:pPr>
+                <a:lnSpc>
+                  <a:spcPct val="100000"/>
+                </a:lnSpc>
+                <a:buNone/>
+              </a:pPr>
+              <a:r>
+                <a:rPr b="1" lang="en-US" sz="1800" spc="-1" strike="noStrike">
+                  <a:solidFill>
+                    <a:srgbClr val="000000"/>
+                  </a:solidFill>
+                  <a:latin typeface="Arial"/>
+                  <a:ea typeface="DejaVu Sans"/>
+                </a:rPr>
+                <a:t>- threshold </a:t>
+              </a:r>
+              <a:r>
+                <a:rPr b="1" lang="en-US" sz="1800" spc="-1" strike="noStrike">
+                  <a:solidFill>
+                    <a:srgbClr val="000000"/>
+                  </a:solidFill>
+                  <a:latin typeface="Arial"/>
+                  <a:ea typeface="DejaVu Sans"/>
+                </a:rPr>
+                <a:t>log2folchange &gt;=0.58</a:t>
+              </a:r>
+              <a:endParaRPr b="0" lang="en-US" sz="1800" spc="-1" strike="noStrike">
+                <a:latin typeface="Arial"/>
+              </a:endParaRPr>
+            </a:p>
+            <a:p>
+              <a:pPr>
+                <a:lnSpc>
+                  <a:spcPct val="100000"/>
+                </a:lnSpc>
+                <a:buNone/>
+              </a:pPr>
+              <a:r>
+                <a:rPr b="1" lang="en-US" sz="1800" spc="-1" strike="noStrike">
+                  <a:solidFill>
+                    <a:srgbClr val="000000"/>
+                  </a:solidFill>
+                  <a:latin typeface="Arial"/>
+                  <a:ea typeface="DejaVu Sans"/>
+                </a:rPr>
+                <a:t>- 3527 genes</a:t>
+              </a:r>
+              <a:endParaRPr b="0" lang="en-US" sz="1800" spc="-1" strike="noStrike">
+                <a:latin typeface="Arial"/>
+              </a:endParaRPr>
+            </a:p>
+          </p:txBody>
+        </p:sp>
+        <p:sp>
+          <p:nvSpPr>
+            <p:cNvPr id="74" name=""/>
+            <p:cNvSpPr/>
+            <p:nvPr/>
+          </p:nvSpPr>
+          <p:spPr>
+            <a:xfrm>
+              <a:off x="7617960" y="5214240"/>
+              <a:ext cx="2055960" cy="600840"/>
+            </a:xfrm>
+            <a:prstGeom prst="rect">
+              <a:avLst/>
+            </a:prstGeom>
+            <a:noFill/>
+            <a:ln w="0">
+              <a:noFill/>
+            </a:ln>
+          </p:spPr>
+          <p:style>
+            <a:lnRef idx="0"/>
+            <a:fillRef idx="0"/>
+            <a:effectRef idx="0"/>
+            <a:fontRef idx="minor"/>
+          </p:style>
+          <p:txBody>
+            <a:bodyPr lIns="90000" rIns="90000" tIns="45000" bIns="45000" anchor="t">
+              <a:noAutofit/>
+            </a:bodyPr>
+            <a:p>
+              <a:pPr>
+                <a:lnSpc>
+                  <a:spcPct val="100000"/>
+                </a:lnSpc>
+                <a:buNone/>
+              </a:pPr>
+              <a:r>
+                <a:rPr b="1" lang="en-US" sz="1800" spc="-1" strike="noStrike">
+                  <a:solidFill>
+                    <a:srgbClr val="000000"/>
+                  </a:solidFill>
+                  <a:latin typeface="Arial"/>
+                  <a:ea typeface="DejaVu Sans"/>
+                </a:rPr>
+                <a:t>Paired samples tumor/control</a:t>
+              </a:r>
+              <a:endParaRPr b="0" lang="en-US" sz="1800" spc="-1" strike="noStrike">
+                <a:latin typeface="Arial"/>
+              </a:endParaRPr>
+            </a:p>
+          </p:txBody>
+        </p:sp>
+        <p:pic>
+          <p:nvPicPr>
+            <p:cNvPr id="75" name="" descr=""/>
+            <p:cNvPicPr/>
+            <p:nvPr/>
+          </p:nvPicPr>
+          <p:blipFill>
+            <a:blip r:embed="rId2"/>
+            <a:stretch/>
+          </p:blipFill>
+          <p:spPr>
+            <a:xfrm>
+              <a:off x="7849800" y="5759280"/>
+              <a:ext cx="1256760" cy="1256760"/>
+            </a:xfrm>
+            <a:prstGeom prst="rect">
+              <a:avLst/>
+            </a:prstGeom>
+            <a:ln w="0">
+              <a:noFill/>
+            </a:ln>
+          </p:spPr>
+        </p:pic>
+        <p:pic>
+          <p:nvPicPr>
+            <p:cNvPr id="76" name="" descr=""/>
+            <p:cNvPicPr/>
+            <p:nvPr/>
+          </p:nvPicPr>
+          <p:blipFill>
+            <a:blip r:embed="rId3"/>
+            <a:stretch/>
+          </p:blipFill>
+          <p:spPr>
+            <a:xfrm>
+              <a:off x="7691040" y="7873560"/>
+              <a:ext cx="1496880" cy="1261800"/>
+            </a:xfrm>
+            <a:prstGeom prst="rect">
+              <a:avLst/>
+            </a:prstGeom>
+            <a:ln w="0">
+              <a:noFill/>
+            </a:ln>
+          </p:spPr>
+        </p:pic>
+        <p:pic>
+          <p:nvPicPr>
+            <p:cNvPr id="77" name="" descr=""/>
+            <p:cNvPicPr/>
+            <p:nvPr/>
+          </p:nvPicPr>
+          <p:blipFill>
+            <a:blip r:embed="rId4"/>
+            <a:stretch/>
+          </p:blipFill>
+          <p:spPr>
+            <a:xfrm>
+              <a:off x="5724360" y="9036360"/>
+              <a:ext cx="5532120" cy="712440"/>
+            </a:xfrm>
+            <a:prstGeom prst="rect">
+              <a:avLst/>
+            </a:prstGeom>
+            <a:ln w="0">
+              <a:noFill/>
+            </a:ln>
+          </p:spPr>
+        </p:pic>
+        <p:sp>
+          <p:nvSpPr>
+            <p:cNvPr id="78" name=""/>
+            <p:cNvSpPr/>
+            <p:nvPr/>
+          </p:nvSpPr>
+          <p:spPr>
+            <a:xfrm>
+              <a:off x="7618320" y="7410600"/>
+              <a:ext cx="1755000" cy="600840"/>
+            </a:xfrm>
+            <a:prstGeom prst="rect">
+              <a:avLst/>
+            </a:prstGeom>
+            <a:noFill/>
+            <a:ln w="0">
+              <a:noFill/>
+            </a:ln>
+          </p:spPr>
+          <p:style>
+            <a:lnRef idx="0"/>
+            <a:fillRef idx="0"/>
+            <a:effectRef idx="0"/>
+            <a:fontRef idx="minor"/>
+          </p:style>
+          <p:txBody>
+            <a:bodyPr lIns="90000" rIns="90000" tIns="45000" bIns="45000" anchor="t">
+              <a:noAutofit/>
+            </a:bodyPr>
+            <a:p>
+              <a:pPr>
+                <a:lnSpc>
+                  <a:spcPct val="100000"/>
+                </a:lnSpc>
+                <a:buNone/>
+              </a:pPr>
+              <a:r>
+                <a:rPr b="1" lang="en-US" sz="1800" spc="-1" strike="noStrike">
+                  <a:solidFill>
+                    <a:srgbClr val="000000"/>
+                  </a:solidFill>
+                  <a:latin typeface="Arial"/>
+                  <a:ea typeface="DejaVu Sans"/>
+                </a:rPr>
+                <a:t>Differential analysis</a:t>
+              </a:r>
+              <a:endParaRPr b="0" lang="en-US" sz="1800" spc="-1" strike="noStrike">
+                <a:latin typeface="Arial"/>
+              </a:endParaRPr>
+            </a:p>
+          </p:txBody>
+        </p:sp>
+        <p:pic>
+          <p:nvPicPr>
+            <p:cNvPr id="79" name="" descr=""/>
+            <p:cNvPicPr/>
+            <p:nvPr/>
+          </p:nvPicPr>
+          <p:blipFill>
+            <a:blip r:embed="rId5"/>
+            <a:stretch/>
+          </p:blipFill>
+          <p:spPr>
+            <a:xfrm flipH="1" rot="10800000">
+              <a:off x="5724720" y="10981800"/>
+              <a:ext cx="5532120" cy="712440"/>
+            </a:xfrm>
+            <a:prstGeom prst="rect">
+              <a:avLst/>
+            </a:prstGeom>
+            <a:ln w="0">
+              <a:noFill/>
+            </a:ln>
+          </p:spPr>
+        </p:pic>
+        <p:pic>
+          <p:nvPicPr>
+            <p:cNvPr id="80" name="" descr=""/>
+            <p:cNvPicPr/>
+            <p:nvPr/>
+          </p:nvPicPr>
+          <p:blipFill>
+            <a:blip r:embed="rId6"/>
+            <a:stretch/>
+          </p:blipFill>
+          <p:spPr>
+            <a:xfrm>
+              <a:off x="8013600" y="1801080"/>
+              <a:ext cx="912960" cy="912960"/>
+            </a:xfrm>
+            <a:prstGeom prst="rect">
+              <a:avLst/>
+            </a:prstGeom>
+            <a:ln w="0">
+              <a:noFill/>
+            </a:ln>
+          </p:spPr>
+        </p:pic>
+        <p:sp>
+          <p:nvSpPr>
+            <p:cNvPr id="81" name=""/>
+            <p:cNvSpPr/>
+            <p:nvPr/>
+          </p:nvSpPr>
+          <p:spPr>
+            <a:xfrm>
+              <a:off x="9154080" y="1836000"/>
+              <a:ext cx="3646080" cy="857160"/>
+            </a:xfrm>
+            <a:prstGeom prst="rect">
+              <a:avLst/>
+            </a:prstGeom>
+            <a:noFill/>
+            <a:ln w="0">
+              <a:noFill/>
+            </a:ln>
+          </p:spPr>
+          <p:style>
+            <a:lnRef idx="0"/>
+            <a:fillRef idx="0"/>
+            <a:effectRef idx="0"/>
+            <a:fontRef idx="minor"/>
+          </p:style>
+          <p:txBody>
+            <a:bodyPr lIns="90000" rIns="90000" tIns="45000" bIns="45000" anchor="t">
+              <a:noAutofit/>
+            </a:bodyPr>
+            <a:p>
+              <a:pPr>
+                <a:lnSpc>
+                  <a:spcPct val="100000"/>
+                </a:lnSpc>
+                <a:buNone/>
+              </a:pPr>
+              <a:r>
+                <a:rPr b="1" lang="en-US" sz="1800" spc="-1" strike="noStrike">
+                  <a:solidFill>
+                    <a:srgbClr val="000000"/>
+                  </a:solidFill>
+                  <a:latin typeface="Arial"/>
+                  <a:ea typeface="DejaVu Sans"/>
+                </a:rPr>
+                <a:t>- Squamous Cell Carcinoma</a:t>
+              </a:r>
+              <a:endParaRPr b="0" lang="en-US" sz="1800" spc="-1" strike="noStrike">
+                <a:latin typeface="Arial"/>
+              </a:endParaRPr>
+            </a:p>
+            <a:p>
+              <a:pPr>
+                <a:lnSpc>
+                  <a:spcPct val="100000"/>
+                </a:lnSpc>
+                <a:buNone/>
+              </a:pPr>
+              <a:r>
+                <a:rPr b="1" lang="en-US" sz="1800" spc="-1" strike="noStrike">
+                  <a:solidFill>
+                    <a:srgbClr val="000000"/>
+                  </a:solidFill>
+                  <a:latin typeface="Arial"/>
+                  <a:ea typeface="DejaVu Sans"/>
+                </a:rPr>
+                <a:t>- 3 stages</a:t>
+              </a:r>
+              <a:endParaRPr b="0" lang="en-US" sz="1800" spc="-1" strike="noStrike">
+                <a:latin typeface="Arial"/>
+              </a:endParaRPr>
+            </a:p>
+          </p:txBody>
+        </p:sp>
+        <p:pic>
+          <p:nvPicPr>
+            <p:cNvPr id="82" name="" descr=""/>
+            <p:cNvPicPr/>
+            <p:nvPr/>
+          </p:nvPicPr>
+          <p:blipFill>
+            <a:blip r:embed="rId7"/>
+            <a:stretch/>
+          </p:blipFill>
+          <p:spPr>
+            <a:xfrm>
+              <a:off x="7608600" y="12433680"/>
+              <a:ext cx="1775160" cy="858960"/>
+            </a:xfrm>
+            <a:prstGeom prst="rect">
+              <a:avLst/>
+            </a:prstGeom>
+            <a:ln w="0">
+              <a:noFill/>
+            </a:ln>
+          </p:spPr>
+        </p:pic>
+        <p:sp>
+          <p:nvSpPr>
+            <p:cNvPr id="83" name=""/>
+            <p:cNvSpPr/>
+            <p:nvPr/>
+          </p:nvSpPr>
+          <p:spPr>
+            <a:xfrm>
+              <a:off x="7268040" y="12126960"/>
+              <a:ext cx="2337120" cy="345240"/>
+            </a:xfrm>
+            <a:prstGeom prst="rect">
+              <a:avLst/>
+            </a:prstGeom>
+            <a:noFill/>
+            <a:ln w="0">
+              <a:noFill/>
+            </a:ln>
+          </p:spPr>
+          <p:style>
+            <a:lnRef idx="0"/>
+            <a:fillRef idx="0"/>
+            <a:effectRef idx="0"/>
+            <a:fontRef idx="minor"/>
+          </p:style>
+          <p:txBody>
+            <a:bodyPr lIns="90000" rIns="90000" tIns="45000" bIns="45000" anchor="t">
+              <a:noAutofit/>
+            </a:bodyPr>
+            <a:p>
+              <a:pPr>
+                <a:lnSpc>
+                  <a:spcPct val="100000"/>
+                </a:lnSpc>
+                <a:buNone/>
+              </a:pPr>
+              <a:r>
+                <a:rPr b="1" lang="en-US" sz="1800" spc="-1" strike="noStrike">
+                  <a:solidFill>
+                    <a:srgbClr val="000000"/>
+                  </a:solidFill>
+                  <a:latin typeface="Arial"/>
+                  <a:ea typeface="DejaVu Sans"/>
+                </a:rPr>
+                <a:t>Entropy analysis</a:t>
+              </a:r>
+              <a:endParaRPr b="0" lang="en-US" sz="1800" spc="-1" strike="noStrike">
+                <a:latin typeface="Arial"/>
+              </a:endParaRPr>
+            </a:p>
+          </p:txBody>
+        </p:sp>
+        <p:sp>
+          <p:nvSpPr>
+            <p:cNvPr id="84" name=""/>
+            <p:cNvSpPr/>
+            <p:nvPr/>
+          </p:nvSpPr>
+          <p:spPr>
+            <a:xfrm>
+              <a:off x="8069400" y="3243600"/>
+              <a:ext cx="2444760" cy="1112760"/>
+            </a:xfrm>
+            <a:prstGeom prst="rect">
+              <a:avLst/>
+            </a:prstGeom>
+            <a:noFill/>
+            <a:ln w="0">
+              <a:noFill/>
+            </a:ln>
+          </p:spPr>
+          <p:style>
+            <a:lnRef idx="0"/>
+            <a:fillRef idx="0"/>
+            <a:effectRef idx="0"/>
+            <a:fontRef idx="minor"/>
+          </p:style>
+          <p:txBody>
+            <a:bodyPr lIns="90000" rIns="90000" tIns="45000" bIns="45000" anchor="t">
+              <a:noAutofit/>
+            </a:bodyPr>
+            <a:p>
+              <a:pPr>
+                <a:lnSpc>
+                  <a:spcPct val="100000"/>
+                </a:lnSpc>
+                <a:buNone/>
+              </a:pPr>
+              <a:r>
+                <a:rPr b="1" lang="en-US" sz="1800" spc="-1" strike="noStrike">
+                  <a:solidFill>
+                    <a:srgbClr val="000000"/>
+                  </a:solidFill>
+                  <a:latin typeface="Arial"/>
+                  <a:ea typeface="DejaVu Sans"/>
+                </a:rPr>
+                <a:t>Expression dataset</a:t>
+              </a:r>
+              <a:endParaRPr b="0" lang="en-US" sz="1800" spc="-1" strike="noStrike">
+                <a:latin typeface="Arial"/>
+              </a:endParaRPr>
+            </a:p>
+          </p:txBody>
+        </p:sp>
+        <p:sp>
+          <p:nvSpPr>
+            <p:cNvPr id="85" name=""/>
+            <p:cNvSpPr/>
+            <p:nvPr/>
+          </p:nvSpPr>
+          <p:spPr>
+            <a:xfrm>
+              <a:off x="9153720" y="7516080"/>
+              <a:ext cx="6389640" cy="1598760"/>
+            </a:xfrm>
+            <a:prstGeom prst="rect">
+              <a:avLst/>
+            </a:prstGeom>
+            <a:noFill/>
+            <a:ln w="0">
+              <a:noFill/>
+            </a:ln>
+          </p:spPr>
+          <p:style>
+            <a:lnRef idx="0"/>
+            <a:fillRef idx="0"/>
+            <a:effectRef idx="0"/>
+            <a:fontRef idx="minor"/>
+          </p:style>
+        </p:sp>
+        <p:sp>
+          <p:nvSpPr>
+            <p:cNvPr id="86" name=""/>
+            <p:cNvSpPr/>
+            <p:nvPr/>
+          </p:nvSpPr>
+          <p:spPr>
+            <a:xfrm>
+              <a:off x="8362800" y="2933280"/>
+              <a:ext cx="94320" cy="227520"/>
+            </a:xfrm>
+            <a:custGeom>
+              <a:avLst/>
+              <a:gdLst/>
+              <a:ahLst/>
+              <a:rect l="l" t="t" r="r" b="b"/>
+              <a:pathLst>
+                <a:path w="21600" h="21600">
+                  <a:moveTo>
+                    <a:pt x="5400" y="0"/>
+                  </a:moveTo>
+                  <a:lnTo>
+                    <a:pt x="5400" y="16200"/>
+                  </a:lnTo>
+                  <a:lnTo>
+                    <a:pt x="0" y="16200"/>
+                  </a:lnTo>
+                  <a:lnTo>
+                    <a:pt x="10800" y="21600"/>
+                  </a:lnTo>
+                  <a:lnTo>
+                    <a:pt x="21600" y="16200"/>
+                  </a:lnTo>
+                  <a:lnTo>
+                    <a:pt x="16200" y="16200"/>
+                  </a:lnTo>
+                  <a:lnTo>
+                    <a:pt x="16200" y="0"/>
+                  </a:lnTo>
+                  <a:close/>
+                </a:path>
+              </a:pathLst>
+            </a:custGeom>
+            <a:solidFill>
+              <a:srgbClr val="000000"/>
+            </a:solidFill>
+            <a:ln w="91440">
+              <a:solidFill>
+                <a:srgbClr val="000000"/>
+              </a:solidFill>
+              <a:round/>
+              <a:tailEnd len="med" type="triangle" w="med"/>
+            </a:ln>
+          </p:spPr>
+          <p:style>
+            <a:lnRef idx="0"/>
+            <a:fillRef idx="0"/>
+            <a:effectRef idx="0"/>
+            <a:fontRef idx="minor"/>
+          </p:style>
+        </p:sp>
+        <p:sp>
+          <p:nvSpPr>
+            <p:cNvPr id="87" name=""/>
+            <p:cNvSpPr/>
+            <p:nvPr/>
+          </p:nvSpPr>
+          <p:spPr>
+            <a:xfrm>
+              <a:off x="8362800" y="4769640"/>
+              <a:ext cx="94320" cy="227520"/>
+            </a:xfrm>
+            <a:custGeom>
+              <a:avLst/>
+              <a:gdLst/>
+              <a:ahLst/>
+              <a:rect l="l" t="t" r="r" b="b"/>
+              <a:pathLst>
+                <a:path w="21600" h="21600">
+                  <a:moveTo>
+                    <a:pt x="5400" y="0"/>
+                  </a:moveTo>
+                  <a:lnTo>
+                    <a:pt x="5400" y="16200"/>
+                  </a:lnTo>
+                  <a:lnTo>
+                    <a:pt x="0" y="16200"/>
+                  </a:lnTo>
+                  <a:lnTo>
+                    <a:pt x="10800" y="21600"/>
+                  </a:lnTo>
+                  <a:lnTo>
+                    <a:pt x="21600" y="16200"/>
+                  </a:lnTo>
+                  <a:lnTo>
+                    <a:pt x="16200" y="16200"/>
+                  </a:lnTo>
+                  <a:lnTo>
+                    <a:pt x="16200" y="0"/>
+                  </a:lnTo>
+                  <a:close/>
+                </a:path>
+              </a:pathLst>
+            </a:custGeom>
+            <a:solidFill>
+              <a:srgbClr val="000000"/>
+            </a:solidFill>
+            <a:ln w="91440">
+              <a:solidFill>
+                <a:srgbClr val="000000"/>
+              </a:solidFill>
+              <a:round/>
+              <a:tailEnd len="med" type="triangle" w="med"/>
+            </a:ln>
+          </p:spPr>
+          <p:style>
+            <a:lnRef idx="0"/>
+            <a:fillRef idx="0"/>
+            <a:effectRef idx="0"/>
+            <a:fontRef idx="minor"/>
+          </p:style>
+        </p:sp>
+        <p:sp>
+          <p:nvSpPr>
+            <p:cNvPr id="88" name=""/>
+            <p:cNvSpPr/>
+            <p:nvPr/>
+          </p:nvSpPr>
+          <p:spPr>
+            <a:xfrm>
+              <a:off x="8362800" y="7038000"/>
+              <a:ext cx="94320" cy="227520"/>
+            </a:xfrm>
+            <a:custGeom>
+              <a:avLst/>
+              <a:gdLst/>
+              <a:ahLst/>
+              <a:rect l="l" t="t" r="r" b="b"/>
+              <a:pathLst>
+                <a:path w="21600" h="21600">
+                  <a:moveTo>
+                    <a:pt x="5400" y="0"/>
+                  </a:moveTo>
+                  <a:lnTo>
+                    <a:pt x="5400" y="16200"/>
+                  </a:lnTo>
+                  <a:lnTo>
+                    <a:pt x="0" y="16200"/>
+                  </a:lnTo>
+                  <a:lnTo>
+                    <a:pt x="10800" y="21600"/>
+                  </a:lnTo>
+                  <a:lnTo>
+                    <a:pt x="21600" y="16200"/>
+                  </a:lnTo>
+                  <a:lnTo>
+                    <a:pt x="16200" y="16200"/>
+                  </a:lnTo>
+                  <a:lnTo>
+                    <a:pt x="16200" y="0"/>
+                  </a:lnTo>
+                  <a:close/>
+                </a:path>
+              </a:pathLst>
+            </a:custGeom>
+            <a:solidFill>
+              <a:srgbClr val="000000"/>
+            </a:solidFill>
+            <a:ln w="91440">
+              <a:solidFill>
+                <a:srgbClr val="000000"/>
+              </a:solidFill>
+              <a:round/>
+              <a:tailEnd len="med" type="triangle" w="med"/>
+            </a:ln>
+          </p:spPr>
+          <p:style>
+            <a:lnRef idx="0"/>
+            <a:fillRef idx="0"/>
+            <a:effectRef idx="0"/>
+            <a:fontRef idx="minor"/>
+          </p:style>
+        </p:sp>
+        <p:sp>
+          <p:nvSpPr>
+            <p:cNvPr id="89" name=""/>
+            <p:cNvSpPr/>
+            <p:nvPr/>
+          </p:nvSpPr>
+          <p:spPr>
+            <a:xfrm>
+              <a:off x="8362800" y="11754000"/>
+              <a:ext cx="94320" cy="227520"/>
+            </a:xfrm>
+            <a:custGeom>
+              <a:avLst/>
+              <a:gdLst/>
+              <a:ahLst/>
+              <a:rect l="l" t="t" r="r" b="b"/>
+              <a:pathLst>
+                <a:path w="21600" h="21600">
+                  <a:moveTo>
+                    <a:pt x="5400" y="0"/>
+                  </a:moveTo>
+                  <a:lnTo>
+                    <a:pt x="5400" y="16200"/>
+                  </a:lnTo>
+                  <a:lnTo>
+                    <a:pt x="0" y="16200"/>
+                  </a:lnTo>
+                  <a:lnTo>
+                    <a:pt x="10800" y="21600"/>
+                  </a:lnTo>
+                  <a:lnTo>
+                    <a:pt x="21600" y="16200"/>
+                  </a:lnTo>
+                  <a:lnTo>
+                    <a:pt x="16200" y="16200"/>
+                  </a:lnTo>
+                  <a:lnTo>
+                    <a:pt x="16200" y="0"/>
+                  </a:lnTo>
+                  <a:close/>
+                </a:path>
+              </a:pathLst>
+            </a:custGeom>
+            <a:solidFill>
+              <a:srgbClr val="000000"/>
+            </a:solidFill>
+            <a:ln w="91440">
+              <a:solidFill>
+                <a:srgbClr val="000000"/>
+              </a:solidFill>
+              <a:round/>
+              <a:tailEnd len="med" type="triangle" w="med"/>
+            </a:ln>
+          </p:spPr>
+          <p:style>
+            <a:lnRef idx="0"/>
+            <a:fillRef idx="0"/>
+            <a:effectRef idx="0"/>
+            <a:fontRef idx="minor"/>
+          </p:style>
+        </p:sp>
+        <p:sp>
+          <p:nvSpPr>
+            <p:cNvPr id="90" name=""/>
+            <p:cNvSpPr txBox="1"/>
+            <p:nvPr/>
+          </p:nvSpPr>
+          <p:spPr>
+            <a:xfrm>
+              <a:off x="228600" y="1931040"/>
+              <a:ext cx="3886200" cy="401040"/>
+            </a:xfrm>
+            <a:prstGeom prst="rect">
+              <a:avLst/>
+            </a:prstGeom>
+            <a:noFill/>
+            <a:ln w="0">
+              <a:noFill/>
+            </a:ln>
+          </p:spPr>
+          <p:txBody>
+            <a:bodyPr lIns="90000" rIns="90000" tIns="45000" bIns="45000" anchor="t">
+              <a:noAutofit/>
+            </a:bodyPr>
+            <a:p>
+              <a:r>
+                <a:rPr b="1" lang="en-US" sz="1800" spc="-1" strike="noStrike">
+                  <a:solidFill>
+                    <a:srgbClr val="000000"/>
+                  </a:solidFill>
+                  <a:latin typeface="Arial"/>
+                  <a:ea typeface="DejaVu Sans"/>
+                </a:rPr>
+                <a:t>CreateMetadataFrom</a:t>
+              </a:r>
+              <a:r>
+                <a:rPr b="1" lang="en-US" sz="1800" spc="-1" strike="noStrike">
+                  <a:solidFill>
+                    <a:srgbClr val="000000"/>
+                  </a:solidFill>
+                  <a:latin typeface="Arial"/>
+                  <a:ea typeface="DejaVu Sans"/>
+                </a:rPr>
+                <a:t>GDCFiles.R</a:t>
+              </a:r>
+              <a:endParaRPr b="0" lang="en-US" sz="1800" spc="-1" strike="noStrike">
+                <a:latin typeface="Arial"/>
+              </a:endParaRPr>
+            </a:p>
+          </p:txBody>
+        </p:sp>
+        <p:sp>
+          <p:nvSpPr>
+            <p:cNvPr id="91" name=""/>
+            <p:cNvSpPr txBox="1"/>
+            <p:nvPr/>
+          </p:nvSpPr>
+          <p:spPr>
+            <a:xfrm>
+              <a:off x="228960" y="3623040"/>
+              <a:ext cx="2742840" cy="602280"/>
+            </a:xfrm>
+            <a:prstGeom prst="rect">
+              <a:avLst/>
+            </a:prstGeom>
+            <a:noFill/>
+            <a:ln w="0">
+              <a:noFill/>
+            </a:ln>
+          </p:spPr>
+          <p:txBody>
+            <a:bodyPr lIns="90000" rIns="90000" tIns="45000" bIns="45000" anchor="t">
+              <a:noAutofit/>
+            </a:bodyPr>
+            <a:p>
+              <a:r>
+                <a:rPr b="1" lang="en-US" sz="1800" spc="-1" strike="noStrike">
+                  <a:solidFill>
+                    <a:srgbClr val="000000"/>
+                  </a:solidFill>
+                  <a:latin typeface="Arial"/>
+                  <a:ea typeface="DejaVu Sans"/>
+                </a:rPr>
+                <a:t>LoadExpressionDat</a:t>
+              </a:r>
+              <a:r>
+                <a:rPr b="1" lang="en-US" sz="1800" spc="-1" strike="noStrike">
+                  <a:solidFill>
+                    <a:srgbClr val="000000"/>
+                  </a:solidFill>
+                  <a:latin typeface="Arial"/>
+                  <a:ea typeface="DejaVu Sans"/>
+                </a:rPr>
+                <a:t>a.R</a:t>
+              </a:r>
+              <a:endParaRPr b="0" lang="en-US" sz="1800" spc="-1" strike="noStrike">
+                <a:latin typeface="Arial"/>
+              </a:endParaRPr>
+            </a:p>
+            <a:p>
+              <a:r>
+                <a:rPr b="1" lang="en-US" sz="1800" spc="-1" strike="noStrike">
+                  <a:solidFill>
+                    <a:srgbClr val="000000"/>
+                  </a:solidFill>
+                  <a:latin typeface="Arial"/>
+                  <a:ea typeface="DejaVu Sans"/>
+                </a:rPr>
+                <a:t>RPKM_Normalizatio</a:t>
+              </a:r>
+              <a:r>
+                <a:rPr b="1" lang="en-US" sz="1800" spc="-1" strike="noStrike">
+                  <a:solidFill>
+                    <a:srgbClr val="000000"/>
+                  </a:solidFill>
+                  <a:latin typeface="Arial"/>
+                  <a:ea typeface="DejaVu Sans"/>
+                </a:rPr>
+                <a:t>n.R</a:t>
+              </a:r>
+              <a:endParaRPr b="0" lang="en-US" sz="1800" spc="-1" strike="noStrike">
+                <a:latin typeface="Arial"/>
+              </a:endParaRPr>
+            </a:p>
+          </p:txBody>
+        </p:sp>
+        <p:sp>
+          <p:nvSpPr>
+            <p:cNvPr id="92" name=""/>
+            <p:cNvSpPr txBox="1"/>
+            <p:nvPr/>
+          </p:nvSpPr>
+          <p:spPr>
+            <a:xfrm>
+              <a:off x="228960" y="6071040"/>
+              <a:ext cx="5486040" cy="602280"/>
+            </a:xfrm>
+            <a:prstGeom prst="rect">
+              <a:avLst/>
+            </a:prstGeom>
+            <a:noFill/>
+            <a:ln w="0">
+              <a:noFill/>
+            </a:ln>
+          </p:spPr>
+          <p:txBody>
+            <a:bodyPr lIns="90000" rIns="90000" tIns="45000" bIns="45000" anchor="t">
+              <a:noAutofit/>
+            </a:bodyPr>
+            <a:p>
+              <a:pPr>
+                <a:lnSpc>
+                  <a:spcPct val="100000"/>
+                </a:lnSpc>
+                <a:buNone/>
+              </a:pPr>
+              <a:r>
+                <a:rPr b="1" lang="en-US" sz="1800" spc="-1" strike="noStrike">
+                  <a:solidFill>
+                    <a:srgbClr val="000000"/>
+                  </a:solidFill>
+                  <a:latin typeface="Arial"/>
+                  <a:ea typeface="DejaVu Sans"/>
+                </a:rPr>
+                <a:t>CreateMetadataPairedSamplesDiffRPKM.R</a:t>
+              </a:r>
+              <a:endParaRPr b="0" lang="en-US" sz="1800" spc="-1" strike="noStrike">
+                <a:latin typeface="Arial"/>
+              </a:endParaRPr>
+            </a:p>
+          </p:txBody>
+        </p:sp>
+        <p:sp>
+          <p:nvSpPr>
+            <p:cNvPr id="93" name=""/>
+            <p:cNvSpPr txBox="1"/>
+            <p:nvPr/>
+          </p:nvSpPr>
+          <p:spPr>
+            <a:xfrm>
+              <a:off x="229320" y="8267400"/>
+              <a:ext cx="5406840" cy="602280"/>
+            </a:xfrm>
+            <a:prstGeom prst="rect">
+              <a:avLst/>
+            </a:prstGeom>
+            <a:noFill/>
+            <a:ln w="0">
+              <a:noFill/>
+            </a:ln>
+          </p:spPr>
+          <p:txBody>
+            <a:bodyPr lIns="90000" rIns="90000" tIns="45000" bIns="45000" anchor="t">
+              <a:noAutofit/>
+            </a:bodyPr>
+            <a:p>
+              <a:r>
+                <a:rPr b="1" lang="en-US" sz="1800" spc="-1" strike="noStrike">
+                  <a:solidFill>
+                    <a:srgbClr val="000000"/>
+                  </a:solidFill>
+                  <a:latin typeface="Arial"/>
+                  <a:ea typeface="DejaVu Sans"/>
+                </a:rPr>
+                <a:t>C</a:t>
+              </a:r>
+              <a:r>
+                <a:rPr b="1" lang="en-US" sz="1800" spc="-1" strike="noStrike">
+                  <a:solidFill>
+                    <a:srgbClr val="000000"/>
+                  </a:solidFill>
+                  <a:latin typeface="Arial"/>
+                  <a:ea typeface="DejaVu Sans"/>
+                </a:rPr>
+                <a:t>r</a:t>
+              </a:r>
+              <a:r>
+                <a:rPr b="1" lang="en-US" sz="1800" spc="-1" strike="noStrike">
+                  <a:solidFill>
+                    <a:srgbClr val="000000"/>
+                  </a:solidFill>
+                  <a:latin typeface="Arial"/>
+                  <a:ea typeface="DejaVu Sans"/>
+                </a:rPr>
+                <a:t>e</a:t>
+              </a:r>
+              <a:r>
+                <a:rPr b="1" lang="en-US" sz="1800" spc="-1" strike="noStrike">
+                  <a:solidFill>
+                    <a:srgbClr val="000000"/>
+                  </a:solidFill>
+                  <a:latin typeface="Arial"/>
+                  <a:ea typeface="DejaVu Sans"/>
+                </a:rPr>
+                <a:t>a</a:t>
+              </a:r>
+              <a:r>
+                <a:rPr b="1" lang="en-US" sz="1800" spc="-1" strike="noStrike">
+                  <a:solidFill>
+                    <a:srgbClr val="000000"/>
+                  </a:solidFill>
+                  <a:latin typeface="Arial"/>
+                  <a:ea typeface="DejaVu Sans"/>
+                </a:rPr>
+                <a:t>t</a:t>
+              </a:r>
+              <a:r>
+                <a:rPr b="1" lang="en-US" sz="1800" spc="-1" strike="noStrike">
+                  <a:solidFill>
+                    <a:srgbClr val="000000"/>
+                  </a:solidFill>
+                  <a:latin typeface="Arial"/>
+                  <a:ea typeface="DejaVu Sans"/>
+                </a:rPr>
+                <a:t>e</a:t>
+              </a:r>
+              <a:r>
+                <a:rPr b="1" lang="en-US" sz="1800" spc="-1" strike="noStrike">
+                  <a:solidFill>
+                    <a:srgbClr val="000000"/>
+                  </a:solidFill>
+                  <a:latin typeface="Arial"/>
+                  <a:ea typeface="DejaVu Sans"/>
+                </a:rPr>
+                <a:t>D</a:t>
+              </a:r>
+              <a:r>
+                <a:rPr b="1" lang="en-US" sz="1800" spc="-1" strike="noStrike">
+                  <a:solidFill>
+                    <a:srgbClr val="000000"/>
+                  </a:solidFill>
+                  <a:latin typeface="Arial"/>
+                  <a:ea typeface="DejaVu Sans"/>
+                </a:rPr>
+                <a:t>E</a:t>
+              </a:r>
+              <a:r>
+                <a:rPr b="1" lang="en-US" sz="1800" spc="-1" strike="noStrike">
+                  <a:solidFill>
+                    <a:srgbClr val="000000"/>
+                  </a:solidFill>
+                  <a:latin typeface="Arial"/>
+                  <a:ea typeface="DejaVu Sans"/>
+                </a:rPr>
+                <a:t>G</a:t>
+              </a:r>
+              <a:r>
+                <a:rPr b="1" lang="en-US" sz="1800" spc="-1" strike="noStrike">
+                  <a:solidFill>
+                    <a:srgbClr val="000000"/>
+                  </a:solidFill>
+                  <a:latin typeface="Arial"/>
+                  <a:ea typeface="DejaVu Sans"/>
+                </a:rPr>
+                <a:t>e</a:t>
+              </a:r>
+              <a:r>
+                <a:rPr b="1" lang="en-US" sz="1800" spc="-1" strike="noStrike">
+                  <a:solidFill>
+                    <a:srgbClr val="000000"/>
+                  </a:solidFill>
+                  <a:latin typeface="Arial"/>
+                  <a:ea typeface="DejaVu Sans"/>
+                </a:rPr>
+                <a:t>n</a:t>
+              </a:r>
+              <a:r>
+                <a:rPr b="1" lang="en-US" sz="1800" spc="-1" strike="noStrike">
+                  <a:solidFill>
+                    <a:srgbClr val="000000"/>
+                  </a:solidFill>
+                  <a:latin typeface="Arial"/>
+                  <a:ea typeface="DejaVu Sans"/>
+                </a:rPr>
+                <a:t>e</a:t>
+              </a:r>
+              <a:r>
+                <a:rPr b="1" lang="en-US" sz="1800" spc="-1" strike="noStrike">
+                  <a:solidFill>
+                    <a:srgbClr val="000000"/>
+                  </a:solidFill>
+                  <a:latin typeface="Arial"/>
+                  <a:ea typeface="DejaVu Sans"/>
+                </a:rPr>
+                <a:t>s</a:t>
+              </a:r>
+              <a:r>
+                <a:rPr b="1" lang="en-US" sz="1800" spc="-1" strike="noStrike">
+                  <a:solidFill>
+                    <a:srgbClr val="000000"/>
+                  </a:solidFill>
+                  <a:latin typeface="Arial"/>
+                  <a:ea typeface="DejaVu Sans"/>
+                </a:rPr>
+                <a:t>P</a:t>
+              </a:r>
+              <a:r>
+                <a:rPr b="1" lang="en-US" sz="1800" spc="-1" strike="noStrike">
+                  <a:solidFill>
+                    <a:srgbClr val="000000"/>
+                  </a:solidFill>
+                  <a:latin typeface="Arial"/>
+                  <a:ea typeface="DejaVu Sans"/>
+                </a:rPr>
+                <a:t>e</a:t>
+              </a:r>
+              <a:r>
+                <a:rPr b="1" lang="en-US" sz="1800" spc="-1" strike="noStrike">
+                  <a:solidFill>
+                    <a:srgbClr val="000000"/>
+                  </a:solidFill>
+                  <a:latin typeface="Arial"/>
+                  <a:ea typeface="DejaVu Sans"/>
+                </a:rPr>
+                <a:t>r</a:t>
+              </a:r>
+              <a:r>
+                <a:rPr b="1" lang="en-US" sz="1800" spc="-1" strike="noStrike">
+                  <a:solidFill>
+                    <a:srgbClr val="000000"/>
+                  </a:solidFill>
+                  <a:latin typeface="Arial"/>
+                  <a:ea typeface="DejaVu Sans"/>
+                </a:rPr>
+                <a:t>S</a:t>
+              </a:r>
+              <a:r>
+                <a:rPr b="1" lang="en-US" sz="1800" spc="-1" strike="noStrike">
+                  <a:solidFill>
+                    <a:srgbClr val="000000"/>
+                  </a:solidFill>
+                  <a:latin typeface="Arial"/>
+                  <a:ea typeface="DejaVu Sans"/>
+                </a:rPr>
+                <a:t>t</a:t>
+              </a:r>
+              <a:r>
+                <a:rPr b="1" lang="en-US" sz="1800" spc="-1" strike="noStrike">
+                  <a:solidFill>
+                    <a:srgbClr val="000000"/>
+                  </a:solidFill>
+                  <a:latin typeface="Arial"/>
+                  <a:ea typeface="DejaVu Sans"/>
+                </a:rPr>
+                <a:t>a</a:t>
+              </a:r>
+              <a:r>
+                <a:rPr b="1" lang="en-US" sz="1800" spc="-1" strike="noStrike">
+                  <a:solidFill>
+                    <a:srgbClr val="000000"/>
+                  </a:solidFill>
+                  <a:latin typeface="Arial"/>
+                  <a:ea typeface="DejaVu Sans"/>
+                </a:rPr>
+                <a:t>g</a:t>
+              </a:r>
+              <a:r>
+                <a:rPr b="1" lang="en-US" sz="1800" spc="-1" strike="noStrike">
+                  <a:solidFill>
+                    <a:srgbClr val="000000"/>
+                  </a:solidFill>
+                  <a:latin typeface="Arial"/>
+                  <a:ea typeface="DejaVu Sans"/>
+                </a:rPr>
+                <a:t>e</a:t>
+              </a:r>
+              <a:r>
+                <a:rPr b="1" lang="en-US" sz="1800" spc="-1" strike="noStrike">
+                  <a:solidFill>
+                    <a:srgbClr val="000000"/>
+                  </a:solidFill>
+                  <a:latin typeface="Arial"/>
+                  <a:ea typeface="DejaVu Sans"/>
+                </a:rPr>
+                <a:t>M</a:t>
+              </a:r>
+              <a:r>
+                <a:rPr b="1" lang="en-US" sz="1800" spc="-1" strike="noStrike">
+                  <a:solidFill>
+                    <a:srgbClr val="000000"/>
+                  </a:solidFill>
+                  <a:latin typeface="Arial"/>
+                  <a:ea typeface="DejaVu Sans"/>
+                </a:rPr>
+                <a:t>e</a:t>
+              </a:r>
+              <a:r>
+                <a:rPr b="1" lang="en-US" sz="1800" spc="-1" strike="noStrike">
+                  <a:solidFill>
+                    <a:srgbClr val="000000"/>
+                  </a:solidFill>
+                  <a:latin typeface="Arial"/>
+                  <a:ea typeface="DejaVu Sans"/>
+                </a:rPr>
+                <a:t>a</a:t>
+              </a:r>
+              <a:r>
+                <a:rPr b="1" lang="en-US" sz="1800" spc="-1" strike="noStrike">
+                  <a:solidFill>
+                    <a:srgbClr val="000000"/>
+                  </a:solidFill>
+                  <a:latin typeface="Arial"/>
+                  <a:ea typeface="DejaVu Sans"/>
+                </a:rPr>
+                <a:t>n</a:t>
+              </a:r>
+              <a:r>
+                <a:rPr b="1" lang="en-US" sz="1800" spc="-1" strike="noStrike">
+                  <a:solidFill>
+                    <a:srgbClr val="000000"/>
+                  </a:solidFill>
+                  <a:latin typeface="Arial"/>
+                  <a:ea typeface="DejaVu Sans"/>
+                </a:rPr>
+                <a:t>s</a:t>
+              </a:r>
+              <a:r>
+                <a:rPr b="1" lang="en-US" sz="1800" spc="-1" strike="noStrike">
+                  <a:solidFill>
+                    <a:srgbClr val="000000"/>
+                  </a:solidFill>
+                  <a:latin typeface="Arial"/>
+                  <a:ea typeface="DejaVu Sans"/>
+                </a:rPr>
+                <a:t>O</a:t>
+              </a:r>
+              <a:r>
+                <a:rPr b="1" lang="en-US" sz="1800" spc="-1" strike="noStrike">
+                  <a:solidFill>
+                    <a:srgbClr val="000000"/>
+                  </a:solidFill>
+                  <a:latin typeface="Arial"/>
+                  <a:ea typeface="DejaVu Sans"/>
+                </a:rPr>
+                <a:t>f</a:t>
+              </a:r>
+              <a:r>
+                <a:rPr b="1" lang="en-US" sz="1800" spc="-1" strike="noStrike">
+                  <a:solidFill>
+                    <a:srgbClr val="000000"/>
+                  </a:solidFill>
+                  <a:latin typeface="Arial"/>
+                  <a:ea typeface="DejaVu Sans"/>
+                </a:rPr>
+                <a:t>D</a:t>
+              </a:r>
+              <a:r>
+                <a:rPr b="1" lang="en-US" sz="1800" spc="-1" strike="noStrike">
+                  <a:solidFill>
+                    <a:srgbClr val="000000"/>
+                  </a:solidFill>
+                  <a:latin typeface="Arial"/>
+                  <a:ea typeface="DejaVu Sans"/>
+                </a:rPr>
+                <a:t>i</a:t>
+              </a:r>
+              <a:r>
+                <a:rPr b="1" lang="en-US" sz="1800" spc="-1" strike="noStrike">
+                  <a:solidFill>
+                    <a:srgbClr val="000000"/>
+                  </a:solidFill>
+                  <a:latin typeface="Arial"/>
+                  <a:ea typeface="DejaVu Sans"/>
+                </a:rPr>
+                <a:t>f</a:t>
+              </a:r>
+              <a:r>
+                <a:rPr b="1" lang="en-US" sz="1800" spc="-1" strike="noStrike">
+                  <a:solidFill>
+                    <a:srgbClr val="000000"/>
+                  </a:solidFill>
+                  <a:latin typeface="Arial"/>
+                  <a:ea typeface="DejaVu Sans"/>
+                </a:rPr>
+                <a:t>f</a:t>
+              </a:r>
+              <a:r>
+                <a:rPr b="1" lang="en-US" sz="1800" spc="-1" strike="noStrike">
+                  <a:solidFill>
+                    <a:srgbClr val="000000"/>
+                  </a:solidFill>
+                  <a:latin typeface="Arial"/>
+                  <a:ea typeface="DejaVu Sans"/>
+                </a:rPr>
+                <a:t>R</a:t>
+              </a:r>
+              <a:r>
+                <a:rPr b="1" lang="en-US" sz="1800" spc="-1" strike="noStrike">
+                  <a:solidFill>
+                    <a:srgbClr val="000000"/>
+                  </a:solidFill>
+                  <a:latin typeface="Arial"/>
+                  <a:ea typeface="DejaVu Sans"/>
+                </a:rPr>
+                <a:t>P</a:t>
+              </a:r>
+              <a:r>
+                <a:rPr b="1" lang="en-US" sz="1800" spc="-1" strike="noStrike">
+                  <a:solidFill>
+                    <a:srgbClr val="000000"/>
+                  </a:solidFill>
+                  <a:latin typeface="Arial"/>
+                  <a:ea typeface="DejaVu Sans"/>
+                </a:rPr>
+                <a:t>K</a:t>
+              </a:r>
+              <a:r>
+                <a:rPr b="1" lang="en-US" sz="1800" spc="-1" strike="noStrike">
+                  <a:solidFill>
+                    <a:srgbClr val="000000"/>
+                  </a:solidFill>
+                  <a:latin typeface="Arial"/>
+                  <a:ea typeface="DejaVu Sans"/>
+                </a:rPr>
+                <a:t>M</a:t>
+              </a:r>
+              <a:r>
+                <a:rPr b="1" lang="en-US" sz="1800" spc="-1" strike="noStrike">
+                  <a:solidFill>
+                    <a:srgbClr val="000000"/>
+                  </a:solidFill>
+                  <a:latin typeface="Arial"/>
+                  <a:ea typeface="DejaVu Sans"/>
+                </a:rPr>
+                <a:t>.</a:t>
+              </a:r>
+              <a:r>
+                <a:rPr b="1" lang="en-US" sz="1800" spc="-1" strike="noStrike">
+                  <a:solidFill>
+                    <a:srgbClr val="000000"/>
+                  </a:solidFill>
+                  <a:latin typeface="Arial"/>
+                  <a:ea typeface="DejaVu Sans"/>
+                </a:rPr>
+                <a:t>R</a:t>
+              </a:r>
+              <a:endParaRPr b="0" lang="en-US" sz="1800" spc="-1" strike="noStrike">
+                <a:latin typeface="Arial"/>
+              </a:endParaRPr>
+            </a:p>
+          </p:txBody>
+        </p:sp>
+        <p:sp>
+          <p:nvSpPr>
+            <p:cNvPr id="94" name=""/>
+            <p:cNvSpPr/>
+            <p:nvPr/>
+          </p:nvSpPr>
+          <p:spPr>
+            <a:xfrm>
+              <a:off x="6147000" y="9619560"/>
+              <a:ext cx="13055400" cy="1369080"/>
+            </a:xfrm>
+            <a:prstGeom prst="rect">
+              <a:avLst/>
+            </a:prstGeom>
+            <a:noFill/>
+            <a:ln w="0">
+              <a:noFill/>
+            </a:ln>
+          </p:spPr>
+          <p:style>
+            <a:lnRef idx="0"/>
+            <a:fillRef idx="0"/>
+            <a:effectRef idx="0"/>
+            <a:fontRef idx="minor"/>
+          </p:style>
+          <p:txBody>
+            <a:bodyPr lIns="90000" rIns="90000" tIns="45000" bIns="45000" anchor="t">
+              <a:noAutofit/>
+            </a:bodyPr>
+            <a:p>
+              <a:pPr>
+                <a:lnSpc>
+                  <a:spcPct val="100000"/>
+                </a:lnSpc>
+                <a:buNone/>
+              </a:pPr>
+              <a:r>
+                <a:rPr b="1" lang="en-US" sz="1800" spc="-1" strike="noStrike">
+                  <a:solidFill>
+                    <a:srgbClr val="000000"/>
+                  </a:solidFill>
+                  <a:latin typeface="Arial"/>
+                  <a:ea typeface="DejaVu Sans"/>
+                </a:rPr>
+                <a:t>folchange=Mean(Expr stage i)-Mean(Expr stages ii and iii)</a:t>
+              </a:r>
+              <a:endParaRPr b="0" lang="en-US" sz="1800" spc="-1" strike="noStrike">
+                <a:latin typeface="Arial"/>
+              </a:endParaRPr>
+            </a:p>
+            <a:p>
+              <a:pPr>
+                <a:lnSpc>
+                  <a:spcPct val="100000"/>
+                </a:lnSpc>
+                <a:buNone/>
+              </a:pPr>
+              <a:r>
+                <a:rPr b="1" lang="en-US" sz="1800" spc="-1" strike="noStrike">
+                  <a:solidFill>
+                    <a:srgbClr val="000000"/>
+                  </a:solidFill>
+                  <a:latin typeface="Arial"/>
+                  <a:ea typeface="DejaVu Sans"/>
+                </a:rPr>
+                <a:t>threshold </a:t>
+              </a:r>
+              <a:r>
+                <a:rPr b="1" lang="en-US" sz="1800" spc="-1" strike="noStrike">
+                  <a:solidFill>
+                    <a:srgbClr val="000000"/>
+                  </a:solidFill>
+                  <a:latin typeface="Arial"/>
+                  <a:ea typeface="DejaVu Sans"/>
+                </a:rPr>
+                <a:t>folchange &gt;=3</a:t>
+              </a:r>
+              <a:endParaRPr b="0" lang="en-US" sz="1800" spc="-1" strike="noStrike">
+                <a:latin typeface="Arial"/>
+              </a:endParaRPr>
+            </a:p>
+            <a:p>
+              <a:pPr>
+                <a:lnSpc>
+                  <a:spcPct val="100000"/>
+                </a:lnSpc>
+                <a:buNone/>
+              </a:pPr>
+              <a:r>
+                <a:rPr b="1" lang="en-US" sz="1800" spc="-1" strike="noStrike">
+                  <a:solidFill>
+                    <a:srgbClr val="000000"/>
+                  </a:solidFill>
+                  <a:latin typeface="Arial"/>
+                  <a:ea typeface="DejaVu Sans"/>
+                </a:rPr>
+                <a:t>- Stage I  : 69 genes</a:t>
+              </a:r>
+              <a:endParaRPr b="0" lang="en-US" sz="1800" spc="-1" strike="noStrike">
+                <a:latin typeface="Arial"/>
+              </a:endParaRPr>
+            </a:p>
+            <a:p>
+              <a:pPr>
+                <a:lnSpc>
+                  <a:spcPct val="100000"/>
+                </a:lnSpc>
+                <a:buNone/>
+              </a:pPr>
+              <a:r>
+                <a:rPr b="1" lang="en-US" sz="1800" spc="-1" strike="noStrike">
+                  <a:solidFill>
+                    <a:srgbClr val="000000"/>
+                  </a:solidFill>
+                  <a:latin typeface="Arial"/>
+                  <a:ea typeface="DejaVu Sans"/>
+                </a:rPr>
+                <a:t>- Stage II : 141 genes</a:t>
+              </a:r>
+              <a:endParaRPr b="0" lang="en-US" sz="1800" spc="-1" strike="noStrike">
+                <a:latin typeface="Arial"/>
+              </a:endParaRPr>
+            </a:p>
+            <a:p>
+              <a:pPr>
+                <a:lnSpc>
+                  <a:spcPct val="100000"/>
+                </a:lnSpc>
+                <a:buNone/>
+              </a:pPr>
+              <a:r>
+                <a:rPr b="1" lang="en-US" sz="1800" spc="-1" strike="noStrike">
+                  <a:solidFill>
+                    <a:srgbClr val="000000"/>
+                  </a:solidFill>
+                  <a:latin typeface="Arial"/>
+                  <a:ea typeface="DejaVu Sans"/>
+                </a:rPr>
+                <a:t>- Stage III: 390 genes</a:t>
+              </a:r>
+              <a:endParaRPr b="0" lang="en-US" sz="1800" spc="-1" strike="noStrike">
+                <a:latin typeface="Arial"/>
+              </a:endParaRPr>
+            </a:p>
+            <a:p>
+              <a:pPr>
+                <a:lnSpc>
+                  <a:spcPct val="100000"/>
+                </a:lnSpc>
+                <a:buNone/>
+              </a:pPr>
+              <a:endParaRPr b="0" lang="en-US" sz="1800" spc="-1" strike="noStrike">
+                <a:latin typeface="Arial"/>
+              </a:endParaRPr>
+            </a:p>
+          </p:txBody>
+        </p:sp>
+        <p:sp>
+          <p:nvSpPr>
+            <p:cNvPr id="95" name=""/>
+            <p:cNvSpPr/>
+            <p:nvPr/>
+          </p:nvSpPr>
+          <p:spPr>
+            <a:xfrm>
+              <a:off x="8069400" y="389520"/>
+              <a:ext cx="2444760" cy="1112760"/>
+            </a:xfrm>
+            <a:prstGeom prst="rect">
+              <a:avLst/>
+            </a:prstGeom>
+            <a:noFill/>
+            <a:ln w="0">
+              <a:noFill/>
+            </a:ln>
+          </p:spPr>
+          <p:style>
+            <a:lnRef idx="0"/>
+            <a:fillRef idx="0"/>
+            <a:effectRef idx="0"/>
+            <a:fontRef idx="minor"/>
+          </p:style>
+          <p:txBody>
+            <a:bodyPr lIns="90000" rIns="90000" tIns="45000" bIns="45000" anchor="t">
+              <a:noAutofit/>
+            </a:bodyPr>
+            <a:p>
+              <a:pPr>
+                <a:lnSpc>
+                  <a:spcPct val="100000"/>
+                </a:lnSpc>
+                <a:buNone/>
+              </a:pPr>
+              <a:r>
+                <a:rPr b="1" lang="en-US" sz="3600" spc="-1" strike="noStrike">
+                  <a:solidFill>
+                    <a:srgbClr val="000000"/>
+                  </a:solidFill>
+                  <a:latin typeface="Arial"/>
+                  <a:ea typeface="DejaVu Sans"/>
+                </a:rPr>
+                <a:t>Pipeline 2</a:t>
+              </a:r>
+              <a:endParaRPr b="1" lang="en-US" sz="3600" spc="-1" strike="noStrike">
+                <a:latin typeface="Arial"/>
+              </a:endParaRPr>
+            </a:p>
+          </p:txBody>
+        </p:sp>
+      </p:grpSp>
+    </p:spTree>
+  </p:cSld>
+  <mc:AlternateContent>
+    <mc:Choice Requires="p14">
+      <p:transition spd="slow" p14:dur="2000"/>
+    </mc:Choice>
+    <mc:Fallback>
+      <p:transition spd="slow"/>
+    </mc:Fallback>
+  </mc:AlternateContent>
+</p:sld>
+</file>
+
+<file path=ppt/slides/slide3.xml><?xml version="1.0" encoding="utf-8"?>
+<p:sld xmlns:a="http://schemas.openxmlformats.org/drawingml/2006/main" xmlns:p="http://schemas.openxmlformats.org/presentationml/2006/main" xmlns:r="http://schemas.openxmlformats.org/officeDocument/2006/relationships" xmlns:p14="http://schemas.microsoft.com/office/powerpoint/2010/main" xmlns:p15="http://schemas.microsoft.com/office/powerpoint/2012/main" xmlns:mc="http://schemas.openxmlformats.org/markup-compatibility/2006">
+  <p:cSld>
+    <p:spTree>
+      <p:nvGrpSpPr>
+        <p:cNvPr id="1" name=""/>
+        <p:cNvGrpSpPr/>
+        <p:nvPr/>
+      </p:nvGrpSpPr>
+      <p:grpSpPr>
+        <a:xfrm>
+          <a:off x="0" y="0"/>
+          <a:ext cx="0" cy="0"/>
+          <a:chOff x="0" y="0"/>
+          <a:chExt cx="0" cy="0"/>
+        </a:xfrm>
+      </p:grpSpPr>
+      <p:sp>
+        <p:nvSpPr>
+          <p:cNvPr id="96" name=""/>
+          <p:cNvSpPr/>
+          <p:nvPr/>
+        </p:nvSpPr>
+        <p:spPr>
+          <a:xfrm>
+            <a:off x="621720" y="4910040"/>
+            <a:ext cx="9133200" cy="1598760"/>
+          </a:xfrm>
+          <a:prstGeom prst="rect">
+            <a:avLst/>
+          </a:prstGeom>
+          <a:noFill/>
+          <a:ln w="0">
+            <a:noFill/>
+          </a:ln>
+        </p:spPr>
+        <p:style>
+          <a:lnRef idx="0"/>
+          <a:fillRef idx="0"/>
+          <a:effectRef idx="0"/>
+          <a:fontRef idx="minor"/>
+        </p:style>
+        <p:txBody>
+          <a:bodyPr lIns="90000" rIns="90000" tIns="45000" bIns="45000" anchor="t">
+            <a:noAutofit/>
+          </a:bodyPr>
+          <a:p>
+            <a:pPr>
+              <a:lnSpc>
+                <a:spcPct val="100000"/>
+              </a:lnSpc>
+              <a:buNone/>
+            </a:pPr>
+            <a:r>
+              <a:rPr b="1" lang="en-US" sz="1800" spc="-1" strike="noStrike">
+                <a:solidFill>
+                  <a:srgbClr val="000000"/>
+                </a:solidFill>
+                <a:latin typeface="Arial"/>
+                <a:ea typeface="DejaVu Sans"/>
+              </a:rPr>
+              <a:t>- folchange=Avg. Expr(tumor)/Avg. Expr(normal)</a:t>
+            </a:r>
+            <a:endParaRPr b="0" lang="en-US" sz="1800" spc="-1" strike="noStrike">
+              <a:latin typeface="Arial"/>
+            </a:endParaRPr>
+          </a:p>
+          <a:p>
+            <a:pPr>
+              <a:lnSpc>
+                <a:spcPct val="100000"/>
+              </a:lnSpc>
+              <a:buNone/>
+            </a:pPr>
+            <a:r>
+              <a:rPr b="1" lang="en-US" sz="1800" spc="-1" strike="noStrike">
+                <a:solidFill>
+                  <a:srgbClr val="000000"/>
+                </a:solidFill>
+                <a:latin typeface="Arial"/>
+                <a:ea typeface="DejaVu Sans"/>
+              </a:rPr>
+              <a:t>- log2folchange &gt;=0.58</a:t>
+            </a:r>
+            <a:endParaRPr b="0" lang="en-US" sz="1800" spc="-1" strike="noStrike">
+              <a:latin typeface="Arial"/>
+            </a:endParaRPr>
+          </a:p>
+          <a:p>
+            <a:pPr>
+              <a:lnSpc>
+                <a:spcPct val="100000"/>
+              </a:lnSpc>
+              <a:buNone/>
+            </a:pPr>
+            <a:r>
+              <a:rPr b="1" lang="en-US" sz="1800" spc="-1" strike="noStrike">
+                <a:solidFill>
+                  <a:srgbClr val="000000"/>
+                </a:solidFill>
+                <a:latin typeface="Arial"/>
+                <a:ea typeface="DejaVu Sans"/>
+              </a:rPr>
+              <a:t>- 2779 genes</a:t>
+            </a:r>
+            <a:endParaRPr b="0" lang="en-US" sz="1800" spc="-1" strike="noStrike">
+              <a:latin typeface="Arial"/>
+            </a:endParaRPr>
+          </a:p>
+        </p:txBody>
+      </p:sp>
+      <p:sp>
+        <p:nvSpPr>
+          <p:cNvPr id="97" name=""/>
+          <p:cNvSpPr/>
+          <p:nvPr/>
+        </p:nvSpPr>
+        <p:spPr>
+          <a:xfrm>
+            <a:off x="6213960" y="5073120"/>
+            <a:ext cx="2055960" cy="600840"/>
+          </a:xfrm>
+          <a:prstGeom prst="rect">
+            <a:avLst/>
+          </a:prstGeom>
+          <a:noFill/>
+          <a:ln w="0">
+            <a:noFill/>
+          </a:ln>
+        </p:spPr>
+        <p:style>
+          <a:lnRef idx="0"/>
+          <a:fillRef idx="0"/>
+          <a:effectRef idx="0"/>
+          <a:fontRef idx="minor"/>
+        </p:style>
+      </p:sp>
+      <p:sp>
+        <p:nvSpPr>
+          <p:cNvPr id="98" name=""/>
+          <p:cNvSpPr/>
+          <p:nvPr/>
+        </p:nvSpPr>
+        <p:spPr>
+          <a:xfrm>
+            <a:off x="11565720" y="4910040"/>
+            <a:ext cx="9133200" cy="1598760"/>
+          </a:xfrm>
+          <a:prstGeom prst="rect">
+            <a:avLst/>
+          </a:prstGeom>
+          <a:noFill/>
+          <a:ln w="0">
+            <a:noFill/>
+          </a:ln>
+        </p:spPr>
+        <p:style>
+          <a:lnRef idx="0"/>
+          <a:fillRef idx="0"/>
+          <a:effectRef idx="0"/>
+          <a:fontRef idx="minor"/>
+        </p:style>
+        <p:txBody>
+          <a:bodyPr lIns="90000" rIns="90000" tIns="45000" bIns="45000" anchor="t">
+            <a:noAutofit/>
+          </a:bodyPr>
+          <a:p>
+            <a:pPr>
+              <a:lnSpc>
+                <a:spcPct val="100000"/>
+              </a:lnSpc>
+              <a:buNone/>
+            </a:pPr>
+            <a:r>
+              <a:rPr b="1" lang="en-US" sz="1800" spc="-1" strike="noStrike">
+                <a:solidFill>
+                  <a:srgbClr val="000000"/>
+                </a:solidFill>
+                <a:latin typeface="Arial"/>
+                <a:ea typeface="DejaVu Sans"/>
+              </a:rPr>
+              <a:t>- folchange=RPKM Expr(tumor)-RPKM Expr(normal)</a:t>
+            </a:r>
+            <a:endParaRPr b="0" lang="en-US" sz="1800" spc="-1" strike="noStrike">
+              <a:latin typeface="Arial"/>
+            </a:endParaRPr>
+          </a:p>
+          <a:p>
+            <a:pPr>
+              <a:lnSpc>
+                <a:spcPct val="100000"/>
+              </a:lnSpc>
+              <a:buNone/>
+            </a:pPr>
+            <a:r>
+              <a:rPr b="1" lang="en-US" sz="1800" spc="-1" strike="noStrike">
+                <a:solidFill>
+                  <a:srgbClr val="000000"/>
+                </a:solidFill>
+                <a:latin typeface="Arial"/>
+                <a:ea typeface="DejaVu Sans"/>
+              </a:rPr>
+              <a:t>- Avg(log2folchange) &gt;=3.0</a:t>
+            </a:r>
+            <a:endParaRPr b="0" lang="en-US" sz="1800" spc="-1" strike="noStrike">
+              <a:latin typeface="Arial"/>
+            </a:endParaRPr>
+          </a:p>
+          <a:p>
+            <a:pPr>
+              <a:lnSpc>
+                <a:spcPct val="100000"/>
+              </a:lnSpc>
+              <a:buNone/>
+            </a:pPr>
+            <a:r>
+              <a:rPr b="1" lang="en-US" sz="1800" spc="-1" strike="noStrike">
+                <a:solidFill>
+                  <a:srgbClr val="000000"/>
+                </a:solidFill>
+                <a:latin typeface="Arial"/>
+                <a:ea typeface="DejaVu Sans"/>
+              </a:rPr>
+              <a:t>-  Stage I    : 663 genes</a:t>
+            </a:r>
+            <a:endParaRPr b="0" lang="en-US" sz="1800" spc="-1" strike="noStrike">
+              <a:latin typeface="Arial"/>
+            </a:endParaRPr>
+          </a:p>
+          <a:p>
+            <a:pPr>
+              <a:lnSpc>
+                <a:spcPct val="100000"/>
+              </a:lnSpc>
+              <a:buNone/>
+            </a:pPr>
+            <a:r>
+              <a:rPr b="1" lang="en-US" sz="1800" spc="-1" strike="noStrike">
+                <a:solidFill>
+                  <a:srgbClr val="000000"/>
+                </a:solidFill>
+                <a:latin typeface="Arial"/>
+                <a:ea typeface="DejaVu Sans"/>
+              </a:rPr>
+              <a:t>-  Stage II   : 718 genes</a:t>
+            </a:r>
+            <a:endParaRPr b="0" lang="en-US" sz="1800" spc="-1" strike="noStrike">
+              <a:latin typeface="Arial"/>
+            </a:endParaRPr>
+          </a:p>
+          <a:p>
+            <a:pPr>
+              <a:lnSpc>
+                <a:spcPct val="100000"/>
+              </a:lnSpc>
+              <a:buNone/>
+            </a:pPr>
+            <a:r>
+              <a:rPr b="1" lang="en-US" sz="1800" spc="-1" strike="noStrike">
+                <a:solidFill>
+                  <a:srgbClr val="000000"/>
+                </a:solidFill>
+                <a:latin typeface="Arial"/>
+                <a:ea typeface="DejaVu Sans"/>
+              </a:rPr>
+              <a:t>-  Stage III  : 701 genes</a:t>
+            </a:r>
+            <a:endParaRPr b="0" lang="en-US" sz="1800" spc="-1" strike="noStrike">
+              <a:latin typeface="Arial"/>
+            </a:endParaRPr>
+          </a:p>
+          <a:p>
+            <a:pPr>
+              <a:lnSpc>
+                <a:spcPct val="100000"/>
+              </a:lnSpc>
+              <a:buNone/>
+            </a:pPr>
+            <a:endParaRPr b="0" lang="en-US" sz="1800" spc="-1" strike="noStrike">
+              <a:latin typeface="Arial"/>
+            </a:endParaRPr>
+          </a:p>
+        </p:txBody>
+      </p:sp>
+      <p:sp>
+        <p:nvSpPr>
+          <p:cNvPr id="99" name=""/>
+          <p:cNvSpPr/>
+          <p:nvPr/>
+        </p:nvSpPr>
+        <p:spPr>
+          <a:xfrm>
+            <a:off x="10461960" y="3902040"/>
+            <a:ext cx="2055960" cy="600840"/>
+          </a:xfrm>
+          <a:prstGeom prst="rect">
+            <a:avLst/>
+          </a:prstGeom>
+          <a:noFill/>
+          <a:ln w="0">
+            <a:noFill/>
+          </a:ln>
+        </p:spPr>
+        <p:style>
+          <a:lnRef idx="0"/>
+          <a:fillRef idx="0"/>
+          <a:effectRef idx="0"/>
+          <a:fontRef idx="minor"/>
+        </p:style>
+      </p:sp>
+      <p:sp>
+        <p:nvSpPr>
+          <p:cNvPr id="100" name=""/>
+          <p:cNvSpPr/>
+          <p:nvPr/>
+        </p:nvSpPr>
+        <p:spPr>
+          <a:xfrm>
+            <a:off x="7869960" y="2229120"/>
+            <a:ext cx="2055960" cy="600840"/>
+          </a:xfrm>
+          <a:prstGeom prst="rect">
+            <a:avLst/>
+          </a:prstGeom>
+          <a:noFill/>
+          <a:ln w="0">
+            <a:noFill/>
+          </a:ln>
+        </p:spPr>
+        <p:style>
+          <a:lnRef idx="0"/>
+          <a:fillRef idx="0"/>
+          <a:effectRef idx="0"/>
+          <a:fontRef idx="minor"/>
+        </p:style>
+        <p:txBody>
+          <a:bodyPr lIns="90000" rIns="90000" tIns="45000" bIns="45000" anchor="t">
+            <a:noAutofit/>
+          </a:bodyPr>
+          <a:p>
+            <a:pPr>
+              <a:lnSpc>
+                <a:spcPct val="100000"/>
+              </a:lnSpc>
+              <a:buNone/>
+            </a:pPr>
+            <a:r>
+              <a:rPr b="1" lang="en-US" sz="1800" spc="-1" strike="noStrike">
+                <a:solidFill>
+                  <a:srgbClr val="000000"/>
+                </a:solidFill>
+                <a:latin typeface="Arial"/>
+                <a:ea typeface="DejaVu Sans"/>
+              </a:rPr>
+              <a:t>Paired samples tumor/control</a:t>
+            </a:r>
+            <a:endParaRPr b="0" lang="en-US" sz="1800" spc="-1" strike="noStrike">
+              <a:latin typeface="Arial"/>
+            </a:endParaRPr>
+          </a:p>
+        </p:txBody>
+      </p:sp>
+      <p:pic>
+        <p:nvPicPr>
+          <p:cNvPr id="101" name="" descr=""/>
+          <p:cNvPicPr/>
+          <p:nvPr/>
+        </p:nvPicPr>
+        <p:blipFill>
+          <a:blip r:embed="rId1"/>
+          <a:stretch/>
+        </p:blipFill>
+        <p:spPr>
+          <a:xfrm>
+            <a:off x="8101800" y="2774160"/>
+            <a:ext cx="1256760" cy="1256760"/>
+          </a:xfrm>
+          <a:prstGeom prst="rect">
+            <a:avLst/>
+          </a:prstGeom>
+          <a:ln w="0">
+            <a:noFill/>
+          </a:ln>
+        </p:spPr>
+      </p:pic>
+      <p:pic>
+        <p:nvPicPr>
+          <p:cNvPr id="102" name="" descr=""/>
+          <p:cNvPicPr/>
+          <p:nvPr/>
+        </p:nvPicPr>
+        <p:blipFill>
+          <a:blip r:embed="rId2"/>
+          <a:stretch/>
+        </p:blipFill>
+        <p:spPr>
+          <a:xfrm>
+            <a:off x="10407600" y="5018040"/>
+            <a:ext cx="1000440" cy="887760"/>
+          </a:xfrm>
+          <a:prstGeom prst="rect">
+            <a:avLst/>
+          </a:prstGeom>
+          <a:ln w="0">
+            <a:noFill/>
+          </a:ln>
+        </p:spPr>
+      </p:pic>
+      <p:pic>
+        <p:nvPicPr>
+          <p:cNvPr id="103" name="" descr=""/>
+          <p:cNvPicPr/>
+          <p:nvPr/>
+        </p:nvPicPr>
+        <p:blipFill>
+          <a:blip r:embed="rId3"/>
+          <a:stretch/>
+        </p:blipFill>
+        <p:spPr>
+          <a:xfrm>
+            <a:off x="6496200" y="4238280"/>
+            <a:ext cx="4507920" cy="712440"/>
+          </a:xfrm>
+          <a:prstGeom prst="rect">
+            <a:avLst/>
+          </a:prstGeom>
+          <a:ln w="0">
+            <a:noFill/>
+          </a:ln>
+        </p:spPr>
+      </p:pic>
+      <p:sp>
+        <p:nvSpPr>
+          <p:cNvPr id="104" name=""/>
+          <p:cNvSpPr/>
+          <p:nvPr/>
+        </p:nvSpPr>
+        <p:spPr>
+          <a:xfrm>
+            <a:off x="5851800" y="3901680"/>
+            <a:ext cx="2026080" cy="345240"/>
+          </a:xfrm>
+          <a:prstGeom prst="rect">
+            <a:avLst/>
+          </a:prstGeom>
+          <a:noFill/>
+          <a:ln w="0">
+            <a:noFill/>
+          </a:ln>
+        </p:spPr>
+        <p:style>
+          <a:lnRef idx="0"/>
+          <a:fillRef idx="0"/>
+          <a:effectRef idx="0"/>
+          <a:fontRef idx="minor"/>
+        </p:style>
+        <p:txBody>
+          <a:bodyPr lIns="90000" rIns="90000" tIns="45000" bIns="45000" anchor="t">
+            <a:noAutofit/>
+          </a:bodyPr>
+          <a:p>
+            <a:pPr>
+              <a:lnSpc>
+                <a:spcPct val="100000"/>
+              </a:lnSpc>
+              <a:buNone/>
+            </a:pPr>
+            <a:r>
+              <a:rPr b="1" lang="en-US" sz="1800" spc="-1" strike="noStrike">
+                <a:solidFill>
+                  <a:srgbClr val="000000"/>
+                </a:solidFill>
+                <a:latin typeface="Arial"/>
+                <a:ea typeface="DejaVu Sans"/>
+              </a:rPr>
+              <a:t>Diff. of means</a:t>
+            </a:r>
+            <a:endParaRPr b="0" lang="en-US" sz="1800" spc="-1" strike="noStrike">
+              <a:latin typeface="Arial"/>
+            </a:endParaRPr>
+          </a:p>
+        </p:txBody>
+      </p:sp>
+      <p:sp>
+        <p:nvSpPr>
+          <p:cNvPr id="105" name=""/>
+          <p:cNvSpPr/>
+          <p:nvPr/>
+        </p:nvSpPr>
+        <p:spPr>
+          <a:xfrm>
+            <a:off x="10280160" y="3902040"/>
+            <a:ext cx="2169720" cy="345240"/>
+          </a:xfrm>
+          <a:prstGeom prst="rect">
+            <a:avLst/>
+          </a:prstGeom>
+          <a:noFill/>
+          <a:ln w="0">
+            <a:noFill/>
+          </a:ln>
+        </p:spPr>
+        <p:style>
+          <a:lnRef idx="0"/>
+          <a:fillRef idx="0"/>
+          <a:effectRef idx="0"/>
+          <a:fontRef idx="minor"/>
+        </p:style>
+        <p:txBody>
+          <a:bodyPr lIns="90000" rIns="90000" tIns="45000" bIns="45000" anchor="t">
+            <a:noAutofit/>
+          </a:bodyPr>
+          <a:p>
+            <a:pPr>
+              <a:lnSpc>
+                <a:spcPct val="100000"/>
+              </a:lnSpc>
+              <a:buNone/>
+            </a:pPr>
+            <a:r>
+              <a:rPr b="1" lang="en-US" sz="1800" spc="-1" strike="noStrike">
+                <a:solidFill>
+                  <a:srgbClr val="000000"/>
+                </a:solidFill>
+                <a:latin typeface="Arial"/>
+                <a:ea typeface="DejaVu Sans"/>
+              </a:rPr>
+              <a:t>Mean of diff.</a:t>
+            </a:r>
+            <a:endParaRPr b="0" lang="en-US" sz="1800" spc="-1" strike="noStrike">
+              <a:latin typeface="Arial"/>
+            </a:endParaRPr>
+          </a:p>
+        </p:txBody>
+      </p:sp>
+      <p:pic>
+        <p:nvPicPr>
+          <p:cNvPr id="106" name="" descr=""/>
+          <p:cNvPicPr/>
+          <p:nvPr/>
+        </p:nvPicPr>
+        <p:blipFill>
+          <a:blip r:embed="rId4"/>
+          <a:stretch/>
+        </p:blipFill>
+        <p:spPr>
+          <a:xfrm>
+            <a:off x="6087960" y="5018040"/>
+            <a:ext cx="1000440" cy="887760"/>
+          </a:xfrm>
+          <a:prstGeom prst="rect">
+            <a:avLst/>
+          </a:prstGeom>
+          <a:ln w="0">
+            <a:noFill/>
+          </a:ln>
+        </p:spPr>
+      </p:pic>
     </p:spTree>
   </p:cSld>
   <mc:AlternateContent>
